--- a/我要頌揚_國語版.pptx
+++ b/我要頌揚_國語版.pptx
@@ -2,7 +2,7 @@
 <file path=ppt/presentation.xml><?xml version="1.0" encoding="utf-8"?>
 <p:presentation xmlns:a="http://schemas.openxmlformats.org/drawingml/2006/main" xmlns:r="http://schemas.openxmlformats.org/officeDocument/2006/relationships" xmlns:p="http://schemas.openxmlformats.org/presentationml/2006/main" saveSubsetFonts="1">
   <p:sldMasterIdLst>
-    <p:sldMasterId id="2147483648" r:id="rId1"/>
+    <p:sldMasterId id="2147483660" r:id="rId1"/>
   </p:sldMasterIdLst>
   <p:sldIdLst>
     <p:sldId id="257" r:id="rId2"/>
@@ -290,7 +290,8 @@
           <a:p>
             <a:fld id="{A95F74E7-4BF7-4687-8727-E26A2E617AB2}" type="datetimeFigureOut">
               <a:rPr lang="zh-TW" altLang="en-US" smtClean="0"/>
-              <a:t>2018/1/2</a:t>
+              <a:pPr/>
+              <a:t>2019/3/31</a:t>
             </a:fld>
             <a:endParaRPr lang="zh-TW" altLang="en-US"/>
           </a:p>
@@ -332,6 +333,7 @@
           <a:p>
             <a:fld id="{5319148C-27AF-4D5C-A070-922857700E37}" type="slidenum">
               <a:rPr lang="zh-TW" altLang="en-US" smtClean="0"/>
+              <a:pPr/>
               <a:t>‹#›</a:t>
             </a:fld>
             <a:endParaRPr lang="zh-TW" altLang="en-US"/>
@@ -455,7 +457,8 @@
           <a:p>
             <a:fld id="{A95F74E7-4BF7-4687-8727-E26A2E617AB2}" type="datetimeFigureOut">
               <a:rPr lang="zh-TW" altLang="en-US" smtClean="0"/>
-              <a:t>2018/1/2</a:t>
+              <a:pPr/>
+              <a:t>2019/3/31</a:t>
             </a:fld>
             <a:endParaRPr lang="zh-TW" altLang="en-US"/>
           </a:p>
@@ -497,6 +500,7 @@
           <a:p>
             <a:fld id="{5319148C-27AF-4D5C-A070-922857700E37}" type="slidenum">
               <a:rPr lang="zh-TW" altLang="en-US" smtClean="0"/>
+              <a:pPr/>
               <a:t>‹#›</a:t>
             </a:fld>
             <a:endParaRPr lang="zh-TW" altLang="en-US"/>
@@ -630,7 +634,8 @@
           <a:p>
             <a:fld id="{A95F74E7-4BF7-4687-8727-E26A2E617AB2}" type="datetimeFigureOut">
               <a:rPr lang="zh-TW" altLang="en-US" smtClean="0"/>
-              <a:t>2018/1/2</a:t>
+              <a:pPr/>
+              <a:t>2019/3/31</a:t>
             </a:fld>
             <a:endParaRPr lang="zh-TW" altLang="en-US"/>
           </a:p>
@@ -672,6 +677,7 @@
           <a:p>
             <a:fld id="{5319148C-27AF-4D5C-A070-922857700E37}" type="slidenum">
               <a:rPr lang="zh-TW" altLang="en-US" smtClean="0"/>
+              <a:pPr/>
               <a:t>‹#›</a:t>
             </a:fld>
             <a:endParaRPr lang="zh-TW" altLang="en-US"/>
@@ -795,7 +801,8 @@
           <a:p>
             <a:fld id="{A95F74E7-4BF7-4687-8727-E26A2E617AB2}" type="datetimeFigureOut">
               <a:rPr lang="zh-TW" altLang="en-US" smtClean="0"/>
-              <a:t>2018/1/2</a:t>
+              <a:pPr/>
+              <a:t>2019/3/31</a:t>
             </a:fld>
             <a:endParaRPr lang="zh-TW" altLang="en-US"/>
           </a:p>
@@ -837,6 +844,7 @@
           <a:p>
             <a:fld id="{5319148C-27AF-4D5C-A070-922857700E37}" type="slidenum">
               <a:rPr lang="zh-TW" altLang="en-US" smtClean="0"/>
+              <a:pPr/>
               <a:t>‹#›</a:t>
             </a:fld>
             <a:endParaRPr lang="zh-TW" altLang="en-US"/>
@@ -1036,7 +1044,8 @@
           <a:p>
             <a:fld id="{A95F74E7-4BF7-4687-8727-E26A2E617AB2}" type="datetimeFigureOut">
               <a:rPr lang="zh-TW" altLang="en-US" smtClean="0"/>
-              <a:t>2018/1/2</a:t>
+              <a:pPr/>
+              <a:t>2019/3/31</a:t>
             </a:fld>
             <a:endParaRPr lang="zh-TW" altLang="en-US"/>
           </a:p>
@@ -1078,6 +1087,7 @@
           <a:p>
             <a:fld id="{5319148C-27AF-4D5C-A070-922857700E37}" type="slidenum">
               <a:rPr lang="zh-TW" altLang="en-US" smtClean="0"/>
+              <a:pPr/>
               <a:t>‹#›</a:t>
             </a:fld>
             <a:endParaRPr lang="zh-TW" altLang="en-US"/>
@@ -1319,7 +1329,8 @@
           <a:p>
             <a:fld id="{A95F74E7-4BF7-4687-8727-E26A2E617AB2}" type="datetimeFigureOut">
               <a:rPr lang="zh-TW" altLang="en-US" smtClean="0"/>
-              <a:t>2018/1/2</a:t>
+              <a:pPr/>
+              <a:t>2019/3/31</a:t>
             </a:fld>
             <a:endParaRPr lang="zh-TW" altLang="en-US"/>
           </a:p>
@@ -1361,6 +1372,7 @@
           <a:p>
             <a:fld id="{5319148C-27AF-4D5C-A070-922857700E37}" type="slidenum">
               <a:rPr lang="zh-TW" altLang="en-US" smtClean="0"/>
+              <a:pPr/>
               <a:t>‹#›</a:t>
             </a:fld>
             <a:endParaRPr lang="zh-TW" altLang="en-US"/>
@@ -1736,7 +1748,8 @@
           <a:p>
             <a:fld id="{A95F74E7-4BF7-4687-8727-E26A2E617AB2}" type="datetimeFigureOut">
               <a:rPr lang="zh-TW" altLang="en-US" smtClean="0"/>
-              <a:t>2018/1/2</a:t>
+              <a:pPr/>
+              <a:t>2019/3/31</a:t>
             </a:fld>
             <a:endParaRPr lang="zh-TW" altLang="en-US"/>
           </a:p>
@@ -1778,6 +1791,7 @@
           <a:p>
             <a:fld id="{5319148C-27AF-4D5C-A070-922857700E37}" type="slidenum">
               <a:rPr lang="zh-TW" altLang="en-US" smtClean="0"/>
+              <a:pPr/>
               <a:t>‹#›</a:t>
             </a:fld>
             <a:endParaRPr lang="zh-TW" altLang="en-US"/>
@@ -1849,7 +1863,8 @@
           <a:p>
             <a:fld id="{A95F74E7-4BF7-4687-8727-E26A2E617AB2}" type="datetimeFigureOut">
               <a:rPr lang="zh-TW" altLang="en-US" smtClean="0"/>
-              <a:t>2018/1/2</a:t>
+              <a:pPr/>
+              <a:t>2019/3/31</a:t>
             </a:fld>
             <a:endParaRPr lang="zh-TW" altLang="en-US"/>
           </a:p>
@@ -1891,6 +1906,7 @@
           <a:p>
             <a:fld id="{5319148C-27AF-4D5C-A070-922857700E37}" type="slidenum">
               <a:rPr lang="zh-TW" altLang="en-US" smtClean="0"/>
+              <a:pPr/>
               <a:t>‹#›</a:t>
             </a:fld>
             <a:endParaRPr lang="zh-TW" altLang="en-US"/>
@@ -1939,7 +1955,8 @@
           <a:p>
             <a:fld id="{A95F74E7-4BF7-4687-8727-E26A2E617AB2}" type="datetimeFigureOut">
               <a:rPr lang="zh-TW" altLang="en-US" smtClean="0"/>
-              <a:t>2018/1/2</a:t>
+              <a:pPr/>
+              <a:t>2019/3/31</a:t>
             </a:fld>
             <a:endParaRPr lang="zh-TW" altLang="en-US"/>
           </a:p>
@@ -1981,6 +1998,7 @@
           <a:p>
             <a:fld id="{5319148C-27AF-4D5C-A070-922857700E37}" type="slidenum">
               <a:rPr lang="zh-TW" altLang="en-US" smtClean="0"/>
+              <a:pPr/>
               <a:t>‹#›</a:t>
             </a:fld>
             <a:endParaRPr lang="zh-TW" altLang="en-US"/>
@@ -2211,7 +2229,8 @@
           <a:p>
             <a:fld id="{A95F74E7-4BF7-4687-8727-E26A2E617AB2}" type="datetimeFigureOut">
               <a:rPr lang="zh-TW" altLang="en-US" smtClean="0"/>
-              <a:t>2018/1/2</a:t>
+              <a:pPr/>
+              <a:t>2019/3/31</a:t>
             </a:fld>
             <a:endParaRPr lang="zh-TW" altLang="en-US"/>
           </a:p>
@@ -2253,6 +2272,7 @@
           <a:p>
             <a:fld id="{5319148C-27AF-4D5C-A070-922857700E37}" type="slidenum">
               <a:rPr lang="zh-TW" altLang="en-US" smtClean="0"/>
+              <a:pPr/>
               <a:t>‹#›</a:t>
             </a:fld>
             <a:endParaRPr lang="zh-TW" altLang="en-US"/>
@@ -2373,6 +2393,10 @@
             </a:lvl9pPr>
           </a:lstStyle>
           <a:p>
+            <a:r>
+              <a:rPr lang="zh-TW" altLang="en-US" smtClean="0"/>
+              <a:t>按一下圖示以新增圖片</a:t>
+            </a:r>
             <a:endParaRPr lang="zh-TW" altLang="en-US"/>
           </a:p>
         </p:txBody>
@@ -2459,7 +2483,8 @@
           <a:p>
             <a:fld id="{A95F74E7-4BF7-4687-8727-E26A2E617AB2}" type="datetimeFigureOut">
               <a:rPr lang="zh-TW" altLang="en-US" smtClean="0"/>
-              <a:t>2018/1/2</a:t>
+              <a:pPr/>
+              <a:t>2019/3/31</a:t>
             </a:fld>
             <a:endParaRPr lang="zh-TW" altLang="en-US"/>
           </a:p>
@@ -2501,6 +2526,7 @@
           <a:p>
             <a:fld id="{5319148C-27AF-4D5C-A070-922857700E37}" type="slidenum">
               <a:rPr lang="zh-TW" altLang="en-US" smtClean="0"/>
+              <a:pPr/>
               <a:t>‹#›</a:t>
             </a:fld>
             <a:endParaRPr lang="zh-TW" altLang="en-US"/>
@@ -2519,9 +2545,14 @@
 <p:sldMaster xmlns:a="http://schemas.openxmlformats.org/drawingml/2006/main" xmlns:r="http://schemas.openxmlformats.org/officeDocument/2006/relationships" xmlns:p="http://schemas.openxmlformats.org/presentationml/2006/main">
   <p:cSld>
     <p:bg>
-      <p:bgRef idx="1001">
-        <a:schemeClr val="bg1"/>
-      </p:bgRef>
+      <p:bgPr>
+        <a:blipFill dpi="0" rotWithShape="1">
+          <a:blip r:embed="rId13"/>
+          <a:srcRect/>
+          <a:tile tx="0" ty="0" sx="100000" sy="100000" flip="none" algn="tl"/>
+        </a:blipFill>
+        <a:effectLst/>
+      </p:bgPr>
     </p:bg>
     <p:spTree>
       <p:nvGrpSpPr>
@@ -2667,7 +2698,8 @@
           <a:p>
             <a:fld id="{A95F74E7-4BF7-4687-8727-E26A2E617AB2}" type="datetimeFigureOut">
               <a:rPr lang="zh-TW" altLang="en-US" smtClean="0"/>
-              <a:t>2018/1/2</a:t>
+              <a:pPr/>
+              <a:t>2019/3/31</a:t>
             </a:fld>
             <a:endParaRPr lang="zh-TW" altLang="en-US"/>
           </a:p>
@@ -2745,6 +2777,7 @@
           <a:p>
             <a:fld id="{5319148C-27AF-4D5C-A070-922857700E37}" type="slidenum">
               <a:rPr lang="zh-TW" altLang="en-US" smtClean="0"/>
+              <a:pPr/>
               <a:t>‹#›</a:t>
             </a:fld>
             <a:endParaRPr lang="zh-TW" altLang="en-US"/>
@@ -2755,17 +2788,17 @@
   </p:cSld>
   <p:clrMap bg1="lt1" tx1="dk1" bg2="lt2" tx2="dk2" accent1="accent1" accent2="accent2" accent3="accent3" accent4="accent4" accent5="accent5" accent6="accent6" hlink="hlink" folHlink="folHlink"/>
   <p:sldLayoutIdLst>
-    <p:sldLayoutId id="2147483649" r:id="rId1"/>
-    <p:sldLayoutId id="2147483650" r:id="rId2"/>
-    <p:sldLayoutId id="2147483651" r:id="rId3"/>
-    <p:sldLayoutId id="2147483652" r:id="rId4"/>
-    <p:sldLayoutId id="2147483653" r:id="rId5"/>
-    <p:sldLayoutId id="2147483654" r:id="rId6"/>
-    <p:sldLayoutId id="2147483655" r:id="rId7"/>
-    <p:sldLayoutId id="2147483656" r:id="rId8"/>
-    <p:sldLayoutId id="2147483657" r:id="rId9"/>
-    <p:sldLayoutId id="2147483658" r:id="rId10"/>
-    <p:sldLayoutId id="2147483659" r:id="rId11"/>
+    <p:sldLayoutId id="2147483661" r:id="rId1"/>
+    <p:sldLayoutId id="2147483662" r:id="rId2"/>
+    <p:sldLayoutId id="2147483663" r:id="rId3"/>
+    <p:sldLayoutId id="2147483664" r:id="rId4"/>
+    <p:sldLayoutId id="2147483665" r:id="rId5"/>
+    <p:sldLayoutId id="2147483666" r:id="rId6"/>
+    <p:sldLayoutId id="2147483667" r:id="rId7"/>
+    <p:sldLayoutId id="2147483668" r:id="rId8"/>
+    <p:sldLayoutId id="2147483669" r:id="rId9"/>
+    <p:sldLayoutId id="2147483670" r:id="rId10"/>
+    <p:sldLayoutId id="2147483671" r:id="rId11"/>
   </p:sldLayoutIdLst>
   <p:txStyles>
     <p:titleStyle>
@@ -3147,21 +3180,8 @@
                 <a:ea typeface="微軟正黑體" pitchFamily="34" charset="-120"/>
                 <a:cs typeface="+mj-cs"/>
               </a:rPr>
-              <a:t>我要頌揚</a:t>
-            </a:r>
-            <a:endParaRPr lang="en-US" altLang="zh-TW" sz="5400" b="1" dirty="0" smtClean="0">
-              <a:solidFill>
-                <a:srgbClr val="002060"/>
-              </a:solidFill>
-              <a:latin typeface="微軟正黑體" pitchFamily="34" charset="-120"/>
-              <a:ea typeface="微軟正黑體" pitchFamily="34" charset="-120"/>
-              <a:cs typeface="+mj-cs"/>
-            </a:endParaRPr>
-          </a:p>
-          <a:p>
-            <a:pPr algn="ctr">
-              <a:buNone/>
-            </a:pPr>
+              <a:t>我要</a:t>
+            </a:r>
             <a:r>
               <a:rPr lang="zh-TW" altLang="en-US" sz="5400" b="1" dirty="0" smtClean="0">
                 <a:solidFill>
@@ -3171,7 +3191,40 @@
                 <a:ea typeface="微軟正黑體" pitchFamily="34" charset="-120"/>
                 <a:cs typeface="+mj-cs"/>
               </a:rPr>
-              <a:t>頌揚那造耳朵的主</a:t>
+              <a:t>頌揚</a:t>
+            </a:r>
+            <a:r>
+              <a:rPr lang="en-US" altLang="zh-TW" sz="5400" b="1" dirty="0" smtClean="0">
+                <a:solidFill>
+                  <a:srgbClr val="002060"/>
+                </a:solidFill>
+                <a:latin typeface="微軟正黑體" pitchFamily="34" charset="-120"/>
+                <a:ea typeface="微軟正黑體" pitchFamily="34" charset="-120"/>
+                <a:cs typeface="+mj-cs"/>
+              </a:rPr>
+              <a:t>   </a:t>
+            </a:r>
+            <a:r>
+              <a:rPr lang="zh-TW" altLang="en-US" sz="5400" b="1" dirty="0" smtClean="0">
+                <a:solidFill>
+                  <a:srgbClr val="002060"/>
+                </a:solidFill>
+                <a:latin typeface="微軟正黑體" pitchFamily="34" charset="-120"/>
+                <a:ea typeface="微軟正黑體" pitchFamily="34" charset="-120"/>
+                <a:cs typeface="+mj-cs"/>
+              </a:rPr>
+              <a:t>頌揚</a:t>
+            </a:r>
+            <a:r>
+              <a:rPr lang="zh-TW" altLang="en-US" sz="5400" b="1" dirty="0" smtClean="0">
+                <a:solidFill>
+                  <a:srgbClr val="002060"/>
+                </a:solidFill>
+                <a:latin typeface="微軟正黑體" pitchFamily="34" charset="-120"/>
+                <a:ea typeface="微軟正黑體" pitchFamily="34" charset="-120"/>
+                <a:cs typeface="+mj-cs"/>
+              </a:rPr>
+              <a:t>那造耳朵的主</a:t>
             </a:r>
             <a:endParaRPr lang="en-US" altLang="zh-TW" sz="5400" b="1" dirty="0" smtClean="0">
               <a:solidFill>
@@ -3551,7 +3604,7 @@
 </file>
 
 <file path=ppt/theme/theme1.xml><?xml version="1.0" encoding="utf-8"?>
-<a:theme xmlns:a="http://schemas.openxmlformats.org/drawingml/2006/main" name="Office 佈景主題">
+<a:theme xmlns:a="http://schemas.openxmlformats.org/drawingml/2006/main" name="佈景主題1">
   <a:themeElements>
     <a:clrScheme name="Office">
       <a:dk1>

--- a/我要頌揚_國語版.pptx
+++ b/我要頌揚_國語版.pptx
@@ -5,11 +5,14 @@
     <p:sldMasterId id="2147483660" r:id="rId1"/>
   </p:sldMasterIdLst>
   <p:sldIdLst>
-    <p:sldId id="257" r:id="rId2"/>
-    <p:sldId id="258" r:id="rId3"/>
-    <p:sldId id="259" r:id="rId4"/>
+    <p:sldId id="260" r:id="rId2"/>
+    <p:sldId id="261" r:id="rId3"/>
+    <p:sldId id="262" r:id="rId4"/>
+    <p:sldId id="263" r:id="rId5"/>
+    <p:sldId id="264" r:id="rId6"/>
+    <p:sldId id="265" r:id="rId7"/>
   </p:sldIdLst>
-  <p:sldSz cx="9144000" cy="6858000" type="screen4x3"/>
+  <p:sldSz cx="12192000" cy="6858000"/>
   <p:notesSz cx="6858000" cy="9144000"/>
   <p:defaultTextStyle>
     <a:defPPr>
@@ -106,6 +109,22 @@
       </a:defRPr>
     </a:lvl9pPr>
   </p:defaultTextStyle>
+  <p:extLst>
+    <p:ext uri="{EFAFB233-063F-42B5-8137-9DF3F51BA10A}">
+      <p15:sldGuideLst xmlns:p15="http://schemas.microsoft.com/office/powerpoint/2012/main">
+        <p15:guide id="1" orient="horz" pos="2160" userDrawn="1">
+          <p15:clr>
+            <a:srgbClr val="A4A3A4"/>
+          </p15:clr>
+        </p15:guide>
+        <p15:guide id="2" pos="3840" userDrawn="1">
+          <p15:clr>
+            <a:srgbClr val="A4A3A4"/>
+          </p15:clr>
+        </p15:guide>
+      </p15:sldGuideLst>
+    </p:ext>
+  </p:extLst>
 </p:presentation>
 </file>
 
@@ -138,8 +157,8 @@
         </p:nvSpPr>
         <p:spPr>
           <a:xfrm>
-            <a:off x="685800" y="2130425"/>
-            <a:ext cx="7772400" cy="1470025"/>
+            <a:off x="914400" y="2130426"/>
+            <a:ext cx="10363200" cy="1470025"/>
           </a:xfrm>
         </p:spPr>
         <p:txBody>
@@ -166,8 +185,8 @@
         </p:nvSpPr>
         <p:spPr>
           <a:xfrm>
-            <a:off x="1371600" y="3886200"/>
-            <a:ext cx="6400800" cy="1752600"/>
+            <a:off x="1828800" y="3886200"/>
+            <a:ext cx="8534400" cy="1752600"/>
           </a:xfrm>
         </p:spPr>
         <p:txBody>
@@ -291,7 +310,7 @@
             <a:fld id="{A95F74E7-4BF7-4687-8727-E26A2E617AB2}" type="datetimeFigureOut">
               <a:rPr lang="zh-TW" altLang="en-US" smtClean="0"/>
               <a:pPr/>
-              <a:t>2019/3/31</a:t>
+              <a:t>2021/5/22</a:t>
             </a:fld>
             <a:endParaRPr lang="zh-TW" altLang="en-US"/>
           </a:p>
@@ -458,7 +477,7 @@
             <a:fld id="{A95F74E7-4BF7-4687-8727-E26A2E617AB2}" type="datetimeFigureOut">
               <a:rPr lang="zh-TW" altLang="en-US" smtClean="0"/>
               <a:pPr/>
-              <a:t>2019/3/31</a:t>
+              <a:t>2021/5/22</a:t>
             </a:fld>
             <a:endParaRPr lang="zh-TW" altLang="en-US"/>
           </a:p>
@@ -544,8 +563,8 @@
         </p:nvSpPr>
         <p:spPr>
           <a:xfrm>
-            <a:off x="6629400" y="274638"/>
-            <a:ext cx="2057400" cy="5851525"/>
+            <a:off x="8839200" y="274639"/>
+            <a:ext cx="2743200" cy="5851525"/>
           </a:xfrm>
         </p:spPr>
         <p:txBody>
@@ -572,8 +591,8 @@
         </p:nvSpPr>
         <p:spPr>
           <a:xfrm>
-            <a:off x="457200" y="274638"/>
-            <a:ext cx="6019800" cy="5851525"/>
+            <a:off x="609600" y="274639"/>
+            <a:ext cx="8026400" cy="5851525"/>
           </a:xfrm>
         </p:spPr>
         <p:txBody>
@@ -635,7 +654,7 @@
             <a:fld id="{A95F74E7-4BF7-4687-8727-E26A2E617AB2}" type="datetimeFigureOut">
               <a:rPr lang="zh-TW" altLang="en-US" smtClean="0"/>
               <a:pPr/>
-              <a:t>2019/3/31</a:t>
+              <a:t>2021/5/22</a:t>
             </a:fld>
             <a:endParaRPr lang="zh-TW" altLang="en-US"/>
           </a:p>
@@ -802,7 +821,7 @@
             <a:fld id="{A95F74E7-4BF7-4687-8727-E26A2E617AB2}" type="datetimeFigureOut">
               <a:rPr lang="zh-TW" altLang="en-US" smtClean="0"/>
               <a:pPr/>
-              <a:t>2019/3/31</a:t>
+              <a:t>2021/5/22</a:t>
             </a:fld>
             <a:endParaRPr lang="zh-TW" altLang="en-US"/>
           </a:p>
@@ -888,8 +907,8 @@
         </p:nvSpPr>
         <p:spPr>
           <a:xfrm>
-            <a:off x="722313" y="4406900"/>
-            <a:ext cx="7772400" cy="1362075"/>
+            <a:off x="963084" y="4406901"/>
+            <a:ext cx="10363200" cy="1362075"/>
           </a:xfrm>
         </p:spPr>
         <p:txBody>
@@ -920,8 +939,8 @@
         </p:nvSpPr>
         <p:spPr>
           <a:xfrm>
-            <a:off x="722313" y="2906713"/>
-            <a:ext cx="7772400" cy="1500187"/>
+            <a:off x="963084" y="2906713"/>
+            <a:ext cx="10363200" cy="1500187"/>
           </a:xfrm>
         </p:spPr>
         <p:txBody>
@@ -1045,7 +1064,7 @@
             <a:fld id="{A95F74E7-4BF7-4687-8727-E26A2E617AB2}" type="datetimeFigureOut">
               <a:rPr lang="zh-TW" altLang="en-US" smtClean="0"/>
               <a:pPr/>
-              <a:t>2019/3/31</a:t>
+              <a:t>2021/5/22</a:t>
             </a:fld>
             <a:endParaRPr lang="zh-TW" altLang="en-US"/>
           </a:p>
@@ -1154,8 +1173,8 @@
         </p:nvSpPr>
         <p:spPr>
           <a:xfrm>
-            <a:off x="457200" y="1600200"/>
-            <a:ext cx="4038600" cy="4525963"/>
+            <a:off x="609600" y="1600201"/>
+            <a:ext cx="5384800" cy="4525963"/>
           </a:xfrm>
         </p:spPr>
         <p:txBody>
@@ -1239,8 +1258,8 @@
         </p:nvSpPr>
         <p:spPr>
           <a:xfrm>
-            <a:off x="4648200" y="1600200"/>
-            <a:ext cx="4038600" cy="4525963"/>
+            <a:off x="6197600" y="1600201"/>
+            <a:ext cx="5384800" cy="4525963"/>
           </a:xfrm>
         </p:spPr>
         <p:txBody>
@@ -1330,7 +1349,7 @@
             <a:fld id="{A95F74E7-4BF7-4687-8727-E26A2E617AB2}" type="datetimeFigureOut">
               <a:rPr lang="zh-TW" altLang="en-US" smtClean="0"/>
               <a:pPr/>
-              <a:t>2019/3/31</a:t>
+              <a:t>2021/5/22</a:t>
             </a:fld>
             <a:endParaRPr lang="zh-TW" altLang="en-US"/>
           </a:p>
@@ -1443,8 +1462,8 @@
         </p:nvSpPr>
         <p:spPr>
           <a:xfrm>
-            <a:off x="457200" y="1535113"/>
-            <a:ext cx="4040188" cy="639762"/>
+            <a:off x="609600" y="1535113"/>
+            <a:ext cx="5386917" cy="639762"/>
           </a:xfrm>
         </p:spPr>
         <p:txBody>
@@ -1508,8 +1527,8 @@
         </p:nvSpPr>
         <p:spPr>
           <a:xfrm>
-            <a:off x="457200" y="2174875"/>
-            <a:ext cx="4040188" cy="3951288"/>
+            <a:off x="609600" y="2174875"/>
+            <a:ext cx="5386917" cy="3951288"/>
           </a:xfrm>
         </p:spPr>
         <p:txBody>
@@ -1593,8 +1612,8 @@
         </p:nvSpPr>
         <p:spPr>
           <a:xfrm>
-            <a:off x="4645025" y="1535113"/>
-            <a:ext cx="4041775" cy="639762"/>
+            <a:off x="6193368" y="1535113"/>
+            <a:ext cx="5389033" cy="639762"/>
           </a:xfrm>
         </p:spPr>
         <p:txBody>
@@ -1658,8 +1677,8 @@
         </p:nvSpPr>
         <p:spPr>
           <a:xfrm>
-            <a:off x="4645025" y="2174875"/>
-            <a:ext cx="4041775" cy="3951288"/>
+            <a:off x="6193368" y="2174875"/>
+            <a:ext cx="5389033" cy="3951288"/>
           </a:xfrm>
         </p:spPr>
         <p:txBody>
@@ -1749,7 +1768,7 @@
             <a:fld id="{A95F74E7-4BF7-4687-8727-E26A2E617AB2}" type="datetimeFigureOut">
               <a:rPr lang="zh-TW" altLang="en-US" smtClean="0"/>
               <a:pPr/>
-              <a:t>2019/3/31</a:t>
+              <a:t>2021/5/22</a:t>
             </a:fld>
             <a:endParaRPr lang="zh-TW" altLang="en-US"/>
           </a:p>
@@ -1864,7 +1883,7 @@
             <a:fld id="{A95F74E7-4BF7-4687-8727-E26A2E617AB2}" type="datetimeFigureOut">
               <a:rPr lang="zh-TW" altLang="en-US" smtClean="0"/>
               <a:pPr/>
-              <a:t>2019/3/31</a:t>
+              <a:t>2021/5/22</a:t>
             </a:fld>
             <a:endParaRPr lang="zh-TW" altLang="en-US"/>
           </a:p>
@@ -1956,7 +1975,7 @@
             <a:fld id="{A95F74E7-4BF7-4687-8727-E26A2E617AB2}" type="datetimeFigureOut">
               <a:rPr lang="zh-TW" altLang="en-US" smtClean="0"/>
               <a:pPr/>
-              <a:t>2019/3/31</a:t>
+              <a:t>2021/5/22</a:t>
             </a:fld>
             <a:endParaRPr lang="zh-TW" altLang="en-US"/>
           </a:p>
@@ -2042,8 +2061,8 @@
         </p:nvSpPr>
         <p:spPr>
           <a:xfrm>
-            <a:off x="457200" y="273050"/>
-            <a:ext cx="3008313" cy="1162050"/>
+            <a:off x="609601" y="273050"/>
+            <a:ext cx="4011084" cy="1162050"/>
           </a:xfrm>
         </p:spPr>
         <p:txBody>
@@ -2074,8 +2093,8 @@
         </p:nvSpPr>
         <p:spPr>
           <a:xfrm>
-            <a:off x="3575050" y="273050"/>
-            <a:ext cx="5111750" cy="5853113"/>
+            <a:off x="4766733" y="273051"/>
+            <a:ext cx="6815667" cy="5853113"/>
           </a:xfrm>
         </p:spPr>
         <p:txBody>
@@ -2159,8 +2178,8 @@
         </p:nvSpPr>
         <p:spPr>
           <a:xfrm>
-            <a:off x="457200" y="1435100"/>
-            <a:ext cx="3008313" cy="4691063"/>
+            <a:off x="609601" y="1435101"/>
+            <a:ext cx="4011084" cy="4691063"/>
           </a:xfrm>
         </p:spPr>
         <p:txBody>
@@ -2230,7 +2249,7 @@
             <a:fld id="{A95F74E7-4BF7-4687-8727-E26A2E617AB2}" type="datetimeFigureOut">
               <a:rPr lang="zh-TW" altLang="en-US" smtClean="0"/>
               <a:pPr/>
-              <a:t>2019/3/31</a:t>
+              <a:t>2021/5/22</a:t>
             </a:fld>
             <a:endParaRPr lang="zh-TW" altLang="en-US"/>
           </a:p>
@@ -2316,8 +2335,8 @@
         </p:nvSpPr>
         <p:spPr>
           <a:xfrm>
-            <a:off x="1792288" y="4800600"/>
-            <a:ext cx="5486400" cy="566738"/>
+            <a:off x="2389717" y="4800600"/>
+            <a:ext cx="7315200" cy="566738"/>
           </a:xfrm>
         </p:spPr>
         <p:txBody>
@@ -2348,8 +2367,8 @@
         </p:nvSpPr>
         <p:spPr>
           <a:xfrm>
-            <a:off x="1792288" y="612775"/>
-            <a:ext cx="5486400" cy="4114800"/>
+            <a:off x="2389717" y="612775"/>
+            <a:ext cx="7315200" cy="4114800"/>
           </a:xfrm>
         </p:spPr>
         <p:txBody>
@@ -2413,8 +2432,8 @@
         </p:nvSpPr>
         <p:spPr>
           <a:xfrm>
-            <a:off x="1792288" y="5367338"/>
-            <a:ext cx="5486400" cy="804862"/>
+            <a:off x="2389717" y="5367338"/>
+            <a:ext cx="7315200" cy="804862"/>
           </a:xfrm>
         </p:spPr>
         <p:txBody>
@@ -2484,7 +2503,7 @@
             <a:fld id="{A95F74E7-4BF7-4687-8727-E26A2E617AB2}" type="datetimeFigureOut">
               <a:rPr lang="zh-TW" altLang="en-US" smtClean="0"/>
               <a:pPr/>
-              <a:t>2019/3/31</a:t>
+              <a:t>2021/5/22</a:t>
             </a:fld>
             <a:endParaRPr lang="zh-TW" altLang="en-US"/>
           </a:p>
@@ -2580,8 +2599,8 @@
         </p:nvSpPr>
         <p:spPr>
           <a:xfrm>
-            <a:off x="457200" y="274638"/>
-            <a:ext cx="8229600" cy="1143000"/>
+            <a:off x="609600" y="274638"/>
+            <a:ext cx="10972800" cy="1143000"/>
           </a:xfrm>
           <a:prstGeom prst="rect">
             <a:avLst/>
@@ -2613,8 +2632,8 @@
         </p:nvSpPr>
         <p:spPr>
           <a:xfrm>
-            <a:off x="457200" y="1600200"/>
-            <a:ext cx="8229600" cy="4525963"/>
+            <a:off x="609600" y="1600201"/>
+            <a:ext cx="10972800" cy="4525963"/>
           </a:xfrm>
           <a:prstGeom prst="rect">
             <a:avLst/>
@@ -2675,8 +2694,8 @@
         </p:nvSpPr>
         <p:spPr>
           <a:xfrm>
-            <a:off x="457200" y="6356350"/>
-            <a:ext cx="2133600" cy="365125"/>
+            <a:off x="609600" y="6356351"/>
+            <a:ext cx="2844800" cy="365125"/>
           </a:xfrm>
           <a:prstGeom prst="rect">
             <a:avLst/>
@@ -2699,7 +2718,7 @@
             <a:fld id="{A95F74E7-4BF7-4687-8727-E26A2E617AB2}" type="datetimeFigureOut">
               <a:rPr lang="zh-TW" altLang="en-US" smtClean="0"/>
               <a:pPr/>
-              <a:t>2019/3/31</a:t>
+              <a:t>2021/5/22</a:t>
             </a:fld>
             <a:endParaRPr lang="zh-TW" altLang="en-US"/>
           </a:p>
@@ -2717,8 +2736,8 @@
         </p:nvSpPr>
         <p:spPr>
           <a:xfrm>
-            <a:off x="3124200" y="6356350"/>
-            <a:ext cx="2895600" cy="365125"/>
+            <a:off x="4165600" y="6356351"/>
+            <a:ext cx="3860800" cy="365125"/>
           </a:xfrm>
           <a:prstGeom prst="rect">
             <a:avLst/>
@@ -2754,8 +2773,8 @@
         </p:nvSpPr>
         <p:spPr>
           <a:xfrm>
-            <a:off x="6553200" y="6356350"/>
-            <a:ext cx="2133600" cy="365125"/>
+            <a:off x="8737600" y="6356351"/>
+            <a:ext cx="2844800" cy="365125"/>
           </a:xfrm>
           <a:prstGeom prst="rect">
             <a:avLst/>
@@ -3072,7 +3091,7 @@
       </p:grpSpPr>
       <p:sp>
         <p:nvSpPr>
-          <p:cNvPr id="2" name="標題 1"/>
+          <p:cNvPr id="4" name="標題 3"/>
           <p:cNvSpPr>
             <a:spLocks noGrp="1"/>
           </p:cNvSpPr>
@@ -3080,199 +3099,65 @@
             <p:ph type="title"/>
           </p:nvPr>
         </p:nvSpPr>
-        <p:spPr/>
-        <p:txBody>
-          <a:bodyPr/>
-          <a:lstStyle/>
-          <a:p>
-            <a:r>
-              <a:rPr lang="zh-TW" altLang="en-US" b="1" dirty="0">
-                <a:solidFill>
-                  <a:srgbClr val="002060"/>
-                </a:solidFill>
+        <p:spPr>
+          <a:xfrm>
+            <a:off x="0" y="2660915"/>
+            <a:ext cx="12192000" cy="1143000"/>
+          </a:xfrm>
+        </p:spPr>
+        <p:txBody>
+          <a:bodyPr>
+            <a:noAutofit/>
+          </a:bodyPr>
+          <a:lstStyle/>
+          <a:p>
+            <a:r>
+              <a:rPr lang="zh-TW" altLang="en-US" sz="7200" b="1" i="1" dirty="0">
+                <a:solidFill>
+                  <a:srgbClr val="660033"/>
+                </a:solidFill>
+                <a:effectLst>
+                  <a:outerShdw blurRad="38100" dist="38100" dir="2700000" algn="tl">
+                    <a:srgbClr val="000000">
+                      <a:alpha val="43137"/>
+                    </a:srgbClr>
+                  </a:outerShdw>
+                </a:effectLst>
                 <a:latin typeface="微軟正黑體" pitchFamily="34" charset="-120"/>
                 <a:ea typeface="微軟正黑體" pitchFamily="34" charset="-120"/>
               </a:rPr>
-              <a:t>我要頌揚</a:t>
-            </a:r>
-          </a:p>
-        </p:txBody>
-      </p:sp>
-      <p:sp>
-        <p:nvSpPr>
-          <p:cNvPr id="3" name="內容版面配置區 2"/>
-          <p:cNvSpPr>
-            <a:spLocks noGrp="1"/>
-          </p:cNvSpPr>
-          <p:nvPr>
-            <p:ph idx="1"/>
-          </p:nvPr>
-        </p:nvSpPr>
-        <p:spPr>
-          <a:xfrm>
-            <a:off x="0" y="1600200"/>
-            <a:ext cx="9144000" cy="4525963"/>
-          </a:xfrm>
-        </p:spPr>
-        <p:txBody>
-          <a:bodyPr>
-            <a:noAutofit/>
-          </a:bodyPr>
-          <a:lstStyle/>
-          <a:p>
-            <a:pPr algn="ctr">
-              <a:buNone/>
-            </a:pPr>
-            <a:r>
-              <a:rPr lang="zh-TW" altLang="en-US" sz="5400" b="1" dirty="0" smtClean="0">
-                <a:solidFill>
-                  <a:srgbClr val="002060"/>
-                </a:solidFill>
+              <a:t>我</a:t>
+            </a:r>
+            <a:r>
+              <a:rPr lang="zh-TW" altLang="en-US" sz="7200" b="1" i="1" dirty="0">
+                <a:solidFill>
+                  <a:srgbClr val="660033"/>
+                </a:solidFill>
+                <a:effectLst>
+                  <a:outerShdw blurRad="38100" dist="38100" dir="2700000" algn="tl">
+                    <a:srgbClr val="000000">
+                      <a:alpha val="43137"/>
+                    </a:srgbClr>
+                  </a:outerShdw>
+                </a:effectLst>
                 <a:latin typeface="微軟正黑體" pitchFamily="34" charset="-120"/>
                 <a:ea typeface="微軟正黑體" pitchFamily="34" charset="-120"/>
-                <a:cs typeface="+mj-cs"/>
               </a:rPr>
-              <a:t>我要頌揚   頌揚那造眼睛的主</a:t>
-            </a:r>
-            <a:endParaRPr lang="en-US" altLang="zh-TW" sz="5400" b="1" dirty="0" smtClean="0">
-              <a:solidFill>
-                <a:srgbClr val="002060"/>
-              </a:solidFill>
-              <a:latin typeface="微軟正黑體" pitchFamily="34" charset="-120"/>
-              <a:ea typeface="微軟正黑體" pitchFamily="34" charset="-120"/>
-              <a:cs typeface="+mj-cs"/>
-            </a:endParaRPr>
-          </a:p>
-          <a:p>
-            <a:pPr algn="ctr">
-              <a:buNone/>
-            </a:pPr>
-            <a:r>
-              <a:rPr lang="zh-TW" altLang="en-US" sz="5400" b="1" dirty="0" smtClean="0">
-                <a:solidFill>
-                  <a:srgbClr val="002060"/>
-                </a:solidFill>
-                <a:latin typeface="微軟正黑體" pitchFamily="34" charset="-120"/>
-                <a:ea typeface="微軟正黑體" pitchFamily="34" charset="-120"/>
-                <a:cs typeface="+mj-cs"/>
-              </a:rPr>
-              <a:t>因為萬事祂都看見</a:t>
-            </a:r>
-            <a:endParaRPr lang="en-US" altLang="zh-TW" sz="5400" b="1" dirty="0" smtClean="0">
-              <a:solidFill>
-                <a:srgbClr val="002060"/>
-              </a:solidFill>
-              <a:latin typeface="微軟正黑體" pitchFamily="34" charset="-120"/>
-              <a:ea typeface="微軟正黑體" pitchFamily="34" charset="-120"/>
-              <a:cs typeface="+mj-cs"/>
-            </a:endParaRPr>
-          </a:p>
-          <a:p>
-            <a:pPr algn="ctr">
-              <a:buNone/>
-            </a:pPr>
-            <a:r>
-              <a:rPr lang="zh-TW" altLang="en-US" sz="5400" b="1" dirty="0" smtClean="0">
-                <a:solidFill>
-                  <a:srgbClr val="002060"/>
-                </a:solidFill>
-                <a:latin typeface="微軟正黑體" pitchFamily="34" charset="-120"/>
-                <a:ea typeface="微軟正黑體" pitchFamily="34" charset="-120"/>
-                <a:cs typeface="+mj-cs"/>
-              </a:rPr>
-              <a:t>我要</a:t>
-            </a:r>
-            <a:r>
-              <a:rPr lang="zh-TW" altLang="en-US" sz="5400" b="1" dirty="0" smtClean="0">
-                <a:solidFill>
-                  <a:srgbClr val="002060"/>
-                </a:solidFill>
-                <a:latin typeface="微軟正黑體" pitchFamily="34" charset="-120"/>
-                <a:ea typeface="微軟正黑體" pitchFamily="34" charset="-120"/>
-                <a:cs typeface="+mj-cs"/>
-              </a:rPr>
-              <a:t>頌揚</a:t>
-            </a:r>
-            <a:r>
-              <a:rPr lang="en-US" altLang="zh-TW" sz="5400" b="1" dirty="0" smtClean="0">
-                <a:solidFill>
-                  <a:srgbClr val="002060"/>
-                </a:solidFill>
-                <a:latin typeface="微軟正黑體" pitchFamily="34" charset="-120"/>
-                <a:ea typeface="微軟正黑體" pitchFamily="34" charset="-120"/>
-                <a:cs typeface="+mj-cs"/>
-              </a:rPr>
-              <a:t>   </a:t>
-            </a:r>
-            <a:r>
-              <a:rPr lang="zh-TW" altLang="en-US" sz="5400" b="1" dirty="0" smtClean="0">
-                <a:solidFill>
-                  <a:srgbClr val="002060"/>
-                </a:solidFill>
-                <a:latin typeface="微軟正黑體" pitchFamily="34" charset="-120"/>
-                <a:ea typeface="微軟正黑體" pitchFamily="34" charset="-120"/>
-                <a:cs typeface="+mj-cs"/>
-              </a:rPr>
-              <a:t>頌揚</a:t>
-            </a:r>
-            <a:r>
-              <a:rPr lang="zh-TW" altLang="en-US" sz="5400" b="1" dirty="0" smtClean="0">
-                <a:solidFill>
-                  <a:srgbClr val="002060"/>
-                </a:solidFill>
-                <a:latin typeface="微軟正黑體" pitchFamily="34" charset="-120"/>
-                <a:ea typeface="微軟正黑體" pitchFamily="34" charset="-120"/>
-                <a:cs typeface="+mj-cs"/>
-              </a:rPr>
-              <a:t>那造耳朵的主</a:t>
-            </a:r>
-            <a:endParaRPr lang="en-US" altLang="zh-TW" sz="5400" b="1" dirty="0" smtClean="0">
-              <a:solidFill>
-                <a:srgbClr val="002060"/>
-              </a:solidFill>
-              <a:latin typeface="微軟正黑體" pitchFamily="34" charset="-120"/>
-              <a:ea typeface="微軟正黑體" pitchFamily="34" charset="-120"/>
-              <a:cs typeface="+mj-cs"/>
-            </a:endParaRPr>
-          </a:p>
-          <a:p>
-            <a:pPr algn="ctr">
-              <a:buNone/>
-            </a:pPr>
-            <a:r>
-              <a:rPr lang="zh-TW" altLang="en-US" sz="5400" b="1" dirty="0" smtClean="0">
-                <a:solidFill>
-                  <a:srgbClr val="002060"/>
-                </a:solidFill>
-                <a:latin typeface="微軟正黑體" pitchFamily="34" charset="-120"/>
-                <a:ea typeface="微軟正黑體" pitchFamily="34" charset="-120"/>
-                <a:cs typeface="+mj-cs"/>
-              </a:rPr>
-              <a:t>因為萬事祂都聽見</a:t>
-            </a:r>
-            <a:endParaRPr lang="zh-TW" altLang="en-US" sz="5400" b="1" dirty="0">
-              <a:solidFill>
-                <a:srgbClr val="002060"/>
-              </a:solidFill>
-              <a:latin typeface="微軟正黑體" pitchFamily="34" charset="-120"/>
-              <a:ea typeface="微軟正黑體" pitchFamily="34" charset="-120"/>
-              <a:cs typeface="+mj-cs"/>
-            </a:endParaRPr>
+              <a:t>要頌揚</a:t>
+            </a:r>
           </a:p>
         </p:txBody>
       </p:sp>
     </p:spTree>
+    <p:extLst>
+      <p:ext uri="{BB962C8B-B14F-4D97-AF65-F5344CB8AC3E}">
+        <p14:creationId xmlns:p14="http://schemas.microsoft.com/office/powerpoint/2010/main" val="3944239152"/>
+      </p:ext>
+    </p:extLst>
   </p:cSld>
   <p:clrMapOvr>
     <a:masterClrMapping/>
   </p:clrMapOvr>
-  <p:timing>
-    <p:tnLst>
-      <p:par>
-        <p:cTn id="1" dur="indefinite" restart="never" nodeType="tmRoot"/>
-      </p:par>
-    </p:tnLst>
-  </p:timing>
 </p:sld>
 </file>
 
@@ -3295,75 +3180,65 @@
       </p:grpSpPr>
       <p:sp>
         <p:nvSpPr>
-          <p:cNvPr id="2" name="標題 1"/>
-          <p:cNvSpPr>
-            <a:spLocks noGrp="1"/>
-          </p:cNvSpPr>
-          <p:nvPr>
-            <p:ph type="title"/>
-          </p:nvPr>
-        </p:nvSpPr>
-        <p:spPr/>
-        <p:txBody>
-          <a:bodyPr/>
-          <a:lstStyle/>
-          <a:p>
-            <a:r>
-              <a:rPr lang="zh-TW" altLang="en-US" b="1" dirty="0">
-                <a:solidFill>
-                  <a:srgbClr val="002060"/>
+          <p:cNvPr id="5" name="內容版面配置區 4"/>
+          <p:cNvSpPr>
+            <a:spLocks noGrp="1"/>
+          </p:cNvSpPr>
+          <p:nvPr>
+            <p:ph idx="1"/>
+          </p:nvPr>
+        </p:nvSpPr>
+        <p:spPr>
+          <a:xfrm>
+            <a:off x="0" y="2084851"/>
+            <a:ext cx="12192000" cy="2404863"/>
+          </a:xfrm>
+        </p:spPr>
+        <p:txBody>
+          <a:bodyPr anchor="ctr">
+            <a:normAutofit/>
+          </a:bodyPr>
+          <a:lstStyle/>
+          <a:p>
+            <a:pPr algn="ctr">
+              <a:buNone/>
+            </a:pPr>
+            <a:r>
+              <a:rPr lang="zh-TW" altLang="en-US" sz="6400" b="1" dirty="0">
+                <a:solidFill>
+                  <a:srgbClr val="660033"/>
                 </a:solidFill>
                 <a:latin typeface="微軟正黑體" pitchFamily="34" charset="-120"/>
                 <a:ea typeface="微軟正黑體" pitchFamily="34" charset="-120"/>
               </a:rPr>
-              <a:t>我要頌揚</a:t>
-            </a:r>
-          </a:p>
-        </p:txBody>
-      </p:sp>
-      <p:sp>
-        <p:nvSpPr>
-          <p:cNvPr id="3" name="內容版面配置區 2"/>
-          <p:cNvSpPr>
-            <a:spLocks noGrp="1"/>
-          </p:cNvSpPr>
-          <p:nvPr>
-            <p:ph idx="1"/>
-          </p:nvPr>
-        </p:nvSpPr>
-        <p:spPr>
-          <a:xfrm>
-            <a:off x="0" y="1600200"/>
-            <a:ext cx="9144000" cy="4525963"/>
-          </a:xfrm>
-        </p:spPr>
-        <p:txBody>
-          <a:bodyPr>
-            <a:noAutofit/>
-          </a:bodyPr>
-          <a:lstStyle/>
-          <a:p>
-            <a:pPr algn="ctr">
-              <a:buNone/>
-            </a:pPr>
-            <a:r>
-              <a:rPr lang="zh-TW" altLang="en-US" sz="5400" b="1" dirty="0" smtClean="0">
-                <a:solidFill>
-                  <a:srgbClr val="002060"/>
+              <a:t>我要頌</a:t>
+            </a:r>
+            <a:r>
+              <a:rPr lang="zh-TW" altLang="en-US" sz="6400" b="1" dirty="0">
+                <a:solidFill>
+                  <a:srgbClr val="660033"/>
                 </a:solidFill>
                 <a:latin typeface="微軟正黑體" pitchFamily="34" charset="-120"/>
                 <a:ea typeface="微軟正黑體" pitchFamily="34" charset="-120"/>
-                <a:cs typeface="+mj-cs"/>
               </a:rPr>
-              <a:t>我要頌揚   頌揚那顯公義的主</a:t>
-            </a:r>
-            <a:endParaRPr lang="en-US" altLang="zh-TW" sz="5400" b="1" dirty="0" smtClean="0">
+              <a:t>揚  頌</a:t>
+            </a:r>
+            <a:r>
+              <a:rPr lang="zh-TW" altLang="en-US" sz="6400" b="1" dirty="0">
+                <a:solidFill>
+                  <a:srgbClr val="660033"/>
+                </a:solidFill>
+                <a:latin typeface="微軟正黑體" pitchFamily="34" charset="-120"/>
+                <a:ea typeface="微軟正黑體" pitchFamily="34" charset="-120"/>
+              </a:rPr>
+              <a:t>揚那造眼睛的主</a:t>
+            </a:r>
+            <a:endParaRPr lang="en-US" altLang="zh-TW" sz="6400" b="1" dirty="0">
               <a:solidFill>
-                <a:srgbClr val="002060"/>
+                <a:srgbClr val="660033"/>
               </a:solidFill>
               <a:latin typeface="微軟正黑體" pitchFamily="34" charset="-120"/>
               <a:ea typeface="微軟正黑體" pitchFamily="34" charset="-120"/>
-              <a:cs typeface="+mj-cs"/>
             </a:endParaRPr>
           </a:p>
           <a:p>
@@ -3371,87 +3246,90 @@
               <a:buNone/>
             </a:pPr>
             <a:r>
-              <a:rPr lang="zh-TW" altLang="en-US" sz="5400" b="1" dirty="0" smtClean="0">
-                <a:solidFill>
-                  <a:srgbClr val="002060"/>
+              <a:rPr lang="zh-TW" altLang="en-US" sz="6400" b="1" dirty="0">
+                <a:solidFill>
+                  <a:srgbClr val="660033"/>
                 </a:solidFill>
                 <a:latin typeface="微軟正黑體" pitchFamily="34" charset="-120"/>
                 <a:ea typeface="微軟正黑體" pitchFamily="34" charset="-120"/>
-                <a:cs typeface="+mj-cs"/>
               </a:rPr>
-              <a:t>祂的國度是權柄榮耀</a:t>
-            </a:r>
-            <a:endParaRPr lang="en-US" altLang="zh-TW" sz="5400" b="1" dirty="0" smtClean="0">
+              <a:t>因為萬事祂都看見</a:t>
+            </a:r>
+            <a:endParaRPr lang="en-US" altLang="zh-TW" sz="6400" b="1" dirty="0">
               <a:solidFill>
-                <a:srgbClr val="002060"/>
+                <a:srgbClr val="660033"/>
               </a:solidFill>
               <a:latin typeface="微軟正黑體" pitchFamily="34" charset="-120"/>
               <a:ea typeface="微軟正黑體" pitchFamily="34" charset="-120"/>
-              <a:cs typeface="+mj-cs"/>
             </a:endParaRPr>
           </a:p>
-          <a:p>
-            <a:pPr algn="ctr">
-              <a:buNone/>
-            </a:pPr>
-            <a:r>
-              <a:rPr lang="zh-TW" altLang="en-US" sz="5400" b="1" dirty="0" smtClean="0">
-                <a:solidFill>
-                  <a:srgbClr val="002060"/>
-                </a:solidFill>
-                <a:latin typeface="微軟正黑體" pitchFamily="34" charset="-120"/>
-                <a:ea typeface="微軟正黑體" pitchFamily="34" charset="-120"/>
-                <a:cs typeface="+mj-cs"/>
+        </p:txBody>
+      </p:sp>
+      <p:sp>
+        <p:nvSpPr>
+          <p:cNvPr id="3" name="TextBox 2"/>
+          <p:cNvSpPr txBox="1"/>
+          <p:nvPr/>
+        </p:nvSpPr>
+        <p:spPr>
+          <a:xfrm>
+            <a:off x="0" y="5253206"/>
+            <a:ext cx="12192000" cy="830997"/>
+          </a:xfrm>
+          <a:prstGeom prst="rect">
+            <a:avLst/>
+          </a:prstGeom>
+          <a:noFill/>
+        </p:spPr>
+        <p:txBody>
+          <a:bodyPr wrap="square" rtlCol="0">
+            <a:spAutoFit/>
+          </a:bodyPr>
+          <a:lstStyle/>
+          <a:p>
+            <a:pPr algn="ctr"/>
+            <a:r>
+              <a:rPr lang="en-US" sz="4800" b="1" dirty="0">
+                <a:solidFill>
+                  <a:srgbClr val="660033"/>
+                </a:solidFill>
               </a:rPr>
-              <a:t>我要頌揚   頌揚那顯慈愛的主</a:t>
-            </a:r>
-            <a:endParaRPr lang="en-US" altLang="zh-TW" sz="5400" b="1" dirty="0" smtClean="0">
+              <a:t>( </a:t>
+            </a:r>
+            <a:r>
+              <a:rPr lang="en-US" sz="4800" b="1" dirty="0">
+                <a:solidFill>
+                  <a:srgbClr val="660033"/>
+                </a:solidFill>
+              </a:rPr>
+              <a:t>1 </a:t>
+            </a:r>
+            <a:r>
+              <a:rPr lang="en-US" sz="4800" b="1" dirty="0">
+                <a:solidFill>
+                  <a:srgbClr val="660033"/>
+                </a:solidFill>
+              </a:rPr>
+              <a:t>)</a:t>
+            </a:r>
+            <a:endParaRPr lang="vi-VN" sz="4800" b="1" dirty="0">
               <a:solidFill>
-                <a:srgbClr val="002060"/>
+                <a:srgbClr val="660033"/>
               </a:solidFill>
-              <a:latin typeface="微軟正黑體" pitchFamily="34" charset="-120"/>
-              <a:ea typeface="微軟正黑體" pitchFamily="34" charset="-120"/>
-              <a:cs typeface="+mj-cs"/>
             </a:endParaRPr>
           </a:p>
-          <a:p>
-            <a:pPr algn="ctr">
-              <a:buNone/>
-            </a:pPr>
-            <a:r>
-              <a:rPr lang="zh-TW" altLang="en-US" sz="5400" b="1" dirty="0" smtClean="0">
-                <a:solidFill>
-                  <a:srgbClr val="002060"/>
-                </a:solidFill>
-                <a:latin typeface="微軟正黑體" pitchFamily="34" charset="-120"/>
-                <a:ea typeface="微軟正黑體" pitchFamily="34" charset="-120"/>
-                <a:cs typeface="+mj-cs"/>
-              </a:rPr>
-              <a:t>祂的信實永不動搖</a:t>
-            </a:r>
-            <a:endParaRPr lang="zh-TW" altLang="en-US" sz="5400" b="1" dirty="0">
-              <a:solidFill>
-                <a:srgbClr val="002060"/>
-              </a:solidFill>
-              <a:latin typeface="微軟正黑體" pitchFamily="34" charset="-120"/>
-              <a:ea typeface="微軟正黑體" pitchFamily="34" charset="-120"/>
-              <a:cs typeface="+mj-cs"/>
-            </a:endParaRPr>
-          </a:p>
         </p:txBody>
       </p:sp>
     </p:spTree>
+    <p:extLst>
+      <p:ext uri="{BB962C8B-B14F-4D97-AF65-F5344CB8AC3E}">
+        <p14:creationId xmlns:p14="http://schemas.microsoft.com/office/powerpoint/2010/main" val="495541262"/>
+      </p:ext>
+    </p:extLst>
   </p:cSld>
   <p:clrMapOvr>
     <a:masterClrMapping/>
   </p:clrMapOvr>
-  <p:timing>
-    <p:tnLst>
-      <p:par>
-        <p:cTn id="1" dur="indefinite" restart="never" nodeType="tmRoot"/>
-      </p:par>
-    </p:tnLst>
-  </p:timing>
 </p:sld>
 </file>
 
@@ -3474,75 +3352,85 @@
       </p:grpSpPr>
       <p:sp>
         <p:nvSpPr>
-          <p:cNvPr id="2" name="標題 1"/>
-          <p:cNvSpPr>
-            <a:spLocks noGrp="1"/>
-          </p:cNvSpPr>
-          <p:nvPr>
-            <p:ph type="title"/>
-          </p:nvPr>
-        </p:nvSpPr>
-        <p:spPr/>
-        <p:txBody>
-          <a:bodyPr/>
-          <a:lstStyle/>
-          <a:p>
-            <a:r>
-              <a:rPr lang="zh-TW" altLang="en-US" b="1" dirty="0">
-                <a:solidFill>
-                  <a:srgbClr val="002060"/>
+          <p:cNvPr id="5" name="內容版面配置區 4"/>
+          <p:cNvSpPr>
+            <a:spLocks noGrp="1"/>
+          </p:cNvSpPr>
+          <p:nvPr>
+            <p:ph idx="1"/>
+          </p:nvPr>
+        </p:nvSpPr>
+        <p:spPr>
+          <a:xfrm>
+            <a:off x="0" y="2084851"/>
+            <a:ext cx="12192000" cy="2404863"/>
+          </a:xfrm>
+        </p:spPr>
+        <p:txBody>
+          <a:bodyPr anchor="ctr">
+            <a:normAutofit/>
+          </a:bodyPr>
+          <a:lstStyle/>
+          <a:p>
+            <a:pPr algn="ctr">
+              <a:buNone/>
+            </a:pPr>
+            <a:r>
+              <a:rPr lang="zh-TW" altLang="en-US" sz="6400" b="1" dirty="0">
+                <a:solidFill>
+                  <a:srgbClr val="660033"/>
                 </a:solidFill>
                 <a:latin typeface="微軟正黑體" pitchFamily="34" charset="-120"/>
                 <a:ea typeface="微軟正黑體" pitchFamily="34" charset="-120"/>
               </a:rPr>
-              <a:t>我要頌揚</a:t>
-            </a:r>
-          </a:p>
-        </p:txBody>
-      </p:sp>
-      <p:sp>
-        <p:nvSpPr>
-          <p:cNvPr id="3" name="內容版面配置區 2"/>
-          <p:cNvSpPr>
-            <a:spLocks noGrp="1"/>
-          </p:cNvSpPr>
-          <p:nvPr>
-            <p:ph idx="1"/>
-          </p:nvPr>
-        </p:nvSpPr>
-        <p:spPr>
-          <a:xfrm>
-            <a:off x="0" y="1600200"/>
-            <a:ext cx="9144000" cy="4525963"/>
-          </a:xfrm>
-        </p:spPr>
-        <p:txBody>
-          <a:bodyPr>
-            <a:noAutofit/>
-          </a:bodyPr>
-          <a:lstStyle/>
-          <a:p>
-            <a:pPr algn="ctr">
-              <a:buNone/>
-            </a:pPr>
-            <a:r>
-              <a:rPr lang="zh-TW" altLang="en-US" sz="5400" b="1" dirty="0" smtClean="0">
-                <a:solidFill>
-                  <a:srgbClr val="002060"/>
+              <a:t>我要頌</a:t>
+            </a:r>
+            <a:r>
+              <a:rPr lang="zh-TW" altLang="en-US" sz="6400" b="1" dirty="0">
+                <a:solidFill>
+                  <a:srgbClr val="660033"/>
                 </a:solidFill>
                 <a:latin typeface="微軟正黑體" pitchFamily="34" charset="-120"/>
                 <a:ea typeface="微軟正黑體" pitchFamily="34" charset="-120"/>
-                <a:cs typeface="+mj-cs"/>
               </a:rPr>
-              <a:t>哈利路亞   哈利路亞</a:t>
-            </a:r>
-            <a:endParaRPr lang="en-US" altLang="zh-TW" sz="5400" b="1" dirty="0" smtClean="0">
+              <a:t>揚</a:t>
+            </a:r>
+            <a:r>
+              <a:rPr lang="en-US" altLang="zh-TW" sz="6400" b="1" dirty="0">
+                <a:solidFill>
+                  <a:srgbClr val="660033"/>
+                </a:solidFill>
+                <a:latin typeface="微軟正黑體" pitchFamily="34" charset="-120"/>
+                <a:ea typeface="微軟正黑體" pitchFamily="34" charset="-120"/>
+              </a:rPr>
+              <a:t>  </a:t>
+            </a:r>
+            <a:r>
+              <a:rPr lang="zh-TW" altLang="en-US" sz="6400" b="1" dirty="0">
+                <a:solidFill>
+                  <a:srgbClr val="660033"/>
+                </a:solidFill>
+                <a:latin typeface="微軟正黑體" pitchFamily="34" charset="-120"/>
+                <a:ea typeface="微軟正黑體" pitchFamily="34" charset="-120"/>
+              </a:rPr>
+              <a:t>頌</a:t>
+            </a:r>
+            <a:r>
+              <a:rPr lang="zh-TW" altLang="en-US" sz="6400" b="1" dirty="0">
+                <a:solidFill>
+                  <a:srgbClr val="660033"/>
+                </a:solidFill>
+                <a:latin typeface="微軟正黑體" pitchFamily="34" charset="-120"/>
+                <a:ea typeface="微軟正黑體" pitchFamily="34" charset="-120"/>
+              </a:rPr>
+              <a:t>揚那造耳朵的主</a:t>
+            </a:r>
+            <a:endParaRPr lang="en-US" altLang="zh-TW" sz="6400" b="1" dirty="0">
               <a:solidFill>
-                <a:srgbClr val="002060"/>
+                <a:srgbClr val="660033"/>
               </a:solidFill>
               <a:latin typeface="微軟正黑體" pitchFamily="34" charset="-120"/>
               <a:ea typeface="微軟正黑體" pitchFamily="34" charset="-120"/>
-              <a:cs typeface="+mj-cs"/>
             </a:endParaRPr>
           </a:p>
           <a:p>
@@ -3550,23 +3438,164 @@
               <a:buNone/>
             </a:pPr>
             <a:r>
-              <a:rPr lang="zh-TW" altLang="en-US" sz="5400" b="1" dirty="0" smtClean="0">
-                <a:solidFill>
-                  <a:srgbClr val="002060"/>
+              <a:rPr lang="zh-TW" altLang="en-US" sz="6400" b="1" dirty="0">
+                <a:solidFill>
+                  <a:srgbClr val="660033"/>
                 </a:solidFill>
                 <a:latin typeface="微軟正黑體" pitchFamily="34" charset="-120"/>
                 <a:ea typeface="微軟正黑體" pitchFamily="34" charset="-120"/>
-                <a:cs typeface="+mj-cs"/>
               </a:rPr>
-              <a:t>一切祂都知道   祂都明瞭</a:t>
-            </a:r>
-            <a:endParaRPr lang="en-US" altLang="zh-TW" sz="5400" b="1" dirty="0" smtClean="0">
+              <a:t>因為萬事祂都聽見</a:t>
+            </a:r>
+          </a:p>
+        </p:txBody>
+      </p:sp>
+      <p:sp>
+        <p:nvSpPr>
+          <p:cNvPr id="3" name="TextBox 2"/>
+          <p:cNvSpPr txBox="1"/>
+          <p:nvPr/>
+        </p:nvSpPr>
+        <p:spPr>
+          <a:xfrm>
+            <a:off x="0" y="5253206"/>
+            <a:ext cx="12192000" cy="830997"/>
+          </a:xfrm>
+          <a:prstGeom prst="rect">
+            <a:avLst/>
+          </a:prstGeom>
+          <a:noFill/>
+        </p:spPr>
+        <p:txBody>
+          <a:bodyPr wrap="square" rtlCol="0">
+            <a:spAutoFit/>
+          </a:bodyPr>
+          <a:lstStyle/>
+          <a:p>
+            <a:pPr algn="ctr"/>
+            <a:r>
+              <a:rPr lang="en-US" sz="4800" b="1" dirty="0">
+                <a:solidFill>
+                  <a:srgbClr val="660033"/>
+                </a:solidFill>
+              </a:rPr>
+              <a:t>( </a:t>
+            </a:r>
+            <a:r>
+              <a:rPr lang="en-US" sz="4800" b="1" dirty="0">
+                <a:solidFill>
+                  <a:srgbClr val="660033"/>
+                </a:solidFill>
+              </a:rPr>
+              <a:t>1 </a:t>
+            </a:r>
+            <a:r>
+              <a:rPr lang="en-US" sz="4800" b="1" dirty="0">
+                <a:solidFill>
+                  <a:srgbClr val="660033"/>
+                </a:solidFill>
+              </a:rPr>
+              <a:t>)</a:t>
+            </a:r>
+            <a:endParaRPr lang="vi-VN" sz="4800" b="1" dirty="0">
               <a:solidFill>
-                <a:srgbClr val="002060"/>
+                <a:srgbClr val="660033"/>
+              </a:solidFill>
+            </a:endParaRPr>
+          </a:p>
+        </p:txBody>
+      </p:sp>
+    </p:spTree>
+    <p:extLst>
+      <p:ext uri="{BB962C8B-B14F-4D97-AF65-F5344CB8AC3E}">
+        <p14:creationId xmlns:p14="http://schemas.microsoft.com/office/powerpoint/2010/main" val="3348989334"/>
+      </p:ext>
+    </p:extLst>
+  </p:cSld>
+  <p:clrMapOvr>
+    <a:masterClrMapping/>
+  </p:clrMapOvr>
+</p:sld>
+</file>
+
+<file path=ppt/slides/slide4.xml><?xml version="1.0" encoding="utf-8"?>
+<p:sld xmlns:a="http://schemas.openxmlformats.org/drawingml/2006/main" xmlns:r="http://schemas.openxmlformats.org/officeDocument/2006/relationships" xmlns:p="http://schemas.openxmlformats.org/presentationml/2006/main">
+  <p:cSld>
+    <p:spTree>
+      <p:nvGrpSpPr>
+        <p:cNvPr id="1" name=""/>
+        <p:cNvGrpSpPr/>
+        <p:nvPr/>
+      </p:nvGrpSpPr>
+      <p:grpSpPr>
+        <a:xfrm>
+          <a:off x="0" y="0"/>
+          <a:ext cx="0" cy="0"/>
+          <a:chOff x="0" y="0"/>
+          <a:chExt cx="0" cy="0"/>
+        </a:xfrm>
+      </p:grpSpPr>
+      <p:sp>
+        <p:nvSpPr>
+          <p:cNvPr id="5" name="內容版面配置區 4"/>
+          <p:cNvSpPr>
+            <a:spLocks noGrp="1"/>
+          </p:cNvSpPr>
+          <p:nvPr>
+            <p:ph idx="1"/>
+          </p:nvPr>
+        </p:nvSpPr>
+        <p:spPr>
+          <a:xfrm>
+            <a:off x="0" y="2084851"/>
+            <a:ext cx="12192000" cy="2404863"/>
+          </a:xfrm>
+        </p:spPr>
+        <p:txBody>
+          <a:bodyPr anchor="ctr">
+            <a:normAutofit/>
+          </a:bodyPr>
+          <a:lstStyle/>
+          <a:p>
+            <a:pPr algn="ctr">
+              <a:buNone/>
+            </a:pPr>
+            <a:r>
+              <a:rPr lang="zh-TW" altLang="en-US" sz="6400" b="1" dirty="0">
+                <a:solidFill>
+                  <a:srgbClr val="660033"/>
+                </a:solidFill>
+                <a:latin typeface="微軟正黑體" pitchFamily="34" charset="-120"/>
+                <a:ea typeface="微軟正黑體" pitchFamily="34" charset="-120"/>
+              </a:rPr>
+              <a:t>我要頌</a:t>
+            </a:r>
+            <a:r>
+              <a:rPr lang="zh-TW" altLang="en-US" sz="6400" b="1" dirty="0">
+                <a:solidFill>
+                  <a:srgbClr val="660033"/>
+                </a:solidFill>
+                <a:latin typeface="微軟正黑體" pitchFamily="34" charset="-120"/>
+                <a:ea typeface="微軟正黑體" pitchFamily="34" charset="-120"/>
+              </a:rPr>
+              <a:t>揚  頌</a:t>
+            </a:r>
+            <a:r>
+              <a:rPr lang="zh-TW" altLang="en-US" sz="6400" b="1" dirty="0">
+                <a:solidFill>
+                  <a:srgbClr val="660033"/>
+                </a:solidFill>
+                <a:latin typeface="微軟正黑體" pitchFamily="34" charset="-120"/>
+                <a:ea typeface="微軟正黑體" pitchFamily="34" charset="-120"/>
+              </a:rPr>
+              <a:t>揚那顯公義的主</a:t>
+            </a:r>
+            <a:endParaRPr lang="en-US" altLang="zh-TW" sz="6400" b="1" dirty="0">
+              <a:solidFill>
+                <a:srgbClr val="660033"/>
               </a:solidFill>
               <a:latin typeface="微軟正黑體" pitchFamily="34" charset="-120"/>
               <a:ea typeface="微軟正黑體" pitchFamily="34" charset="-120"/>
-              <a:cs typeface="+mj-cs"/>
             </a:endParaRPr>
           </a:p>
           <a:p>
@@ -3574,28 +3603,443 @@
               <a:buNone/>
             </a:pPr>
             <a:r>
-              <a:rPr lang="en-US" altLang="zh-TW" sz="5400" b="1" dirty="0" smtClean="0">
-                <a:solidFill>
-                  <a:srgbClr val="002060"/>
+              <a:rPr lang="zh-TW" altLang="en-US" sz="6400" b="1" dirty="0">
+                <a:solidFill>
+                  <a:srgbClr val="660033"/>
                 </a:solidFill>
                 <a:latin typeface="微軟正黑體" pitchFamily="34" charset="-120"/>
                 <a:ea typeface="微軟正黑體" pitchFamily="34" charset="-120"/>
-                <a:cs typeface="+mj-cs"/>
               </a:rPr>
-              <a:t>(x2)</a:t>
-            </a:r>
-            <a:endParaRPr lang="zh-TW" altLang="en-US" sz="5400" b="1" dirty="0">
+              <a:t>祂的國度是權柄榮耀</a:t>
+            </a:r>
+            <a:endParaRPr lang="en-US" altLang="zh-TW" sz="6400" b="1" dirty="0">
               <a:solidFill>
-                <a:srgbClr val="002060"/>
+                <a:srgbClr val="660033"/>
               </a:solidFill>
               <a:latin typeface="微軟正黑體" pitchFamily="34" charset="-120"/>
               <a:ea typeface="微軟正黑體" pitchFamily="34" charset="-120"/>
-              <a:cs typeface="+mj-cs"/>
             </a:endParaRPr>
           </a:p>
         </p:txBody>
       </p:sp>
+      <p:sp>
+        <p:nvSpPr>
+          <p:cNvPr id="3" name="TextBox 2"/>
+          <p:cNvSpPr txBox="1"/>
+          <p:nvPr/>
+        </p:nvSpPr>
+        <p:spPr>
+          <a:xfrm>
+            <a:off x="0" y="5253206"/>
+            <a:ext cx="12192000" cy="830997"/>
+          </a:xfrm>
+          <a:prstGeom prst="rect">
+            <a:avLst/>
+          </a:prstGeom>
+          <a:noFill/>
+        </p:spPr>
+        <p:txBody>
+          <a:bodyPr wrap="square" rtlCol="0">
+            <a:spAutoFit/>
+          </a:bodyPr>
+          <a:lstStyle/>
+          <a:p>
+            <a:pPr algn="ctr"/>
+            <a:r>
+              <a:rPr lang="en-US" sz="4800" b="1" dirty="0">
+                <a:solidFill>
+                  <a:srgbClr val="660033"/>
+                </a:solidFill>
+              </a:rPr>
+              <a:t>( </a:t>
+            </a:r>
+            <a:r>
+              <a:rPr lang="en-US" sz="4800" b="1" dirty="0">
+                <a:solidFill>
+                  <a:srgbClr val="660033"/>
+                </a:solidFill>
+              </a:rPr>
+              <a:t>2 </a:t>
+            </a:r>
+            <a:r>
+              <a:rPr lang="en-US" sz="4800" b="1" dirty="0">
+                <a:solidFill>
+                  <a:srgbClr val="660033"/>
+                </a:solidFill>
+              </a:rPr>
+              <a:t>)</a:t>
+            </a:r>
+            <a:endParaRPr lang="vi-VN" sz="4800" b="1" dirty="0">
+              <a:solidFill>
+                <a:srgbClr val="660033"/>
+              </a:solidFill>
+            </a:endParaRPr>
+          </a:p>
+        </p:txBody>
+      </p:sp>
     </p:spTree>
+    <p:extLst>
+      <p:ext uri="{BB962C8B-B14F-4D97-AF65-F5344CB8AC3E}">
+        <p14:creationId xmlns:p14="http://schemas.microsoft.com/office/powerpoint/2010/main" val="2830903362"/>
+      </p:ext>
+    </p:extLst>
+  </p:cSld>
+  <p:clrMapOvr>
+    <a:masterClrMapping/>
+  </p:clrMapOvr>
+</p:sld>
+</file>
+
+<file path=ppt/slides/slide5.xml><?xml version="1.0" encoding="utf-8"?>
+<p:sld xmlns:a="http://schemas.openxmlformats.org/drawingml/2006/main" xmlns:r="http://schemas.openxmlformats.org/officeDocument/2006/relationships" xmlns:p="http://schemas.openxmlformats.org/presentationml/2006/main">
+  <p:cSld>
+    <p:spTree>
+      <p:nvGrpSpPr>
+        <p:cNvPr id="1" name=""/>
+        <p:cNvGrpSpPr/>
+        <p:nvPr/>
+      </p:nvGrpSpPr>
+      <p:grpSpPr>
+        <a:xfrm>
+          <a:off x="0" y="0"/>
+          <a:ext cx="0" cy="0"/>
+          <a:chOff x="0" y="0"/>
+          <a:chExt cx="0" cy="0"/>
+        </a:xfrm>
+      </p:grpSpPr>
+      <p:sp>
+        <p:nvSpPr>
+          <p:cNvPr id="5" name="內容版面配置區 4"/>
+          <p:cNvSpPr>
+            <a:spLocks noGrp="1"/>
+          </p:cNvSpPr>
+          <p:nvPr>
+            <p:ph idx="1"/>
+          </p:nvPr>
+        </p:nvSpPr>
+        <p:spPr>
+          <a:xfrm>
+            <a:off x="0" y="2084851"/>
+            <a:ext cx="12192000" cy="2404863"/>
+          </a:xfrm>
+        </p:spPr>
+        <p:txBody>
+          <a:bodyPr anchor="ctr">
+            <a:normAutofit/>
+          </a:bodyPr>
+          <a:lstStyle/>
+          <a:p>
+            <a:pPr algn="ctr">
+              <a:buNone/>
+            </a:pPr>
+            <a:r>
+              <a:rPr lang="zh-TW" altLang="en-US" sz="6400" b="1" dirty="0">
+                <a:solidFill>
+                  <a:srgbClr val="660033"/>
+                </a:solidFill>
+                <a:latin typeface="微軟正黑體" pitchFamily="34" charset="-120"/>
+                <a:ea typeface="微軟正黑體" pitchFamily="34" charset="-120"/>
+              </a:rPr>
+              <a:t>我要頌</a:t>
+            </a:r>
+            <a:r>
+              <a:rPr lang="zh-TW" altLang="en-US" sz="6400" b="1" dirty="0">
+                <a:solidFill>
+                  <a:srgbClr val="660033"/>
+                </a:solidFill>
+                <a:latin typeface="微軟正黑體" pitchFamily="34" charset="-120"/>
+                <a:ea typeface="微軟正黑體" pitchFamily="34" charset="-120"/>
+              </a:rPr>
+              <a:t>揚  頌</a:t>
+            </a:r>
+            <a:r>
+              <a:rPr lang="zh-TW" altLang="en-US" sz="6400" b="1" dirty="0">
+                <a:solidFill>
+                  <a:srgbClr val="660033"/>
+                </a:solidFill>
+                <a:latin typeface="微軟正黑體" pitchFamily="34" charset="-120"/>
+                <a:ea typeface="微軟正黑體" pitchFamily="34" charset="-120"/>
+              </a:rPr>
+              <a:t>揚那顯慈愛的主</a:t>
+            </a:r>
+            <a:endParaRPr lang="en-US" altLang="zh-TW" sz="6400" b="1" dirty="0">
+              <a:solidFill>
+                <a:srgbClr val="660033"/>
+              </a:solidFill>
+              <a:latin typeface="微軟正黑體" pitchFamily="34" charset="-120"/>
+              <a:ea typeface="微軟正黑體" pitchFamily="34" charset="-120"/>
+            </a:endParaRPr>
+          </a:p>
+          <a:p>
+            <a:pPr algn="ctr">
+              <a:buNone/>
+            </a:pPr>
+            <a:r>
+              <a:rPr lang="zh-TW" altLang="en-US" sz="6400" b="1" dirty="0">
+                <a:solidFill>
+                  <a:srgbClr val="660033"/>
+                </a:solidFill>
+                <a:latin typeface="微軟正黑體" pitchFamily="34" charset="-120"/>
+                <a:ea typeface="微軟正黑體" pitchFamily="34" charset="-120"/>
+              </a:rPr>
+              <a:t>祂的信實永不動搖</a:t>
+            </a:r>
+          </a:p>
+        </p:txBody>
+      </p:sp>
+      <p:sp>
+        <p:nvSpPr>
+          <p:cNvPr id="3" name="TextBox 2"/>
+          <p:cNvSpPr txBox="1"/>
+          <p:nvPr/>
+        </p:nvSpPr>
+        <p:spPr>
+          <a:xfrm>
+            <a:off x="0" y="5253206"/>
+            <a:ext cx="12192000" cy="830997"/>
+          </a:xfrm>
+          <a:prstGeom prst="rect">
+            <a:avLst/>
+          </a:prstGeom>
+          <a:noFill/>
+        </p:spPr>
+        <p:txBody>
+          <a:bodyPr wrap="square" rtlCol="0">
+            <a:spAutoFit/>
+          </a:bodyPr>
+          <a:lstStyle/>
+          <a:p>
+            <a:pPr algn="ctr"/>
+            <a:r>
+              <a:rPr lang="en-US" sz="4800" b="1" dirty="0">
+                <a:solidFill>
+                  <a:srgbClr val="660033"/>
+                </a:solidFill>
+              </a:rPr>
+              <a:t>( </a:t>
+            </a:r>
+            <a:r>
+              <a:rPr lang="en-US" sz="4800" b="1" dirty="0">
+                <a:solidFill>
+                  <a:srgbClr val="660033"/>
+                </a:solidFill>
+              </a:rPr>
+              <a:t>2 </a:t>
+            </a:r>
+            <a:r>
+              <a:rPr lang="en-US" sz="4800" b="1" dirty="0">
+                <a:solidFill>
+                  <a:srgbClr val="660033"/>
+                </a:solidFill>
+              </a:rPr>
+              <a:t>)</a:t>
+            </a:r>
+            <a:endParaRPr lang="vi-VN" sz="4800" b="1" dirty="0">
+              <a:solidFill>
+                <a:srgbClr val="660033"/>
+              </a:solidFill>
+            </a:endParaRPr>
+          </a:p>
+        </p:txBody>
+      </p:sp>
+    </p:spTree>
+    <p:extLst>
+      <p:ext uri="{BB962C8B-B14F-4D97-AF65-F5344CB8AC3E}">
+        <p14:creationId xmlns:p14="http://schemas.microsoft.com/office/powerpoint/2010/main" val="2850253081"/>
+      </p:ext>
+    </p:extLst>
+  </p:cSld>
+  <p:clrMapOvr>
+    <a:masterClrMapping/>
+  </p:clrMapOvr>
+</p:sld>
+</file>
+
+<file path=ppt/slides/slide6.xml><?xml version="1.0" encoding="utf-8"?>
+<p:sld xmlns:a="http://schemas.openxmlformats.org/drawingml/2006/main" xmlns:r="http://schemas.openxmlformats.org/officeDocument/2006/relationships" xmlns:p="http://schemas.openxmlformats.org/presentationml/2006/main">
+  <p:cSld>
+    <p:spTree>
+      <p:nvGrpSpPr>
+        <p:cNvPr id="1" name=""/>
+        <p:cNvGrpSpPr/>
+        <p:nvPr/>
+      </p:nvGrpSpPr>
+      <p:grpSpPr>
+        <a:xfrm>
+          <a:off x="0" y="0"/>
+          <a:ext cx="0" cy="0"/>
+          <a:chOff x="0" y="0"/>
+          <a:chExt cx="0" cy="0"/>
+        </a:xfrm>
+      </p:grpSpPr>
+      <p:sp>
+        <p:nvSpPr>
+          <p:cNvPr id="5" name="內容版面配置區 4"/>
+          <p:cNvSpPr>
+            <a:spLocks noGrp="1"/>
+          </p:cNvSpPr>
+          <p:nvPr>
+            <p:ph idx="1"/>
+          </p:nvPr>
+        </p:nvSpPr>
+        <p:spPr>
+          <a:xfrm>
+            <a:off x="0" y="2084851"/>
+            <a:ext cx="12192000" cy="2404863"/>
+          </a:xfrm>
+        </p:spPr>
+        <p:txBody>
+          <a:bodyPr anchor="ctr">
+            <a:normAutofit/>
+          </a:bodyPr>
+          <a:lstStyle/>
+          <a:p>
+            <a:pPr algn="ctr">
+              <a:buNone/>
+            </a:pPr>
+            <a:r>
+              <a:rPr lang="zh-TW" altLang="en-US" sz="6400" b="1" dirty="0">
+                <a:solidFill>
+                  <a:srgbClr val="660033"/>
+                </a:solidFill>
+                <a:latin typeface="微軟正黑體" pitchFamily="34" charset="-120"/>
+                <a:ea typeface="微軟正黑體" pitchFamily="34" charset="-120"/>
+              </a:rPr>
+              <a:t>哈利路</a:t>
+            </a:r>
+            <a:r>
+              <a:rPr lang="zh-TW" altLang="en-US" sz="6400" b="1" dirty="0">
+                <a:solidFill>
+                  <a:srgbClr val="660033"/>
+                </a:solidFill>
+                <a:latin typeface="微軟正黑體" pitchFamily="34" charset="-120"/>
+                <a:ea typeface="微軟正黑體" pitchFamily="34" charset="-120"/>
+              </a:rPr>
+              <a:t>亞  哈</a:t>
+            </a:r>
+            <a:r>
+              <a:rPr lang="zh-TW" altLang="en-US" sz="6400" b="1" dirty="0">
+                <a:solidFill>
+                  <a:srgbClr val="660033"/>
+                </a:solidFill>
+                <a:latin typeface="微軟正黑體" pitchFamily="34" charset="-120"/>
+                <a:ea typeface="微軟正黑體" pitchFamily="34" charset="-120"/>
+              </a:rPr>
+              <a:t>利路亞</a:t>
+            </a:r>
+            <a:endParaRPr lang="en-US" altLang="zh-TW" sz="6400" b="1" dirty="0">
+              <a:solidFill>
+                <a:srgbClr val="660033"/>
+              </a:solidFill>
+              <a:latin typeface="微軟正黑體" pitchFamily="34" charset="-120"/>
+              <a:ea typeface="微軟正黑體" pitchFamily="34" charset="-120"/>
+            </a:endParaRPr>
+          </a:p>
+          <a:p>
+            <a:pPr algn="ctr">
+              <a:buNone/>
+            </a:pPr>
+            <a:r>
+              <a:rPr lang="zh-TW" altLang="en-US" sz="6400" b="1" dirty="0">
+                <a:solidFill>
+                  <a:srgbClr val="660033"/>
+                </a:solidFill>
+                <a:latin typeface="微軟正黑體" pitchFamily="34" charset="-120"/>
+                <a:ea typeface="微軟正黑體" pitchFamily="34" charset="-120"/>
+              </a:rPr>
+              <a:t>一切祂都知</a:t>
+            </a:r>
+            <a:r>
+              <a:rPr lang="zh-TW" altLang="en-US" sz="6400" b="1" dirty="0">
+                <a:solidFill>
+                  <a:srgbClr val="660033"/>
+                </a:solidFill>
+                <a:latin typeface="微軟正黑體" pitchFamily="34" charset="-120"/>
+                <a:ea typeface="微軟正黑體" pitchFamily="34" charset="-120"/>
+              </a:rPr>
+              <a:t>道  祂</a:t>
+            </a:r>
+            <a:r>
+              <a:rPr lang="zh-TW" altLang="en-US" sz="6400" b="1" dirty="0">
+                <a:solidFill>
+                  <a:srgbClr val="660033"/>
+                </a:solidFill>
+                <a:latin typeface="微軟正黑體" pitchFamily="34" charset="-120"/>
+                <a:ea typeface="微軟正黑體" pitchFamily="34" charset="-120"/>
+              </a:rPr>
+              <a:t>都明瞭</a:t>
+            </a:r>
+            <a:endParaRPr lang="en-US" altLang="zh-TW" sz="6400" b="1" dirty="0">
+              <a:solidFill>
+                <a:srgbClr val="660033"/>
+              </a:solidFill>
+              <a:latin typeface="微軟正黑體" pitchFamily="34" charset="-120"/>
+              <a:ea typeface="微軟正黑體" pitchFamily="34" charset="-120"/>
+            </a:endParaRPr>
+          </a:p>
+        </p:txBody>
+      </p:sp>
+      <p:sp>
+        <p:nvSpPr>
+          <p:cNvPr id="4" name="TextBox 3"/>
+          <p:cNvSpPr txBox="1"/>
+          <p:nvPr/>
+        </p:nvSpPr>
+        <p:spPr>
+          <a:xfrm>
+            <a:off x="0" y="5253206"/>
+            <a:ext cx="12192000" cy="830997"/>
+          </a:xfrm>
+          <a:prstGeom prst="rect">
+            <a:avLst/>
+          </a:prstGeom>
+          <a:noFill/>
+        </p:spPr>
+        <p:txBody>
+          <a:bodyPr wrap="square" rtlCol="0">
+            <a:spAutoFit/>
+          </a:bodyPr>
+          <a:lstStyle/>
+          <a:p>
+            <a:pPr algn="ctr"/>
+            <a:r>
+              <a:rPr lang="en-US" sz="4800" b="1" dirty="0">
+                <a:solidFill>
+                  <a:srgbClr val="660033"/>
+                </a:solidFill>
+              </a:rPr>
+              <a:t>( </a:t>
+            </a:r>
+            <a:r>
+              <a:rPr lang="en-US" sz="4800" b="1" dirty="0">
+                <a:solidFill>
+                  <a:srgbClr val="660033"/>
+                </a:solidFill>
+              </a:rPr>
+              <a:t>x2 </a:t>
+            </a:r>
+            <a:r>
+              <a:rPr lang="en-US" sz="4800" b="1" dirty="0">
+                <a:solidFill>
+                  <a:srgbClr val="660033"/>
+                </a:solidFill>
+              </a:rPr>
+              <a:t>)</a:t>
+            </a:r>
+            <a:endParaRPr lang="vi-VN" sz="4800" b="1" dirty="0">
+              <a:solidFill>
+                <a:srgbClr val="660033"/>
+              </a:solidFill>
+            </a:endParaRPr>
+          </a:p>
+        </p:txBody>
+      </p:sp>
+    </p:spTree>
+    <p:extLst>
+      <p:ext uri="{BB962C8B-B14F-4D97-AF65-F5344CB8AC3E}">
+        <p14:creationId xmlns:p14="http://schemas.microsoft.com/office/powerpoint/2010/main" val="8165214"/>
+      </p:ext>
+    </p:extLst>
   </p:cSld>
   <p:clrMapOvr>
     <a:masterClrMapping/>

--- a/我要頌揚_國語版.pptx
+++ b/我要頌揚_國語版.pptx
@@ -310,7 +310,7 @@
             <a:fld id="{A95F74E7-4BF7-4687-8727-E26A2E617AB2}" type="datetimeFigureOut">
               <a:rPr lang="zh-TW" altLang="en-US" smtClean="0"/>
               <a:pPr/>
-              <a:t>2021/5/22</a:t>
+              <a:t>2022/7/8</a:t>
             </a:fld>
             <a:endParaRPr lang="zh-TW" altLang="en-US"/>
           </a:p>
@@ -477,7 +477,7 @@
             <a:fld id="{A95F74E7-4BF7-4687-8727-E26A2E617AB2}" type="datetimeFigureOut">
               <a:rPr lang="zh-TW" altLang="en-US" smtClean="0"/>
               <a:pPr/>
-              <a:t>2021/5/22</a:t>
+              <a:t>2022/7/8</a:t>
             </a:fld>
             <a:endParaRPr lang="zh-TW" altLang="en-US"/>
           </a:p>
@@ -654,7 +654,7 @@
             <a:fld id="{A95F74E7-4BF7-4687-8727-E26A2E617AB2}" type="datetimeFigureOut">
               <a:rPr lang="zh-TW" altLang="en-US" smtClean="0"/>
               <a:pPr/>
-              <a:t>2021/5/22</a:t>
+              <a:t>2022/7/8</a:t>
             </a:fld>
             <a:endParaRPr lang="zh-TW" altLang="en-US"/>
           </a:p>
@@ -821,7 +821,7 @@
             <a:fld id="{A95F74E7-4BF7-4687-8727-E26A2E617AB2}" type="datetimeFigureOut">
               <a:rPr lang="zh-TW" altLang="en-US" smtClean="0"/>
               <a:pPr/>
-              <a:t>2021/5/22</a:t>
+              <a:t>2022/7/8</a:t>
             </a:fld>
             <a:endParaRPr lang="zh-TW" altLang="en-US"/>
           </a:p>
@@ -1064,7 +1064,7 @@
             <a:fld id="{A95F74E7-4BF7-4687-8727-E26A2E617AB2}" type="datetimeFigureOut">
               <a:rPr lang="zh-TW" altLang="en-US" smtClean="0"/>
               <a:pPr/>
-              <a:t>2021/5/22</a:t>
+              <a:t>2022/7/8</a:t>
             </a:fld>
             <a:endParaRPr lang="zh-TW" altLang="en-US"/>
           </a:p>
@@ -1349,7 +1349,7 @@
             <a:fld id="{A95F74E7-4BF7-4687-8727-E26A2E617AB2}" type="datetimeFigureOut">
               <a:rPr lang="zh-TW" altLang="en-US" smtClean="0"/>
               <a:pPr/>
-              <a:t>2021/5/22</a:t>
+              <a:t>2022/7/8</a:t>
             </a:fld>
             <a:endParaRPr lang="zh-TW" altLang="en-US"/>
           </a:p>
@@ -1768,7 +1768,7 @@
             <a:fld id="{A95F74E7-4BF7-4687-8727-E26A2E617AB2}" type="datetimeFigureOut">
               <a:rPr lang="zh-TW" altLang="en-US" smtClean="0"/>
               <a:pPr/>
-              <a:t>2021/5/22</a:t>
+              <a:t>2022/7/8</a:t>
             </a:fld>
             <a:endParaRPr lang="zh-TW" altLang="en-US"/>
           </a:p>
@@ -1883,7 +1883,7 @@
             <a:fld id="{A95F74E7-4BF7-4687-8727-E26A2E617AB2}" type="datetimeFigureOut">
               <a:rPr lang="zh-TW" altLang="en-US" smtClean="0"/>
               <a:pPr/>
-              <a:t>2021/5/22</a:t>
+              <a:t>2022/7/8</a:t>
             </a:fld>
             <a:endParaRPr lang="zh-TW" altLang="en-US"/>
           </a:p>
@@ -1975,7 +1975,7 @@
             <a:fld id="{A95F74E7-4BF7-4687-8727-E26A2E617AB2}" type="datetimeFigureOut">
               <a:rPr lang="zh-TW" altLang="en-US" smtClean="0"/>
               <a:pPr/>
-              <a:t>2021/5/22</a:t>
+              <a:t>2022/7/8</a:t>
             </a:fld>
             <a:endParaRPr lang="zh-TW" altLang="en-US"/>
           </a:p>
@@ -2249,7 +2249,7 @@
             <a:fld id="{A95F74E7-4BF7-4687-8727-E26A2E617AB2}" type="datetimeFigureOut">
               <a:rPr lang="zh-TW" altLang="en-US" smtClean="0"/>
               <a:pPr/>
-              <a:t>2021/5/22</a:t>
+              <a:t>2022/7/8</a:t>
             </a:fld>
             <a:endParaRPr lang="zh-TW" altLang="en-US"/>
           </a:p>
@@ -2503,7 +2503,7 @@
             <a:fld id="{A95F74E7-4BF7-4687-8727-E26A2E617AB2}" type="datetimeFigureOut">
               <a:rPr lang="zh-TW" altLang="en-US" smtClean="0"/>
               <a:pPr/>
-              <a:t>2021/5/22</a:t>
+              <a:t>2022/7/8</a:t>
             </a:fld>
             <a:endParaRPr lang="zh-TW" altLang="en-US"/>
           </a:p>
@@ -2718,7 +2718,7 @@
             <a:fld id="{A95F74E7-4BF7-4687-8727-E26A2E617AB2}" type="datetimeFigureOut">
               <a:rPr lang="zh-TW" altLang="en-US" smtClean="0"/>
               <a:pPr/>
-              <a:t>2021/5/22</a:t>
+              <a:t>2022/7/8</a:t>
             </a:fld>
             <a:endParaRPr lang="zh-TW" altLang="en-US"/>
           </a:p>
@@ -3126,24 +3126,7 @@
                 <a:latin typeface="微軟正黑體" pitchFamily="34" charset="-120"/>
                 <a:ea typeface="微軟正黑體" pitchFamily="34" charset="-120"/>
               </a:rPr>
-              <a:t>我</a:t>
-            </a:r>
-            <a:r>
-              <a:rPr lang="zh-TW" altLang="en-US" sz="7200" b="1" i="1" dirty="0">
-                <a:solidFill>
-                  <a:srgbClr val="660033"/>
-                </a:solidFill>
-                <a:effectLst>
-                  <a:outerShdw blurRad="38100" dist="38100" dir="2700000" algn="tl">
-                    <a:srgbClr val="000000">
-                      <a:alpha val="43137"/>
-                    </a:srgbClr>
-                  </a:outerShdw>
-                </a:effectLst>
-                <a:latin typeface="微軟正黑體" pitchFamily="34" charset="-120"/>
-                <a:ea typeface="微軟正黑體" pitchFamily="34" charset="-120"/>
-              </a:rPr>
-              <a:t>要頌揚</a:t>
+              <a:t>我要頌揚</a:t>
             </a:r>
           </a:p>
         </p:txBody>
@@ -3211,27 +3194,7 @@
                 <a:latin typeface="微軟正黑體" pitchFamily="34" charset="-120"/>
                 <a:ea typeface="微軟正黑體" pitchFamily="34" charset="-120"/>
               </a:rPr>
-              <a:t>我要頌</a:t>
-            </a:r>
-            <a:r>
-              <a:rPr lang="zh-TW" altLang="en-US" sz="6400" b="1" dirty="0">
-                <a:solidFill>
-                  <a:srgbClr val="660033"/>
-                </a:solidFill>
-                <a:latin typeface="微軟正黑體" pitchFamily="34" charset="-120"/>
-                <a:ea typeface="微軟正黑體" pitchFamily="34" charset="-120"/>
-              </a:rPr>
-              <a:t>揚  頌</a:t>
-            </a:r>
-            <a:r>
-              <a:rPr lang="zh-TW" altLang="en-US" sz="6400" b="1" dirty="0">
-                <a:solidFill>
-                  <a:srgbClr val="660033"/>
-                </a:solidFill>
-                <a:latin typeface="微軟正黑體" pitchFamily="34" charset="-120"/>
-                <a:ea typeface="微軟正黑體" pitchFamily="34" charset="-120"/>
-              </a:rPr>
-              <a:t>揚那造眼睛的主</a:t>
+              <a:t>我要頌揚  頌揚那造眼睛的主</a:t>
             </a:r>
             <a:endParaRPr lang="en-US" altLang="zh-TW" sz="6400" b="1" dirty="0">
               <a:solidFill>
@@ -3293,14 +3256,28 @@
                 <a:solidFill>
                   <a:srgbClr val="660033"/>
                 </a:solidFill>
+                <a:latin typeface="Microsoft JhengHei" panose="020B0604030504040204" pitchFamily="34" charset="-120"/>
+                <a:ea typeface="Microsoft JhengHei" panose="020B0604030504040204" pitchFamily="34" charset="-120"/>
               </a:rPr>
               <a:t>( </a:t>
             </a:r>
             <a:r>
-              <a:rPr lang="en-US" sz="4800" b="1" dirty="0">
+              <a:rPr lang="zh-CN" altLang="en-US" sz="4800" b="1" dirty="0" smtClean="0">
                 <a:solidFill>
                   <a:srgbClr val="660033"/>
                 </a:solidFill>
+                <a:latin typeface="Microsoft JhengHei" panose="020B0604030504040204" pitchFamily="34" charset="-120"/>
+                <a:ea typeface="Microsoft JhengHei" panose="020B0604030504040204" pitchFamily="34" charset="-120"/>
+              </a:rPr>
+              <a:t>正 </a:t>
+            </a:r>
+            <a:r>
+              <a:rPr lang="en-US" sz="4800" b="1" dirty="0" smtClean="0">
+                <a:solidFill>
+                  <a:srgbClr val="660033"/>
+                </a:solidFill>
+                <a:latin typeface="Microsoft JhengHei" panose="020B0604030504040204" pitchFamily="34" charset="-120"/>
+                <a:ea typeface="Microsoft JhengHei" panose="020B0604030504040204" pitchFamily="34" charset="-120"/>
               </a:rPr>
               <a:t>1 </a:t>
             </a:r>
@@ -3309,6 +3286,8 @@
                 <a:solidFill>
                   <a:srgbClr val="660033"/>
                 </a:solidFill>
+                <a:latin typeface="Microsoft JhengHei" panose="020B0604030504040204" pitchFamily="34" charset="-120"/>
+                <a:ea typeface="Microsoft JhengHei" panose="020B0604030504040204" pitchFamily="34" charset="-120"/>
               </a:rPr>
               <a:t>)</a:t>
             </a:r>
@@ -3316,6 +3295,7 @@
               <a:solidFill>
                 <a:srgbClr val="660033"/>
               </a:solidFill>
+              <a:ea typeface="Microsoft JhengHei" panose="020B0604030504040204" pitchFamily="34" charset="-120"/>
             </a:endParaRPr>
           </a:p>
         </p:txBody>
@@ -3383,17 +3363,7 @@
                 <a:latin typeface="微軟正黑體" pitchFamily="34" charset="-120"/>
                 <a:ea typeface="微軟正黑體" pitchFamily="34" charset="-120"/>
               </a:rPr>
-              <a:t>我要頌</a:t>
-            </a:r>
-            <a:r>
-              <a:rPr lang="zh-TW" altLang="en-US" sz="6400" b="1" dirty="0">
-                <a:solidFill>
-                  <a:srgbClr val="660033"/>
-                </a:solidFill>
-                <a:latin typeface="微軟正黑體" pitchFamily="34" charset="-120"/>
-                <a:ea typeface="微軟正黑體" pitchFamily="34" charset="-120"/>
-              </a:rPr>
-              <a:t>揚</a:t>
+              <a:t>我要頌揚</a:t>
             </a:r>
             <a:r>
               <a:rPr lang="en-US" altLang="zh-TW" sz="6400" b="1" dirty="0">
@@ -3413,17 +3383,7 @@
                 <a:latin typeface="微軟正黑體" pitchFamily="34" charset="-120"/>
                 <a:ea typeface="微軟正黑體" pitchFamily="34" charset="-120"/>
               </a:rPr>
-              <a:t>頌</a:t>
-            </a:r>
-            <a:r>
-              <a:rPr lang="zh-TW" altLang="en-US" sz="6400" b="1" dirty="0">
-                <a:solidFill>
-                  <a:srgbClr val="660033"/>
-                </a:solidFill>
-                <a:latin typeface="微軟正黑體" pitchFamily="34" charset="-120"/>
-                <a:ea typeface="微軟正黑體" pitchFamily="34" charset="-120"/>
-              </a:rPr>
-              <a:t>揚那造耳朵的主</a:t>
+              <a:t>頌揚那造耳朵的主</a:t>
             </a:r>
             <a:endParaRPr lang="en-US" altLang="zh-TW" sz="6400" b="1" dirty="0">
               <a:solidFill>
@@ -3478,29 +3438,36 @@
                 <a:solidFill>
                   <a:srgbClr val="660033"/>
                 </a:solidFill>
+                <a:latin typeface="Microsoft JhengHei" panose="020B0604030504040204" pitchFamily="34" charset="-120"/>
+                <a:ea typeface="Microsoft JhengHei" panose="020B0604030504040204" pitchFamily="34" charset="-120"/>
               </a:rPr>
               <a:t>( </a:t>
             </a:r>
             <a:r>
+              <a:rPr lang="zh-CN" altLang="en-US" sz="4800" b="1" dirty="0">
+                <a:solidFill>
+                  <a:srgbClr val="660033"/>
+                </a:solidFill>
+                <a:latin typeface="Microsoft JhengHei" panose="020B0604030504040204" pitchFamily="34" charset="-120"/>
+                <a:ea typeface="Microsoft JhengHei" panose="020B0604030504040204" pitchFamily="34" charset="-120"/>
+              </a:rPr>
+              <a:t>正 </a:t>
+            </a:r>
+            <a:r>
               <a:rPr lang="en-US" sz="4800" b="1" dirty="0">
                 <a:solidFill>
                   <a:srgbClr val="660033"/>
                 </a:solidFill>
+                <a:latin typeface="Microsoft JhengHei" panose="020B0604030504040204" pitchFamily="34" charset="-120"/>
+                <a:ea typeface="Microsoft JhengHei" panose="020B0604030504040204" pitchFamily="34" charset="-120"/>
               </a:rPr>
-              <a:t>1 </a:t>
-            </a:r>
-            <a:r>
-              <a:rPr lang="en-US" sz="4800" b="1" dirty="0">
-                <a:solidFill>
-                  <a:srgbClr val="660033"/>
-                </a:solidFill>
-              </a:rPr>
-              <a:t>)</a:t>
+              <a:t>1 )</a:t>
             </a:r>
             <a:endParaRPr lang="vi-VN" sz="4800" b="1" dirty="0">
               <a:solidFill>
                 <a:srgbClr val="660033"/>
               </a:solidFill>
+              <a:ea typeface="Microsoft JhengHei" panose="020B0604030504040204" pitchFamily="34" charset="-120"/>
             </a:endParaRPr>
           </a:p>
         </p:txBody>
@@ -3568,27 +3535,7 @@
                 <a:latin typeface="微軟正黑體" pitchFamily="34" charset="-120"/>
                 <a:ea typeface="微軟正黑體" pitchFamily="34" charset="-120"/>
               </a:rPr>
-              <a:t>我要頌</a:t>
-            </a:r>
-            <a:r>
-              <a:rPr lang="zh-TW" altLang="en-US" sz="6400" b="1" dirty="0">
-                <a:solidFill>
-                  <a:srgbClr val="660033"/>
-                </a:solidFill>
-                <a:latin typeface="微軟正黑體" pitchFamily="34" charset="-120"/>
-                <a:ea typeface="微軟正黑體" pitchFamily="34" charset="-120"/>
-              </a:rPr>
-              <a:t>揚  頌</a:t>
-            </a:r>
-            <a:r>
-              <a:rPr lang="zh-TW" altLang="en-US" sz="6400" b="1" dirty="0">
-                <a:solidFill>
-                  <a:srgbClr val="660033"/>
-                </a:solidFill>
-                <a:latin typeface="微軟正黑體" pitchFamily="34" charset="-120"/>
-                <a:ea typeface="微軟正黑體" pitchFamily="34" charset="-120"/>
-              </a:rPr>
-              <a:t>揚那顯公義的主</a:t>
+              <a:t>我要頌揚  頌揚那顯公義的主</a:t>
             </a:r>
             <a:endParaRPr lang="en-US" altLang="zh-TW" sz="6400" b="1" dirty="0">
               <a:solidFill>
@@ -3650,14 +3597,28 @@
                 <a:solidFill>
                   <a:srgbClr val="660033"/>
                 </a:solidFill>
+                <a:latin typeface="Microsoft JhengHei" panose="020B0604030504040204" pitchFamily="34" charset="-120"/>
+                <a:ea typeface="Microsoft JhengHei" panose="020B0604030504040204" pitchFamily="34" charset="-120"/>
               </a:rPr>
               <a:t>( </a:t>
             </a:r>
             <a:r>
-              <a:rPr lang="en-US" sz="4800" b="1" dirty="0">
+              <a:rPr lang="zh-CN" altLang="en-US" sz="4800" b="1" dirty="0">
                 <a:solidFill>
                   <a:srgbClr val="660033"/>
                 </a:solidFill>
+                <a:latin typeface="Microsoft JhengHei" panose="020B0604030504040204" pitchFamily="34" charset="-120"/>
+                <a:ea typeface="Microsoft JhengHei" panose="020B0604030504040204" pitchFamily="34" charset="-120"/>
+              </a:rPr>
+              <a:t>正 </a:t>
+            </a:r>
+            <a:r>
+              <a:rPr lang="en-US" sz="4800" b="1" dirty="0" smtClean="0">
+                <a:solidFill>
+                  <a:srgbClr val="660033"/>
+                </a:solidFill>
+                <a:latin typeface="Microsoft JhengHei" panose="020B0604030504040204" pitchFamily="34" charset="-120"/>
+                <a:ea typeface="Microsoft JhengHei" panose="020B0604030504040204" pitchFamily="34" charset="-120"/>
               </a:rPr>
               <a:t>2 </a:t>
             </a:r>
@@ -3666,6 +3627,8 @@
                 <a:solidFill>
                   <a:srgbClr val="660033"/>
                 </a:solidFill>
+                <a:latin typeface="Microsoft JhengHei" panose="020B0604030504040204" pitchFamily="34" charset="-120"/>
+                <a:ea typeface="Microsoft JhengHei" panose="020B0604030504040204" pitchFamily="34" charset="-120"/>
               </a:rPr>
               <a:t>)</a:t>
             </a:r>
@@ -3673,6 +3636,7 @@
               <a:solidFill>
                 <a:srgbClr val="660033"/>
               </a:solidFill>
+              <a:ea typeface="Microsoft JhengHei" panose="020B0604030504040204" pitchFamily="34" charset="-120"/>
             </a:endParaRPr>
           </a:p>
         </p:txBody>
@@ -3740,27 +3704,7 @@
                 <a:latin typeface="微軟正黑體" pitchFamily="34" charset="-120"/>
                 <a:ea typeface="微軟正黑體" pitchFamily="34" charset="-120"/>
               </a:rPr>
-              <a:t>我要頌</a:t>
-            </a:r>
-            <a:r>
-              <a:rPr lang="zh-TW" altLang="en-US" sz="6400" b="1" dirty="0">
-                <a:solidFill>
-                  <a:srgbClr val="660033"/>
-                </a:solidFill>
-                <a:latin typeface="微軟正黑體" pitchFamily="34" charset="-120"/>
-                <a:ea typeface="微軟正黑體" pitchFamily="34" charset="-120"/>
-              </a:rPr>
-              <a:t>揚  頌</a:t>
-            </a:r>
-            <a:r>
-              <a:rPr lang="zh-TW" altLang="en-US" sz="6400" b="1" dirty="0">
-                <a:solidFill>
-                  <a:srgbClr val="660033"/>
-                </a:solidFill>
-                <a:latin typeface="微軟正黑體" pitchFamily="34" charset="-120"/>
-                <a:ea typeface="微軟正黑體" pitchFamily="34" charset="-120"/>
-              </a:rPr>
-              <a:t>揚那顯慈愛的主</a:t>
+              <a:t>我要頌揚  頌揚那顯慈愛的主</a:t>
             </a:r>
             <a:endParaRPr lang="en-US" altLang="zh-TW" sz="6400" b="1" dirty="0">
               <a:solidFill>
@@ -3815,29 +3759,36 @@
                 <a:solidFill>
                   <a:srgbClr val="660033"/>
                 </a:solidFill>
+                <a:latin typeface="Microsoft JhengHei" panose="020B0604030504040204" pitchFamily="34" charset="-120"/>
+                <a:ea typeface="Microsoft JhengHei" panose="020B0604030504040204" pitchFamily="34" charset="-120"/>
               </a:rPr>
               <a:t>( </a:t>
             </a:r>
             <a:r>
+              <a:rPr lang="zh-CN" altLang="en-US" sz="4800" b="1" dirty="0">
+                <a:solidFill>
+                  <a:srgbClr val="660033"/>
+                </a:solidFill>
+                <a:latin typeface="Microsoft JhengHei" panose="020B0604030504040204" pitchFamily="34" charset="-120"/>
+                <a:ea typeface="Microsoft JhengHei" panose="020B0604030504040204" pitchFamily="34" charset="-120"/>
+              </a:rPr>
+              <a:t>正 </a:t>
+            </a:r>
+            <a:r>
               <a:rPr lang="en-US" sz="4800" b="1" dirty="0">
                 <a:solidFill>
                   <a:srgbClr val="660033"/>
                 </a:solidFill>
+                <a:latin typeface="Microsoft JhengHei" panose="020B0604030504040204" pitchFamily="34" charset="-120"/>
+                <a:ea typeface="Microsoft JhengHei" panose="020B0604030504040204" pitchFamily="34" charset="-120"/>
               </a:rPr>
-              <a:t>2 </a:t>
-            </a:r>
-            <a:r>
-              <a:rPr lang="en-US" sz="4800" b="1" dirty="0">
-                <a:solidFill>
-                  <a:srgbClr val="660033"/>
-                </a:solidFill>
-              </a:rPr>
-              <a:t>)</a:t>
+              <a:t>2 )</a:t>
             </a:r>
             <a:endParaRPr lang="vi-VN" sz="4800" b="1" dirty="0">
               <a:solidFill>
                 <a:srgbClr val="660033"/>
               </a:solidFill>
+              <a:ea typeface="Microsoft JhengHei" panose="020B0604030504040204" pitchFamily="34" charset="-120"/>
             </a:endParaRPr>
           </a:p>
         </p:txBody>
@@ -3905,27 +3856,7 @@
                 <a:latin typeface="微軟正黑體" pitchFamily="34" charset="-120"/>
                 <a:ea typeface="微軟正黑體" pitchFamily="34" charset="-120"/>
               </a:rPr>
-              <a:t>哈利路</a:t>
-            </a:r>
-            <a:r>
-              <a:rPr lang="zh-TW" altLang="en-US" sz="6400" b="1" dirty="0">
-                <a:solidFill>
-                  <a:srgbClr val="660033"/>
-                </a:solidFill>
-                <a:latin typeface="微軟正黑體" pitchFamily="34" charset="-120"/>
-                <a:ea typeface="微軟正黑體" pitchFamily="34" charset="-120"/>
-              </a:rPr>
-              <a:t>亞  哈</a:t>
-            </a:r>
-            <a:r>
-              <a:rPr lang="zh-TW" altLang="en-US" sz="6400" b="1" dirty="0">
-                <a:solidFill>
-                  <a:srgbClr val="660033"/>
-                </a:solidFill>
-                <a:latin typeface="微軟正黑體" pitchFamily="34" charset="-120"/>
-                <a:ea typeface="微軟正黑體" pitchFamily="34" charset="-120"/>
-              </a:rPr>
-              <a:t>利路亞</a:t>
+              <a:t>哈利路亞  哈利路亞</a:t>
             </a:r>
             <a:endParaRPr lang="en-US" altLang="zh-TW" sz="6400" b="1" dirty="0">
               <a:solidFill>
@@ -3947,27 +3878,7 @@
                 <a:latin typeface="微軟正黑體" pitchFamily="34" charset="-120"/>
                 <a:ea typeface="微軟正黑體" pitchFamily="34" charset="-120"/>
               </a:rPr>
-              <a:t>一切祂都知</a:t>
-            </a:r>
-            <a:r>
-              <a:rPr lang="zh-TW" altLang="en-US" sz="6400" b="1" dirty="0">
-                <a:solidFill>
-                  <a:srgbClr val="660033"/>
-                </a:solidFill>
-                <a:latin typeface="微軟正黑體" pitchFamily="34" charset="-120"/>
-                <a:ea typeface="微軟正黑體" pitchFamily="34" charset="-120"/>
-              </a:rPr>
-              <a:t>道  祂</a:t>
-            </a:r>
-            <a:r>
-              <a:rPr lang="zh-TW" altLang="en-US" sz="6400" b="1" dirty="0">
-                <a:solidFill>
-                  <a:srgbClr val="660033"/>
-                </a:solidFill>
-                <a:latin typeface="微軟正黑體" pitchFamily="34" charset="-120"/>
-                <a:ea typeface="微軟正黑體" pitchFamily="34" charset="-120"/>
-              </a:rPr>
-              <a:t>都明瞭</a:t>
+              <a:t>一切祂都知道  祂都明瞭</a:t>
             </a:r>
             <a:endParaRPr lang="en-US" altLang="zh-TW" sz="6400" b="1" dirty="0">
               <a:solidFill>
@@ -4008,23 +3919,7 @@
                   <a:srgbClr val="660033"/>
                 </a:solidFill>
               </a:rPr>
-              <a:t>( </a:t>
-            </a:r>
-            <a:r>
-              <a:rPr lang="en-US" sz="4800" b="1" dirty="0">
-                <a:solidFill>
-                  <a:srgbClr val="660033"/>
-                </a:solidFill>
-              </a:rPr>
-              <a:t>x2 </a:t>
-            </a:r>
-            <a:r>
-              <a:rPr lang="en-US" sz="4800" b="1" dirty="0">
-                <a:solidFill>
-                  <a:srgbClr val="660033"/>
-                </a:solidFill>
-              </a:rPr>
-              <a:t>)</a:t>
+              <a:t>( x2 )</a:t>
             </a:r>
             <a:endParaRPr lang="vi-VN" sz="4800" b="1" dirty="0">
               <a:solidFill>

--- a/我要頌揚_國語版.pptx
+++ b/我要頌揚_國語版.pptx
@@ -310,7 +310,7 @@
             <a:fld id="{A95F74E7-4BF7-4687-8727-E26A2E617AB2}" type="datetimeFigureOut">
               <a:rPr lang="zh-TW" altLang="en-US" smtClean="0"/>
               <a:pPr/>
-              <a:t>2022/7/8</a:t>
+              <a:t>2023/2/11</a:t>
             </a:fld>
             <a:endParaRPr lang="zh-TW" altLang="en-US"/>
           </a:p>
@@ -477,7 +477,7 @@
             <a:fld id="{A95F74E7-4BF7-4687-8727-E26A2E617AB2}" type="datetimeFigureOut">
               <a:rPr lang="zh-TW" altLang="en-US" smtClean="0"/>
               <a:pPr/>
-              <a:t>2022/7/8</a:t>
+              <a:t>2023/2/11</a:t>
             </a:fld>
             <a:endParaRPr lang="zh-TW" altLang="en-US"/>
           </a:p>
@@ -654,7 +654,7 @@
             <a:fld id="{A95F74E7-4BF7-4687-8727-E26A2E617AB2}" type="datetimeFigureOut">
               <a:rPr lang="zh-TW" altLang="en-US" smtClean="0"/>
               <a:pPr/>
-              <a:t>2022/7/8</a:t>
+              <a:t>2023/2/11</a:t>
             </a:fld>
             <a:endParaRPr lang="zh-TW" altLang="en-US"/>
           </a:p>
@@ -821,7 +821,7 @@
             <a:fld id="{A95F74E7-4BF7-4687-8727-E26A2E617AB2}" type="datetimeFigureOut">
               <a:rPr lang="zh-TW" altLang="en-US" smtClean="0"/>
               <a:pPr/>
-              <a:t>2022/7/8</a:t>
+              <a:t>2023/2/11</a:t>
             </a:fld>
             <a:endParaRPr lang="zh-TW" altLang="en-US"/>
           </a:p>
@@ -1064,7 +1064,7 @@
             <a:fld id="{A95F74E7-4BF7-4687-8727-E26A2E617AB2}" type="datetimeFigureOut">
               <a:rPr lang="zh-TW" altLang="en-US" smtClean="0"/>
               <a:pPr/>
-              <a:t>2022/7/8</a:t>
+              <a:t>2023/2/11</a:t>
             </a:fld>
             <a:endParaRPr lang="zh-TW" altLang="en-US"/>
           </a:p>
@@ -1349,7 +1349,7 @@
             <a:fld id="{A95F74E7-4BF7-4687-8727-E26A2E617AB2}" type="datetimeFigureOut">
               <a:rPr lang="zh-TW" altLang="en-US" smtClean="0"/>
               <a:pPr/>
-              <a:t>2022/7/8</a:t>
+              <a:t>2023/2/11</a:t>
             </a:fld>
             <a:endParaRPr lang="zh-TW" altLang="en-US"/>
           </a:p>
@@ -1768,7 +1768,7 @@
             <a:fld id="{A95F74E7-4BF7-4687-8727-E26A2E617AB2}" type="datetimeFigureOut">
               <a:rPr lang="zh-TW" altLang="en-US" smtClean="0"/>
               <a:pPr/>
-              <a:t>2022/7/8</a:t>
+              <a:t>2023/2/11</a:t>
             </a:fld>
             <a:endParaRPr lang="zh-TW" altLang="en-US"/>
           </a:p>
@@ -1883,7 +1883,7 @@
             <a:fld id="{A95F74E7-4BF7-4687-8727-E26A2E617AB2}" type="datetimeFigureOut">
               <a:rPr lang="zh-TW" altLang="en-US" smtClean="0"/>
               <a:pPr/>
-              <a:t>2022/7/8</a:t>
+              <a:t>2023/2/11</a:t>
             </a:fld>
             <a:endParaRPr lang="zh-TW" altLang="en-US"/>
           </a:p>
@@ -1975,7 +1975,7 @@
             <a:fld id="{A95F74E7-4BF7-4687-8727-E26A2E617AB2}" type="datetimeFigureOut">
               <a:rPr lang="zh-TW" altLang="en-US" smtClean="0"/>
               <a:pPr/>
-              <a:t>2022/7/8</a:t>
+              <a:t>2023/2/11</a:t>
             </a:fld>
             <a:endParaRPr lang="zh-TW" altLang="en-US"/>
           </a:p>
@@ -2249,7 +2249,7 @@
             <a:fld id="{A95F74E7-4BF7-4687-8727-E26A2E617AB2}" type="datetimeFigureOut">
               <a:rPr lang="zh-TW" altLang="en-US" smtClean="0"/>
               <a:pPr/>
-              <a:t>2022/7/8</a:t>
+              <a:t>2023/2/11</a:t>
             </a:fld>
             <a:endParaRPr lang="zh-TW" altLang="en-US"/>
           </a:p>
@@ -2503,7 +2503,7 @@
             <a:fld id="{A95F74E7-4BF7-4687-8727-E26A2E617AB2}" type="datetimeFigureOut">
               <a:rPr lang="zh-TW" altLang="en-US" smtClean="0"/>
               <a:pPr/>
-              <a:t>2022/7/8</a:t>
+              <a:t>2023/2/11</a:t>
             </a:fld>
             <a:endParaRPr lang="zh-TW" altLang="en-US"/>
           </a:p>
@@ -2718,7 +2718,7 @@
             <a:fld id="{A95F74E7-4BF7-4687-8727-E26A2E617AB2}" type="datetimeFigureOut">
               <a:rPr lang="zh-TW" altLang="en-US" smtClean="0"/>
               <a:pPr/>
-              <a:t>2022/7/8</a:t>
+              <a:t>2023/2/11</a:t>
             </a:fld>
             <a:endParaRPr lang="zh-TW" altLang="en-US"/>
           </a:p>
@@ -3237,7 +3237,7 @@
         <p:spPr>
           <a:xfrm>
             <a:off x="0" y="5253206"/>
-            <a:ext cx="12192000" cy="830997"/>
+            <a:ext cx="12192000" cy="707886"/>
           </a:xfrm>
           <a:prstGeom prst="rect">
             <a:avLst/>
@@ -3252,7 +3252,7 @@
           <a:p>
             <a:pPr algn="ctr"/>
             <a:r>
-              <a:rPr lang="en-US" sz="4800" b="1" dirty="0">
+              <a:rPr lang="en-US" sz="4000" b="1" dirty="0">
                 <a:solidFill>
                   <a:srgbClr val="660033"/>
                 </a:solidFill>
@@ -3262,17 +3262,17 @@
               <a:t>( </a:t>
             </a:r>
             <a:r>
-              <a:rPr lang="zh-CN" altLang="en-US" sz="4800" b="1" dirty="0" smtClean="0">
+              <a:rPr lang="zh-CN" altLang="en-US" sz="4000" b="1" dirty="0" smtClean="0">
                 <a:solidFill>
                   <a:srgbClr val="660033"/>
                 </a:solidFill>
                 <a:latin typeface="Microsoft JhengHei" panose="020B0604030504040204" pitchFamily="34" charset="-120"/>
                 <a:ea typeface="Microsoft JhengHei" panose="020B0604030504040204" pitchFamily="34" charset="-120"/>
               </a:rPr>
-              <a:t>正 </a:t>
-            </a:r>
-            <a:r>
-              <a:rPr lang="en-US" sz="4800" b="1" dirty="0" smtClean="0">
+              <a:t>正歌 </a:t>
+            </a:r>
+            <a:r>
+              <a:rPr lang="en-US" sz="4000" b="1" dirty="0" smtClean="0">
                 <a:solidFill>
                   <a:srgbClr val="660033"/>
                 </a:solidFill>
@@ -3282,7 +3282,7 @@
               <a:t>1 </a:t>
             </a:r>
             <a:r>
-              <a:rPr lang="en-US" sz="4800" b="1" dirty="0">
+              <a:rPr lang="en-US" sz="4000" b="1" dirty="0">
                 <a:solidFill>
                   <a:srgbClr val="660033"/>
                 </a:solidFill>
@@ -3291,7 +3291,7 @@
               </a:rPr>
               <a:t>)</a:t>
             </a:r>
-            <a:endParaRPr lang="vi-VN" sz="4800" b="1" dirty="0">
+            <a:endParaRPr lang="vi-VN" sz="4000" b="1" dirty="0">
               <a:solidFill>
                 <a:srgbClr val="660033"/>
               </a:solidFill>
@@ -3419,7 +3419,7 @@
         <p:spPr>
           <a:xfrm>
             <a:off x="0" y="5253206"/>
-            <a:ext cx="12192000" cy="830997"/>
+            <a:ext cx="12192000" cy="707886"/>
           </a:xfrm>
           <a:prstGeom prst="rect">
             <a:avLst/>
@@ -3434,7 +3434,7 @@
           <a:p>
             <a:pPr algn="ctr"/>
             <a:r>
-              <a:rPr lang="en-US" sz="4800" b="1" dirty="0">
+              <a:rPr lang="en-US" sz="4000" b="1" dirty="0">
                 <a:solidFill>
                   <a:srgbClr val="660033"/>
                 </a:solidFill>
@@ -3444,29 +3444,40 @@
               <a:t>( </a:t>
             </a:r>
             <a:r>
-              <a:rPr lang="zh-CN" altLang="en-US" sz="4800" b="1" dirty="0">
+              <a:rPr lang="zh-CN" altLang="en-US" sz="4000" b="1" dirty="0">
                 <a:solidFill>
                   <a:srgbClr val="660033"/>
                 </a:solidFill>
                 <a:latin typeface="Microsoft JhengHei" panose="020B0604030504040204" pitchFamily="34" charset="-120"/>
                 <a:ea typeface="Microsoft JhengHei" panose="020B0604030504040204" pitchFamily="34" charset="-120"/>
               </a:rPr>
-              <a:t>正 </a:t>
-            </a:r>
-            <a:r>
-              <a:rPr lang="en-US" sz="4800" b="1" dirty="0">
+              <a:t>正歌 </a:t>
+            </a:r>
+            <a:r>
+              <a:rPr lang="en-US" sz="4000" b="1" dirty="0">
                 <a:solidFill>
                   <a:srgbClr val="660033"/>
                 </a:solidFill>
                 <a:latin typeface="Microsoft JhengHei" panose="020B0604030504040204" pitchFamily="34" charset="-120"/>
                 <a:ea typeface="Microsoft JhengHei" panose="020B0604030504040204" pitchFamily="34" charset="-120"/>
               </a:rPr>
-              <a:t>1 )</a:t>
-            </a:r>
-            <a:endParaRPr lang="vi-VN" sz="4800" b="1" dirty="0">
+              <a:t>1 </a:t>
+            </a:r>
+            <a:r>
+              <a:rPr lang="en-US" sz="4000" b="1" dirty="0">
+                <a:solidFill>
+                  <a:srgbClr val="660033"/>
+                </a:solidFill>
+                <a:latin typeface="Microsoft JhengHei" panose="020B0604030504040204" pitchFamily="34" charset="-120"/>
+                <a:ea typeface="Microsoft JhengHei" panose="020B0604030504040204" pitchFamily="34" charset="-120"/>
+              </a:rPr>
+              <a:t>)</a:t>
+            </a:r>
+            <a:endParaRPr lang="vi-VN" sz="4000" b="1" dirty="0">
               <a:solidFill>
                 <a:srgbClr val="660033"/>
               </a:solidFill>
+              <a:latin typeface="Microsoft JhengHei" panose="020B0604030504040204" pitchFamily="34" charset="-120"/>
               <a:ea typeface="Microsoft JhengHei" panose="020B0604030504040204" pitchFamily="34" charset="-120"/>
             </a:endParaRPr>
           </a:p>
@@ -3578,7 +3589,7 @@
         <p:spPr>
           <a:xfrm>
             <a:off x="0" y="5253206"/>
-            <a:ext cx="12192000" cy="830997"/>
+            <a:ext cx="12192000" cy="707886"/>
           </a:xfrm>
           <a:prstGeom prst="rect">
             <a:avLst/>
@@ -3593,7 +3604,7 @@
           <a:p>
             <a:pPr algn="ctr"/>
             <a:r>
-              <a:rPr lang="en-US" sz="4800" b="1" dirty="0">
+              <a:rPr lang="en-US" sz="4000" b="1" dirty="0">
                 <a:solidFill>
                   <a:srgbClr val="660033"/>
                 </a:solidFill>
@@ -3603,17 +3614,17 @@
               <a:t>( </a:t>
             </a:r>
             <a:r>
-              <a:rPr lang="zh-CN" altLang="en-US" sz="4800" b="1" dirty="0">
+              <a:rPr lang="zh-CN" altLang="en-US" sz="4000" b="1" dirty="0">
                 <a:solidFill>
                   <a:srgbClr val="660033"/>
                 </a:solidFill>
                 <a:latin typeface="Microsoft JhengHei" panose="020B0604030504040204" pitchFamily="34" charset="-120"/>
                 <a:ea typeface="Microsoft JhengHei" panose="020B0604030504040204" pitchFamily="34" charset="-120"/>
               </a:rPr>
-              <a:t>正 </a:t>
-            </a:r>
-            <a:r>
-              <a:rPr lang="en-US" sz="4800" b="1" dirty="0" smtClean="0">
+              <a:t>正歌 </a:t>
+            </a:r>
+            <a:r>
+              <a:rPr lang="en-US" sz="4000" b="1" dirty="0">
                 <a:solidFill>
                   <a:srgbClr val="660033"/>
                 </a:solidFill>
@@ -3623,7 +3634,7 @@
               <a:t>2 </a:t>
             </a:r>
             <a:r>
-              <a:rPr lang="en-US" sz="4800" b="1" dirty="0">
+              <a:rPr lang="en-US" sz="4000" b="1" dirty="0">
                 <a:solidFill>
                   <a:srgbClr val="660033"/>
                 </a:solidFill>
@@ -3632,10 +3643,11 @@
               </a:rPr>
               <a:t>)</a:t>
             </a:r>
-            <a:endParaRPr lang="vi-VN" sz="4800" b="1" dirty="0">
+            <a:endParaRPr lang="vi-VN" sz="4000" b="1" dirty="0">
               <a:solidFill>
                 <a:srgbClr val="660033"/>
               </a:solidFill>
+              <a:latin typeface="Microsoft JhengHei" panose="020B0604030504040204" pitchFamily="34" charset="-120"/>
               <a:ea typeface="Microsoft JhengHei" panose="020B0604030504040204" pitchFamily="34" charset="-120"/>
             </a:endParaRPr>
           </a:p>
@@ -3740,7 +3752,7 @@
         <p:spPr>
           <a:xfrm>
             <a:off x="0" y="5253206"/>
-            <a:ext cx="12192000" cy="830997"/>
+            <a:ext cx="12192000" cy="707886"/>
           </a:xfrm>
           <a:prstGeom prst="rect">
             <a:avLst/>
@@ -3755,7 +3767,7 @@
           <a:p>
             <a:pPr algn="ctr"/>
             <a:r>
-              <a:rPr lang="en-US" sz="4800" b="1" dirty="0">
+              <a:rPr lang="en-US" sz="4000" b="1" dirty="0">
                 <a:solidFill>
                   <a:srgbClr val="660033"/>
                 </a:solidFill>
@@ -3765,29 +3777,40 @@
               <a:t>( </a:t>
             </a:r>
             <a:r>
-              <a:rPr lang="zh-CN" altLang="en-US" sz="4800" b="1" dirty="0">
+              <a:rPr lang="zh-CN" altLang="en-US" sz="4000" b="1" dirty="0">
                 <a:solidFill>
                   <a:srgbClr val="660033"/>
                 </a:solidFill>
                 <a:latin typeface="Microsoft JhengHei" panose="020B0604030504040204" pitchFamily="34" charset="-120"/>
                 <a:ea typeface="Microsoft JhengHei" panose="020B0604030504040204" pitchFamily="34" charset="-120"/>
               </a:rPr>
-              <a:t>正 </a:t>
-            </a:r>
-            <a:r>
-              <a:rPr lang="en-US" sz="4800" b="1" dirty="0">
+              <a:t>正歌 </a:t>
+            </a:r>
+            <a:r>
+              <a:rPr lang="en-US" sz="4000" b="1" dirty="0">
                 <a:solidFill>
                   <a:srgbClr val="660033"/>
                 </a:solidFill>
                 <a:latin typeface="Microsoft JhengHei" panose="020B0604030504040204" pitchFamily="34" charset="-120"/>
                 <a:ea typeface="Microsoft JhengHei" panose="020B0604030504040204" pitchFamily="34" charset="-120"/>
               </a:rPr>
-              <a:t>2 )</a:t>
-            </a:r>
-            <a:endParaRPr lang="vi-VN" sz="4800" b="1" dirty="0">
+              <a:t>2 </a:t>
+            </a:r>
+            <a:r>
+              <a:rPr lang="en-US" sz="4000" b="1" dirty="0">
+                <a:solidFill>
+                  <a:srgbClr val="660033"/>
+                </a:solidFill>
+                <a:latin typeface="Microsoft JhengHei" panose="020B0604030504040204" pitchFamily="34" charset="-120"/>
+                <a:ea typeface="Microsoft JhengHei" panose="020B0604030504040204" pitchFamily="34" charset="-120"/>
+              </a:rPr>
+              <a:t>)</a:t>
+            </a:r>
+            <a:endParaRPr lang="vi-VN" sz="4000" b="1" dirty="0">
               <a:solidFill>
                 <a:srgbClr val="660033"/>
               </a:solidFill>
+              <a:latin typeface="Microsoft JhengHei" panose="020B0604030504040204" pitchFamily="34" charset="-120"/>
               <a:ea typeface="Microsoft JhengHei" panose="020B0604030504040204" pitchFamily="34" charset="-120"/>
             </a:endParaRPr>
           </a:p>
@@ -3899,7 +3922,7 @@
         <p:spPr>
           <a:xfrm>
             <a:off x="0" y="5253206"/>
-            <a:ext cx="12192000" cy="830997"/>
+            <a:ext cx="12192000" cy="707886"/>
           </a:xfrm>
           <a:prstGeom prst="rect">
             <a:avLst/>
@@ -3914,17 +3937,78 @@
           <a:p>
             <a:pPr algn="ctr"/>
             <a:r>
-              <a:rPr lang="en-US" sz="4800" b="1" dirty="0">
+              <a:rPr lang="en-US" sz="4000" b="1" dirty="0">
                 <a:solidFill>
                   <a:srgbClr val="660033"/>
                 </a:solidFill>
+                <a:latin typeface="Microsoft JhengHei" panose="020B0604030504040204" pitchFamily="34" charset="-120"/>
+                <a:ea typeface="Microsoft JhengHei" panose="020B0604030504040204" pitchFamily="34" charset="-120"/>
               </a:rPr>
-              <a:t>( x2 )</a:t>
-            </a:r>
-            <a:endParaRPr lang="vi-VN" sz="4800" b="1" dirty="0">
+              <a:t>( </a:t>
+            </a:r>
+            <a:r>
+              <a:rPr lang="zh-CN" altLang="en-US" sz="4000" b="1">
+                <a:solidFill>
+                  <a:srgbClr val="660033"/>
+                </a:solidFill>
+                <a:latin typeface="Microsoft JhengHei" panose="020B0604030504040204" pitchFamily="34" charset="-120"/>
+                <a:ea typeface="Microsoft JhengHei" panose="020B0604030504040204" pitchFamily="34" charset="-120"/>
+              </a:rPr>
+              <a:t>副</a:t>
+            </a:r>
+            <a:r>
+              <a:rPr lang="zh-CN" altLang="en-US" sz="4000" b="1" smtClean="0">
+                <a:solidFill>
+                  <a:srgbClr val="660033"/>
+                </a:solidFill>
+                <a:latin typeface="Microsoft JhengHei" panose="020B0604030504040204" pitchFamily="34" charset="-120"/>
+                <a:ea typeface="Microsoft JhengHei" panose="020B0604030504040204" pitchFamily="34" charset="-120"/>
+              </a:rPr>
+              <a:t>歌</a:t>
+            </a:r>
+            <a:r>
+              <a:rPr lang="en-US" sz="4000" b="1" smtClean="0">
+                <a:solidFill>
+                  <a:srgbClr val="660033"/>
+                </a:solidFill>
+                <a:latin typeface="Microsoft JhengHei" panose="020B0604030504040204" pitchFamily="34" charset="-120"/>
+                <a:ea typeface="Microsoft JhengHei" panose="020B0604030504040204" pitchFamily="34" charset="-120"/>
+              </a:rPr>
+              <a:t> </a:t>
+            </a:r>
+            <a:r>
+              <a:rPr lang="en-US" sz="4000" b="1" dirty="0" smtClean="0">
+                <a:solidFill>
+                  <a:srgbClr val="660033"/>
+                </a:solidFill>
+                <a:latin typeface="Microsoft JhengHei" panose="020B0604030504040204" pitchFamily="34" charset="-120"/>
+                <a:ea typeface="Microsoft JhengHei" panose="020B0604030504040204" pitchFamily="34" charset="-120"/>
+              </a:rPr>
+              <a:t>) </a:t>
+            </a:r>
+            <a:r>
+              <a:rPr lang="en-US" sz="4000" b="1" dirty="0" smtClean="0">
+                <a:solidFill>
+                  <a:srgbClr val="660033"/>
+                </a:solidFill>
+                <a:ea typeface="Microsoft JhengHei" panose="020B0604030504040204" pitchFamily="34" charset="-120"/>
+              </a:rPr>
+              <a:t>( </a:t>
+            </a:r>
+            <a:r>
+              <a:rPr lang="en-US" sz="4000" b="1" dirty="0">
+                <a:solidFill>
+                  <a:srgbClr val="660033"/>
+                </a:solidFill>
+                <a:ea typeface="Microsoft JhengHei" panose="020B0604030504040204" pitchFamily="34" charset="-120"/>
+              </a:rPr>
+              <a:t>x2 )</a:t>
+            </a:r>
+            <a:endParaRPr lang="vi-VN" sz="4000" b="1" dirty="0">
               <a:solidFill>
                 <a:srgbClr val="660033"/>
               </a:solidFill>
+              <a:ea typeface="Microsoft JhengHei" panose="020B0604030504040204" pitchFamily="34" charset="-120"/>
             </a:endParaRPr>
           </a:p>
         </p:txBody>

--- a/我要頌揚_國語版.pptx
+++ b/我要頌揚_國語版.pptx
@@ -8,9 +8,18 @@
     <p:sldId id="260" r:id="rId2"/>
     <p:sldId id="261" r:id="rId3"/>
     <p:sldId id="262" r:id="rId4"/>
-    <p:sldId id="263" r:id="rId5"/>
-    <p:sldId id="264" r:id="rId6"/>
-    <p:sldId id="265" r:id="rId7"/>
+    <p:sldId id="266" r:id="rId5"/>
+    <p:sldId id="263" r:id="rId6"/>
+    <p:sldId id="264" r:id="rId7"/>
+    <p:sldId id="267" r:id="rId8"/>
+    <p:sldId id="268" r:id="rId9"/>
+    <p:sldId id="269" r:id="rId10"/>
+    <p:sldId id="270" r:id="rId11"/>
+    <p:sldId id="271" r:id="rId12"/>
+    <p:sldId id="272" r:id="rId13"/>
+    <p:sldId id="273" r:id="rId14"/>
+    <p:sldId id="265" r:id="rId15"/>
+    <p:sldId id="274" r:id="rId16"/>
   </p:sldIdLst>
   <p:sldSz cx="12192000" cy="6858000"/>
   <p:notesSz cx="6858000" cy="9144000"/>
@@ -111,7 +120,7 @@
   </p:defaultTextStyle>
   <p:extLst>
     <p:ext uri="{EFAFB233-063F-42B5-8137-9DF3F51BA10A}">
-      <p15:sldGuideLst xmlns:p15="http://schemas.microsoft.com/office/powerpoint/2012/main">
+      <p15:sldGuideLst xmlns:p15="http://schemas.microsoft.com/office/powerpoint/2012/main" xmlns="">
         <p15:guide id="1" orient="horz" pos="2160" userDrawn="1">
           <p15:clr>
             <a:srgbClr val="A4A3A4"/>
@@ -310,7 +319,7 @@
             <a:fld id="{A95F74E7-4BF7-4687-8727-E26A2E617AB2}" type="datetimeFigureOut">
               <a:rPr lang="zh-TW" altLang="en-US" smtClean="0"/>
               <a:pPr/>
-              <a:t>2023/2/11</a:t>
+              <a:t>2023/8/8</a:t>
             </a:fld>
             <a:endParaRPr lang="zh-TW" altLang="en-US"/>
           </a:p>
@@ -477,7 +486,7 @@
             <a:fld id="{A95F74E7-4BF7-4687-8727-E26A2E617AB2}" type="datetimeFigureOut">
               <a:rPr lang="zh-TW" altLang="en-US" smtClean="0"/>
               <a:pPr/>
-              <a:t>2023/2/11</a:t>
+              <a:t>2023/8/8</a:t>
             </a:fld>
             <a:endParaRPr lang="zh-TW" altLang="en-US"/>
           </a:p>
@@ -654,7 +663,7 @@
             <a:fld id="{A95F74E7-4BF7-4687-8727-E26A2E617AB2}" type="datetimeFigureOut">
               <a:rPr lang="zh-TW" altLang="en-US" smtClean="0"/>
               <a:pPr/>
-              <a:t>2023/2/11</a:t>
+              <a:t>2023/8/8</a:t>
             </a:fld>
             <a:endParaRPr lang="zh-TW" altLang="en-US"/>
           </a:p>
@@ -821,7 +830,7 @@
             <a:fld id="{A95F74E7-4BF7-4687-8727-E26A2E617AB2}" type="datetimeFigureOut">
               <a:rPr lang="zh-TW" altLang="en-US" smtClean="0"/>
               <a:pPr/>
-              <a:t>2023/2/11</a:t>
+              <a:t>2023/8/8</a:t>
             </a:fld>
             <a:endParaRPr lang="zh-TW" altLang="en-US"/>
           </a:p>
@@ -1064,7 +1073,7 @@
             <a:fld id="{A95F74E7-4BF7-4687-8727-E26A2E617AB2}" type="datetimeFigureOut">
               <a:rPr lang="zh-TW" altLang="en-US" smtClean="0"/>
               <a:pPr/>
-              <a:t>2023/2/11</a:t>
+              <a:t>2023/8/8</a:t>
             </a:fld>
             <a:endParaRPr lang="zh-TW" altLang="en-US"/>
           </a:p>
@@ -1349,7 +1358,7 @@
             <a:fld id="{A95F74E7-4BF7-4687-8727-E26A2E617AB2}" type="datetimeFigureOut">
               <a:rPr lang="zh-TW" altLang="en-US" smtClean="0"/>
               <a:pPr/>
-              <a:t>2023/2/11</a:t>
+              <a:t>2023/8/8</a:t>
             </a:fld>
             <a:endParaRPr lang="zh-TW" altLang="en-US"/>
           </a:p>
@@ -1768,7 +1777,7 @@
             <a:fld id="{A95F74E7-4BF7-4687-8727-E26A2E617AB2}" type="datetimeFigureOut">
               <a:rPr lang="zh-TW" altLang="en-US" smtClean="0"/>
               <a:pPr/>
-              <a:t>2023/2/11</a:t>
+              <a:t>2023/8/8</a:t>
             </a:fld>
             <a:endParaRPr lang="zh-TW" altLang="en-US"/>
           </a:p>
@@ -1883,7 +1892,7 @@
             <a:fld id="{A95F74E7-4BF7-4687-8727-E26A2E617AB2}" type="datetimeFigureOut">
               <a:rPr lang="zh-TW" altLang="en-US" smtClean="0"/>
               <a:pPr/>
-              <a:t>2023/2/11</a:t>
+              <a:t>2023/8/8</a:t>
             </a:fld>
             <a:endParaRPr lang="zh-TW" altLang="en-US"/>
           </a:p>
@@ -1975,7 +1984,7 @@
             <a:fld id="{A95F74E7-4BF7-4687-8727-E26A2E617AB2}" type="datetimeFigureOut">
               <a:rPr lang="zh-TW" altLang="en-US" smtClean="0"/>
               <a:pPr/>
-              <a:t>2023/2/11</a:t>
+              <a:t>2023/8/8</a:t>
             </a:fld>
             <a:endParaRPr lang="zh-TW" altLang="en-US"/>
           </a:p>
@@ -2249,7 +2258,7 @@
             <a:fld id="{A95F74E7-4BF7-4687-8727-E26A2E617AB2}" type="datetimeFigureOut">
               <a:rPr lang="zh-TW" altLang="en-US" smtClean="0"/>
               <a:pPr/>
-              <a:t>2023/2/11</a:t>
+              <a:t>2023/8/8</a:t>
             </a:fld>
             <a:endParaRPr lang="zh-TW" altLang="en-US"/>
           </a:p>
@@ -2503,7 +2512,7 @@
             <a:fld id="{A95F74E7-4BF7-4687-8727-E26A2E617AB2}" type="datetimeFigureOut">
               <a:rPr lang="zh-TW" altLang="en-US" smtClean="0"/>
               <a:pPr/>
-              <a:t>2023/2/11</a:t>
+              <a:t>2023/8/8</a:t>
             </a:fld>
             <a:endParaRPr lang="zh-TW" altLang="en-US"/>
           </a:p>
@@ -2718,7 +2727,7 @@
             <a:fld id="{A95F74E7-4BF7-4687-8727-E26A2E617AB2}" type="datetimeFigureOut">
               <a:rPr lang="zh-TW" altLang="en-US" smtClean="0"/>
               <a:pPr/>
-              <a:t>2023/2/11</a:t>
+              <a:t>2023/8/8</a:t>
             </a:fld>
             <a:endParaRPr lang="zh-TW" altLang="en-US"/>
           </a:p>
@@ -3134,7 +3143,1150 @@
     </p:spTree>
     <p:extLst>
       <p:ext uri="{BB962C8B-B14F-4D97-AF65-F5344CB8AC3E}">
-        <p14:creationId xmlns:p14="http://schemas.microsoft.com/office/powerpoint/2010/main" val="3944239152"/>
+        <p14:creationId xmlns:p14="http://schemas.microsoft.com/office/powerpoint/2010/main" xmlns="" val="3944239152"/>
+      </p:ext>
+    </p:extLst>
+  </p:cSld>
+  <p:clrMapOvr>
+    <a:masterClrMapping/>
+  </p:clrMapOvr>
+  <p:timing>
+    <p:tnLst>
+      <p:par>
+        <p:cTn id="1" dur="indefinite" restart="never" nodeType="tmRoot"/>
+      </p:par>
+    </p:tnLst>
+  </p:timing>
+</p:sld>
+</file>
+
+<file path=ppt/slides/slide10.xml><?xml version="1.0" encoding="utf-8"?>
+<p:sld xmlns:a="http://schemas.openxmlformats.org/drawingml/2006/main" xmlns:r="http://schemas.openxmlformats.org/officeDocument/2006/relationships" xmlns:p="http://schemas.openxmlformats.org/presentationml/2006/main">
+  <p:cSld>
+    <p:spTree>
+      <p:nvGrpSpPr>
+        <p:cNvPr id="1" name=""/>
+        <p:cNvGrpSpPr/>
+        <p:nvPr/>
+      </p:nvGrpSpPr>
+      <p:grpSpPr>
+        <a:xfrm>
+          <a:off x="0" y="0"/>
+          <a:ext cx="0" cy="0"/>
+          <a:chOff x="0" y="0"/>
+          <a:chExt cx="0" cy="0"/>
+        </a:xfrm>
+      </p:grpSpPr>
+      <p:sp>
+        <p:nvSpPr>
+          <p:cNvPr id="5" name="內容版面配置區 4"/>
+          <p:cNvSpPr>
+            <a:spLocks noGrp="1"/>
+          </p:cNvSpPr>
+          <p:nvPr>
+            <p:ph idx="1"/>
+          </p:nvPr>
+        </p:nvSpPr>
+        <p:spPr>
+          <a:xfrm>
+            <a:off x="0" y="2084851"/>
+            <a:ext cx="12192000" cy="2404863"/>
+          </a:xfrm>
+        </p:spPr>
+        <p:txBody>
+          <a:bodyPr anchor="ctr">
+            <a:normAutofit/>
+          </a:bodyPr>
+          <a:lstStyle/>
+          <a:p>
+            <a:pPr algn="ctr">
+              <a:buNone/>
+            </a:pPr>
+            <a:r>
+              <a:rPr lang="zh-TW" altLang="en-US" sz="6400" b="1" dirty="0">
+                <a:solidFill>
+                  <a:srgbClr val="660033"/>
+                </a:solidFill>
+                <a:latin typeface="微軟正黑體" pitchFamily="34" charset="-120"/>
+                <a:ea typeface="微軟正黑體" pitchFamily="34" charset="-120"/>
+              </a:rPr>
+              <a:t>哈利路亞  哈利路亞</a:t>
+            </a:r>
+            <a:endParaRPr lang="en-US" altLang="zh-TW" sz="6400" b="1" dirty="0">
+              <a:solidFill>
+                <a:srgbClr val="660033"/>
+              </a:solidFill>
+              <a:latin typeface="微軟正黑體" pitchFamily="34" charset="-120"/>
+              <a:ea typeface="微軟正黑體" pitchFamily="34" charset="-120"/>
+            </a:endParaRPr>
+          </a:p>
+          <a:p>
+            <a:pPr algn="ctr">
+              <a:buNone/>
+            </a:pPr>
+            <a:r>
+              <a:rPr lang="zh-TW" altLang="en-US" sz="6400" b="1" dirty="0">
+                <a:solidFill>
+                  <a:srgbClr val="660033"/>
+                </a:solidFill>
+                <a:latin typeface="微軟正黑體" pitchFamily="34" charset="-120"/>
+                <a:ea typeface="微軟正黑體" pitchFamily="34" charset="-120"/>
+              </a:rPr>
+              <a:t>一切祂都知道  祂都明瞭</a:t>
+            </a:r>
+            <a:endParaRPr lang="en-US" altLang="zh-TW" sz="6400" b="1" dirty="0">
+              <a:solidFill>
+                <a:srgbClr val="660033"/>
+              </a:solidFill>
+              <a:latin typeface="微軟正黑體" pitchFamily="34" charset="-120"/>
+              <a:ea typeface="微軟正黑體" pitchFamily="34" charset="-120"/>
+            </a:endParaRPr>
+          </a:p>
+        </p:txBody>
+      </p:sp>
+      <p:sp>
+        <p:nvSpPr>
+          <p:cNvPr id="4" name="TextBox 3"/>
+          <p:cNvSpPr txBox="1"/>
+          <p:nvPr/>
+        </p:nvSpPr>
+        <p:spPr>
+          <a:xfrm>
+            <a:off x="0" y="5253206"/>
+            <a:ext cx="12192000" cy="707886"/>
+          </a:xfrm>
+          <a:prstGeom prst="rect">
+            <a:avLst/>
+          </a:prstGeom>
+          <a:noFill/>
+        </p:spPr>
+        <p:txBody>
+          <a:bodyPr wrap="square" rtlCol="0">
+            <a:spAutoFit/>
+          </a:bodyPr>
+          <a:lstStyle/>
+          <a:p>
+            <a:pPr algn="ctr"/>
+            <a:r>
+              <a:rPr lang="en-US" sz="4000" b="1" dirty="0">
+                <a:solidFill>
+                  <a:srgbClr val="660033"/>
+                </a:solidFill>
+                <a:latin typeface="Microsoft JhengHei" panose="020B0604030504040204" pitchFamily="34" charset="-120"/>
+                <a:ea typeface="Microsoft JhengHei" panose="020B0604030504040204" pitchFamily="34" charset="-120"/>
+              </a:rPr>
+              <a:t>( </a:t>
+            </a:r>
+            <a:r>
+              <a:rPr lang="zh-CN" altLang="en-US" sz="4000" b="1">
+                <a:solidFill>
+                  <a:srgbClr val="660033"/>
+                </a:solidFill>
+                <a:latin typeface="Microsoft JhengHei" panose="020B0604030504040204" pitchFamily="34" charset="-120"/>
+                <a:ea typeface="Microsoft JhengHei" panose="020B0604030504040204" pitchFamily="34" charset="-120"/>
+              </a:rPr>
+              <a:t>副</a:t>
+            </a:r>
+            <a:r>
+              <a:rPr lang="zh-CN" altLang="en-US" sz="4000" b="1" smtClean="0">
+                <a:solidFill>
+                  <a:srgbClr val="660033"/>
+                </a:solidFill>
+                <a:latin typeface="Microsoft JhengHei" panose="020B0604030504040204" pitchFamily="34" charset="-120"/>
+                <a:ea typeface="Microsoft JhengHei" panose="020B0604030504040204" pitchFamily="34" charset="-120"/>
+              </a:rPr>
+              <a:t>歌</a:t>
+            </a:r>
+            <a:r>
+              <a:rPr lang="en-US" sz="4000" b="1" smtClean="0">
+                <a:solidFill>
+                  <a:srgbClr val="660033"/>
+                </a:solidFill>
+                <a:latin typeface="Microsoft JhengHei" panose="020B0604030504040204" pitchFamily="34" charset="-120"/>
+                <a:ea typeface="Microsoft JhengHei" panose="020B0604030504040204" pitchFamily="34" charset="-120"/>
+              </a:rPr>
+              <a:t> </a:t>
+            </a:r>
+            <a:r>
+              <a:rPr lang="en-US" sz="4000" b="1" dirty="0" smtClean="0">
+                <a:solidFill>
+                  <a:srgbClr val="660033"/>
+                </a:solidFill>
+                <a:latin typeface="Microsoft JhengHei" panose="020B0604030504040204" pitchFamily="34" charset="-120"/>
+                <a:ea typeface="Microsoft JhengHei" panose="020B0604030504040204" pitchFamily="34" charset="-120"/>
+              </a:rPr>
+              <a:t>) </a:t>
+            </a:r>
+            <a:r>
+              <a:rPr lang="en-US" sz="4000" b="1" dirty="0" smtClean="0">
+                <a:solidFill>
+                  <a:srgbClr val="660033"/>
+                </a:solidFill>
+                <a:ea typeface="Microsoft JhengHei" panose="020B0604030504040204" pitchFamily="34" charset="-120"/>
+              </a:rPr>
+              <a:t>( </a:t>
+            </a:r>
+            <a:r>
+              <a:rPr lang="en-US" sz="4000" b="1" dirty="0">
+                <a:solidFill>
+                  <a:srgbClr val="660033"/>
+                </a:solidFill>
+                <a:ea typeface="Microsoft JhengHei" panose="020B0604030504040204" pitchFamily="34" charset="-120"/>
+              </a:rPr>
+              <a:t>x2 )</a:t>
+            </a:r>
+            <a:endParaRPr lang="vi-VN" sz="4000" b="1" dirty="0">
+              <a:solidFill>
+                <a:srgbClr val="660033"/>
+              </a:solidFill>
+              <a:ea typeface="Microsoft JhengHei" panose="020B0604030504040204" pitchFamily="34" charset="-120"/>
+            </a:endParaRPr>
+          </a:p>
+        </p:txBody>
+      </p:sp>
+    </p:spTree>
+    <p:extLst>
+      <p:ext uri="{BB962C8B-B14F-4D97-AF65-F5344CB8AC3E}">
+        <p14:creationId xmlns:p14="http://schemas.microsoft.com/office/powerpoint/2010/main" xmlns="" val="8165214"/>
+      </p:ext>
+    </p:extLst>
+  </p:cSld>
+  <p:clrMapOvr>
+    <a:masterClrMapping/>
+  </p:clrMapOvr>
+  <p:timing>
+    <p:tnLst>
+      <p:par>
+        <p:cTn id="1" dur="indefinite" restart="never" nodeType="tmRoot"/>
+      </p:par>
+    </p:tnLst>
+  </p:timing>
+</p:sld>
+</file>
+
+<file path=ppt/slides/slide11.xml><?xml version="1.0" encoding="utf-8"?>
+<p:sld xmlns:a="http://schemas.openxmlformats.org/drawingml/2006/main" xmlns:r="http://schemas.openxmlformats.org/officeDocument/2006/relationships" xmlns:p="http://schemas.openxmlformats.org/presentationml/2006/main">
+  <p:cSld>
+    <p:spTree>
+      <p:nvGrpSpPr>
+        <p:cNvPr id="1" name=""/>
+        <p:cNvGrpSpPr/>
+        <p:nvPr/>
+      </p:nvGrpSpPr>
+      <p:grpSpPr>
+        <a:xfrm>
+          <a:off x="0" y="0"/>
+          <a:ext cx="0" cy="0"/>
+          <a:chOff x="0" y="0"/>
+          <a:chExt cx="0" cy="0"/>
+        </a:xfrm>
+      </p:grpSpPr>
+      <p:sp>
+        <p:nvSpPr>
+          <p:cNvPr id="5" name="內容版面配置區 4"/>
+          <p:cNvSpPr>
+            <a:spLocks noGrp="1"/>
+          </p:cNvSpPr>
+          <p:nvPr>
+            <p:ph idx="1"/>
+          </p:nvPr>
+        </p:nvSpPr>
+        <p:spPr>
+          <a:xfrm>
+            <a:off x="0" y="2084851"/>
+            <a:ext cx="12192000" cy="2404863"/>
+          </a:xfrm>
+        </p:spPr>
+        <p:txBody>
+          <a:bodyPr anchor="ctr">
+            <a:normAutofit/>
+          </a:bodyPr>
+          <a:lstStyle/>
+          <a:p>
+            <a:pPr algn="ctr">
+              <a:buNone/>
+            </a:pPr>
+            <a:r>
+              <a:rPr lang="zh-TW" altLang="en-US" sz="6400" b="1" dirty="0">
+                <a:solidFill>
+                  <a:srgbClr val="660033"/>
+                </a:solidFill>
+                <a:latin typeface="微軟正黑體" pitchFamily="34" charset="-120"/>
+                <a:ea typeface="微軟正黑體" pitchFamily="34" charset="-120"/>
+              </a:rPr>
+              <a:t>我要頌揚  頌揚那顯公義的主</a:t>
+            </a:r>
+            <a:endParaRPr lang="en-US" altLang="zh-TW" sz="6400" b="1" dirty="0">
+              <a:solidFill>
+                <a:srgbClr val="660033"/>
+              </a:solidFill>
+              <a:latin typeface="微軟正黑體" pitchFamily="34" charset="-120"/>
+              <a:ea typeface="微軟正黑體" pitchFamily="34" charset="-120"/>
+            </a:endParaRPr>
+          </a:p>
+          <a:p>
+            <a:pPr algn="ctr">
+              <a:buNone/>
+            </a:pPr>
+            <a:r>
+              <a:rPr lang="zh-TW" altLang="en-US" sz="6400" b="1" dirty="0">
+                <a:solidFill>
+                  <a:srgbClr val="660033"/>
+                </a:solidFill>
+                <a:latin typeface="微軟正黑體" pitchFamily="34" charset="-120"/>
+                <a:ea typeface="微軟正黑體" pitchFamily="34" charset="-120"/>
+              </a:rPr>
+              <a:t>祂的國度是權柄榮耀</a:t>
+            </a:r>
+            <a:endParaRPr lang="en-US" altLang="zh-TW" sz="6400" b="1" dirty="0">
+              <a:solidFill>
+                <a:srgbClr val="660033"/>
+              </a:solidFill>
+              <a:latin typeface="微軟正黑體" pitchFamily="34" charset="-120"/>
+              <a:ea typeface="微軟正黑體" pitchFamily="34" charset="-120"/>
+            </a:endParaRPr>
+          </a:p>
+        </p:txBody>
+      </p:sp>
+      <p:sp>
+        <p:nvSpPr>
+          <p:cNvPr id="3" name="TextBox 2"/>
+          <p:cNvSpPr txBox="1"/>
+          <p:nvPr/>
+        </p:nvSpPr>
+        <p:spPr>
+          <a:xfrm>
+            <a:off x="0" y="5253206"/>
+            <a:ext cx="12192000" cy="707886"/>
+          </a:xfrm>
+          <a:prstGeom prst="rect">
+            <a:avLst/>
+          </a:prstGeom>
+          <a:noFill/>
+        </p:spPr>
+        <p:txBody>
+          <a:bodyPr wrap="square" rtlCol="0">
+            <a:spAutoFit/>
+          </a:bodyPr>
+          <a:lstStyle/>
+          <a:p>
+            <a:pPr algn="ctr"/>
+            <a:r>
+              <a:rPr lang="en-US" sz="4000" b="1" dirty="0">
+                <a:solidFill>
+                  <a:srgbClr val="660033"/>
+                </a:solidFill>
+                <a:latin typeface="Microsoft JhengHei" panose="020B0604030504040204" pitchFamily="34" charset="-120"/>
+                <a:ea typeface="Microsoft JhengHei" panose="020B0604030504040204" pitchFamily="34" charset="-120"/>
+              </a:rPr>
+              <a:t>( </a:t>
+            </a:r>
+            <a:r>
+              <a:rPr lang="zh-CN" altLang="en-US" sz="4000" b="1" dirty="0">
+                <a:solidFill>
+                  <a:srgbClr val="660033"/>
+                </a:solidFill>
+                <a:latin typeface="Microsoft JhengHei" panose="020B0604030504040204" pitchFamily="34" charset="-120"/>
+                <a:ea typeface="Microsoft JhengHei" panose="020B0604030504040204" pitchFamily="34" charset="-120"/>
+              </a:rPr>
+              <a:t>正歌 </a:t>
+            </a:r>
+            <a:r>
+              <a:rPr lang="en-US" sz="4000" b="1" dirty="0">
+                <a:solidFill>
+                  <a:srgbClr val="660033"/>
+                </a:solidFill>
+                <a:latin typeface="Microsoft JhengHei" panose="020B0604030504040204" pitchFamily="34" charset="-120"/>
+                <a:ea typeface="Microsoft JhengHei" panose="020B0604030504040204" pitchFamily="34" charset="-120"/>
+              </a:rPr>
+              <a:t>2 )</a:t>
+            </a:r>
+            <a:endParaRPr lang="vi-VN" sz="4000" b="1" dirty="0">
+              <a:solidFill>
+                <a:srgbClr val="660033"/>
+              </a:solidFill>
+              <a:latin typeface="Microsoft JhengHei" panose="020B0604030504040204" pitchFamily="34" charset="-120"/>
+              <a:ea typeface="Microsoft JhengHei" panose="020B0604030504040204" pitchFamily="34" charset="-120"/>
+            </a:endParaRPr>
+          </a:p>
+        </p:txBody>
+      </p:sp>
+    </p:spTree>
+    <p:extLst>
+      <p:ext uri="{BB962C8B-B14F-4D97-AF65-F5344CB8AC3E}">
+        <p14:creationId xmlns:p14="http://schemas.microsoft.com/office/powerpoint/2010/main" xmlns="" val="2830903362"/>
+      </p:ext>
+    </p:extLst>
+  </p:cSld>
+  <p:clrMapOvr>
+    <a:masterClrMapping/>
+  </p:clrMapOvr>
+  <p:timing>
+    <p:tnLst>
+      <p:par>
+        <p:cTn id="1" dur="indefinite" restart="never" nodeType="tmRoot"/>
+      </p:par>
+    </p:tnLst>
+  </p:timing>
+</p:sld>
+</file>
+
+<file path=ppt/slides/slide12.xml><?xml version="1.0" encoding="utf-8"?>
+<p:sld xmlns:a="http://schemas.openxmlformats.org/drawingml/2006/main" xmlns:r="http://schemas.openxmlformats.org/officeDocument/2006/relationships" xmlns:p="http://schemas.openxmlformats.org/presentationml/2006/main">
+  <p:cSld>
+    <p:spTree>
+      <p:nvGrpSpPr>
+        <p:cNvPr id="1" name=""/>
+        <p:cNvGrpSpPr/>
+        <p:nvPr/>
+      </p:nvGrpSpPr>
+      <p:grpSpPr>
+        <a:xfrm>
+          <a:off x="0" y="0"/>
+          <a:ext cx="0" cy="0"/>
+          <a:chOff x="0" y="0"/>
+          <a:chExt cx="0" cy="0"/>
+        </a:xfrm>
+      </p:grpSpPr>
+      <p:sp>
+        <p:nvSpPr>
+          <p:cNvPr id="5" name="內容版面配置區 4"/>
+          <p:cNvSpPr>
+            <a:spLocks noGrp="1"/>
+          </p:cNvSpPr>
+          <p:nvPr>
+            <p:ph idx="1"/>
+          </p:nvPr>
+        </p:nvSpPr>
+        <p:spPr>
+          <a:xfrm>
+            <a:off x="0" y="2084851"/>
+            <a:ext cx="12192000" cy="2404863"/>
+          </a:xfrm>
+        </p:spPr>
+        <p:txBody>
+          <a:bodyPr anchor="ctr">
+            <a:normAutofit/>
+          </a:bodyPr>
+          <a:lstStyle/>
+          <a:p>
+            <a:pPr algn="ctr">
+              <a:buNone/>
+            </a:pPr>
+            <a:r>
+              <a:rPr lang="zh-TW" altLang="en-US" sz="6400" b="1" dirty="0">
+                <a:solidFill>
+                  <a:srgbClr val="660033"/>
+                </a:solidFill>
+                <a:latin typeface="微軟正黑體" pitchFamily="34" charset="-120"/>
+                <a:ea typeface="微軟正黑體" pitchFamily="34" charset="-120"/>
+              </a:rPr>
+              <a:t>我要頌揚  頌揚那顯慈愛的主</a:t>
+            </a:r>
+            <a:endParaRPr lang="en-US" altLang="zh-TW" sz="6400" b="1" dirty="0">
+              <a:solidFill>
+                <a:srgbClr val="660033"/>
+              </a:solidFill>
+              <a:latin typeface="微軟正黑體" pitchFamily="34" charset="-120"/>
+              <a:ea typeface="微軟正黑體" pitchFamily="34" charset="-120"/>
+            </a:endParaRPr>
+          </a:p>
+          <a:p>
+            <a:pPr algn="ctr">
+              <a:buNone/>
+            </a:pPr>
+            <a:r>
+              <a:rPr lang="zh-TW" altLang="en-US" sz="6400" b="1" dirty="0">
+                <a:solidFill>
+                  <a:srgbClr val="660033"/>
+                </a:solidFill>
+                <a:latin typeface="微軟正黑體" pitchFamily="34" charset="-120"/>
+                <a:ea typeface="微軟正黑體" pitchFamily="34" charset="-120"/>
+              </a:rPr>
+              <a:t>祂的信實永不動搖</a:t>
+            </a:r>
+          </a:p>
+        </p:txBody>
+      </p:sp>
+      <p:sp>
+        <p:nvSpPr>
+          <p:cNvPr id="3" name="TextBox 2"/>
+          <p:cNvSpPr txBox="1"/>
+          <p:nvPr/>
+        </p:nvSpPr>
+        <p:spPr>
+          <a:xfrm>
+            <a:off x="0" y="5253206"/>
+            <a:ext cx="12192000" cy="707886"/>
+          </a:xfrm>
+          <a:prstGeom prst="rect">
+            <a:avLst/>
+          </a:prstGeom>
+          <a:noFill/>
+        </p:spPr>
+        <p:txBody>
+          <a:bodyPr wrap="square" rtlCol="0">
+            <a:spAutoFit/>
+          </a:bodyPr>
+          <a:lstStyle/>
+          <a:p>
+            <a:pPr algn="ctr"/>
+            <a:r>
+              <a:rPr lang="en-US" sz="4000" b="1" dirty="0">
+                <a:solidFill>
+                  <a:srgbClr val="660033"/>
+                </a:solidFill>
+                <a:latin typeface="Microsoft JhengHei" panose="020B0604030504040204" pitchFamily="34" charset="-120"/>
+                <a:ea typeface="Microsoft JhengHei" panose="020B0604030504040204" pitchFamily="34" charset="-120"/>
+              </a:rPr>
+              <a:t>( </a:t>
+            </a:r>
+            <a:r>
+              <a:rPr lang="zh-CN" altLang="en-US" sz="4000" b="1" dirty="0">
+                <a:solidFill>
+                  <a:srgbClr val="660033"/>
+                </a:solidFill>
+                <a:latin typeface="Microsoft JhengHei" panose="020B0604030504040204" pitchFamily="34" charset="-120"/>
+                <a:ea typeface="Microsoft JhengHei" panose="020B0604030504040204" pitchFamily="34" charset="-120"/>
+              </a:rPr>
+              <a:t>正歌 </a:t>
+            </a:r>
+            <a:r>
+              <a:rPr lang="en-US" sz="4000" b="1" dirty="0">
+                <a:solidFill>
+                  <a:srgbClr val="660033"/>
+                </a:solidFill>
+                <a:latin typeface="Microsoft JhengHei" panose="020B0604030504040204" pitchFamily="34" charset="-120"/>
+                <a:ea typeface="Microsoft JhengHei" panose="020B0604030504040204" pitchFamily="34" charset="-120"/>
+              </a:rPr>
+              <a:t>2 )</a:t>
+            </a:r>
+            <a:endParaRPr lang="vi-VN" sz="4000" b="1" dirty="0">
+              <a:solidFill>
+                <a:srgbClr val="660033"/>
+              </a:solidFill>
+              <a:latin typeface="Microsoft JhengHei" panose="020B0604030504040204" pitchFamily="34" charset="-120"/>
+              <a:ea typeface="Microsoft JhengHei" panose="020B0604030504040204" pitchFamily="34" charset="-120"/>
+            </a:endParaRPr>
+          </a:p>
+        </p:txBody>
+      </p:sp>
+    </p:spTree>
+    <p:extLst>
+      <p:ext uri="{BB962C8B-B14F-4D97-AF65-F5344CB8AC3E}">
+        <p14:creationId xmlns:p14="http://schemas.microsoft.com/office/powerpoint/2010/main" xmlns="" val="2850253081"/>
+      </p:ext>
+    </p:extLst>
+  </p:cSld>
+  <p:clrMapOvr>
+    <a:masterClrMapping/>
+  </p:clrMapOvr>
+  <p:timing>
+    <p:tnLst>
+      <p:par>
+        <p:cTn id="1" dur="indefinite" restart="never" nodeType="tmRoot"/>
+      </p:par>
+    </p:tnLst>
+  </p:timing>
+</p:sld>
+</file>
+
+<file path=ppt/slides/slide13.xml><?xml version="1.0" encoding="utf-8"?>
+<p:sld xmlns:a="http://schemas.openxmlformats.org/drawingml/2006/main" xmlns:r="http://schemas.openxmlformats.org/officeDocument/2006/relationships" xmlns:p="http://schemas.openxmlformats.org/presentationml/2006/main">
+  <p:cSld>
+    <p:spTree>
+      <p:nvGrpSpPr>
+        <p:cNvPr id="1" name=""/>
+        <p:cNvGrpSpPr/>
+        <p:nvPr/>
+      </p:nvGrpSpPr>
+      <p:grpSpPr>
+        <a:xfrm>
+          <a:off x="0" y="0"/>
+          <a:ext cx="0" cy="0"/>
+          <a:chOff x="0" y="0"/>
+          <a:chExt cx="0" cy="0"/>
+        </a:xfrm>
+      </p:grpSpPr>
+      <p:sp>
+        <p:nvSpPr>
+          <p:cNvPr id="5" name="內容版面配置區 4"/>
+          <p:cNvSpPr>
+            <a:spLocks noGrp="1"/>
+          </p:cNvSpPr>
+          <p:nvPr>
+            <p:ph idx="1"/>
+          </p:nvPr>
+        </p:nvSpPr>
+        <p:spPr>
+          <a:xfrm>
+            <a:off x="0" y="2084851"/>
+            <a:ext cx="12192000" cy="2404863"/>
+          </a:xfrm>
+        </p:spPr>
+        <p:txBody>
+          <a:bodyPr anchor="ctr">
+            <a:normAutofit/>
+          </a:bodyPr>
+          <a:lstStyle/>
+          <a:p>
+            <a:pPr algn="ctr">
+              <a:buNone/>
+            </a:pPr>
+            <a:r>
+              <a:rPr lang="zh-TW" altLang="en-US" sz="6400" b="1" dirty="0">
+                <a:solidFill>
+                  <a:srgbClr val="660033"/>
+                </a:solidFill>
+                <a:latin typeface="微軟正黑體" pitchFamily="34" charset="-120"/>
+                <a:ea typeface="微軟正黑體" pitchFamily="34" charset="-120"/>
+              </a:rPr>
+              <a:t>哈利路亞  哈利路亞</a:t>
+            </a:r>
+            <a:endParaRPr lang="en-US" altLang="zh-TW" sz="6400" b="1" dirty="0">
+              <a:solidFill>
+                <a:srgbClr val="660033"/>
+              </a:solidFill>
+              <a:latin typeface="微軟正黑體" pitchFamily="34" charset="-120"/>
+              <a:ea typeface="微軟正黑體" pitchFamily="34" charset="-120"/>
+            </a:endParaRPr>
+          </a:p>
+          <a:p>
+            <a:pPr algn="ctr">
+              <a:buNone/>
+            </a:pPr>
+            <a:r>
+              <a:rPr lang="zh-TW" altLang="en-US" sz="6400" b="1" dirty="0">
+                <a:solidFill>
+                  <a:srgbClr val="660033"/>
+                </a:solidFill>
+                <a:latin typeface="微軟正黑體" pitchFamily="34" charset="-120"/>
+                <a:ea typeface="微軟正黑體" pitchFamily="34" charset="-120"/>
+              </a:rPr>
+              <a:t>一切祂都知道  祂都明瞭</a:t>
+            </a:r>
+            <a:endParaRPr lang="en-US" altLang="zh-TW" sz="6400" b="1" dirty="0">
+              <a:solidFill>
+                <a:srgbClr val="660033"/>
+              </a:solidFill>
+              <a:latin typeface="微軟正黑體" pitchFamily="34" charset="-120"/>
+              <a:ea typeface="微軟正黑體" pitchFamily="34" charset="-120"/>
+            </a:endParaRPr>
+          </a:p>
+        </p:txBody>
+      </p:sp>
+      <p:sp>
+        <p:nvSpPr>
+          <p:cNvPr id="4" name="TextBox 3"/>
+          <p:cNvSpPr txBox="1"/>
+          <p:nvPr/>
+        </p:nvSpPr>
+        <p:spPr>
+          <a:xfrm>
+            <a:off x="0" y="5253206"/>
+            <a:ext cx="12192000" cy="707886"/>
+          </a:xfrm>
+          <a:prstGeom prst="rect">
+            <a:avLst/>
+          </a:prstGeom>
+          <a:noFill/>
+        </p:spPr>
+        <p:txBody>
+          <a:bodyPr wrap="square" rtlCol="0">
+            <a:spAutoFit/>
+          </a:bodyPr>
+          <a:lstStyle/>
+          <a:p>
+            <a:pPr algn="ctr"/>
+            <a:r>
+              <a:rPr lang="en-US" sz="4000" b="1" dirty="0">
+                <a:solidFill>
+                  <a:srgbClr val="660033"/>
+                </a:solidFill>
+                <a:latin typeface="Microsoft JhengHei" panose="020B0604030504040204" pitchFamily="34" charset="-120"/>
+                <a:ea typeface="Microsoft JhengHei" panose="020B0604030504040204" pitchFamily="34" charset="-120"/>
+              </a:rPr>
+              <a:t>( </a:t>
+            </a:r>
+            <a:r>
+              <a:rPr lang="zh-CN" altLang="en-US" sz="4000" b="1">
+                <a:solidFill>
+                  <a:srgbClr val="660033"/>
+                </a:solidFill>
+                <a:latin typeface="Microsoft JhengHei" panose="020B0604030504040204" pitchFamily="34" charset="-120"/>
+                <a:ea typeface="Microsoft JhengHei" panose="020B0604030504040204" pitchFamily="34" charset="-120"/>
+              </a:rPr>
+              <a:t>副</a:t>
+            </a:r>
+            <a:r>
+              <a:rPr lang="zh-CN" altLang="en-US" sz="4000" b="1" smtClean="0">
+                <a:solidFill>
+                  <a:srgbClr val="660033"/>
+                </a:solidFill>
+                <a:latin typeface="Microsoft JhengHei" panose="020B0604030504040204" pitchFamily="34" charset="-120"/>
+                <a:ea typeface="Microsoft JhengHei" panose="020B0604030504040204" pitchFamily="34" charset="-120"/>
+              </a:rPr>
+              <a:t>歌</a:t>
+            </a:r>
+            <a:r>
+              <a:rPr lang="en-US" sz="4000" b="1" smtClean="0">
+                <a:solidFill>
+                  <a:srgbClr val="660033"/>
+                </a:solidFill>
+                <a:latin typeface="Microsoft JhengHei" panose="020B0604030504040204" pitchFamily="34" charset="-120"/>
+                <a:ea typeface="Microsoft JhengHei" panose="020B0604030504040204" pitchFamily="34" charset="-120"/>
+              </a:rPr>
+              <a:t> </a:t>
+            </a:r>
+            <a:r>
+              <a:rPr lang="en-US" sz="4000" b="1" dirty="0" smtClean="0">
+                <a:solidFill>
+                  <a:srgbClr val="660033"/>
+                </a:solidFill>
+                <a:latin typeface="Microsoft JhengHei" panose="020B0604030504040204" pitchFamily="34" charset="-120"/>
+                <a:ea typeface="Microsoft JhengHei" panose="020B0604030504040204" pitchFamily="34" charset="-120"/>
+              </a:rPr>
+              <a:t>) </a:t>
+            </a:r>
+            <a:r>
+              <a:rPr lang="en-US" sz="4000" b="1" dirty="0" smtClean="0">
+                <a:solidFill>
+                  <a:srgbClr val="660033"/>
+                </a:solidFill>
+                <a:ea typeface="Microsoft JhengHei" panose="020B0604030504040204" pitchFamily="34" charset="-120"/>
+              </a:rPr>
+              <a:t>( </a:t>
+            </a:r>
+            <a:r>
+              <a:rPr lang="en-US" sz="4000" b="1" dirty="0">
+                <a:solidFill>
+                  <a:srgbClr val="660033"/>
+                </a:solidFill>
+                <a:ea typeface="Microsoft JhengHei" panose="020B0604030504040204" pitchFamily="34" charset="-120"/>
+              </a:rPr>
+              <a:t>x2 )</a:t>
+            </a:r>
+            <a:endParaRPr lang="vi-VN" sz="4000" b="1" dirty="0">
+              <a:solidFill>
+                <a:srgbClr val="660033"/>
+              </a:solidFill>
+              <a:ea typeface="Microsoft JhengHei" panose="020B0604030504040204" pitchFamily="34" charset="-120"/>
+            </a:endParaRPr>
+          </a:p>
+        </p:txBody>
+      </p:sp>
+    </p:spTree>
+    <p:extLst>
+      <p:ext uri="{BB962C8B-B14F-4D97-AF65-F5344CB8AC3E}">
+        <p14:creationId xmlns:p14="http://schemas.microsoft.com/office/powerpoint/2010/main" xmlns="" val="8165214"/>
+      </p:ext>
+    </p:extLst>
+  </p:cSld>
+  <p:clrMapOvr>
+    <a:masterClrMapping/>
+  </p:clrMapOvr>
+  <p:timing>
+    <p:tnLst>
+      <p:par>
+        <p:cTn id="1" dur="indefinite" restart="never" nodeType="tmRoot"/>
+      </p:par>
+    </p:tnLst>
+  </p:timing>
+</p:sld>
+</file>
+
+<file path=ppt/slides/slide14.xml><?xml version="1.0" encoding="utf-8"?>
+<p:sld xmlns:a="http://schemas.openxmlformats.org/drawingml/2006/main" xmlns:r="http://schemas.openxmlformats.org/officeDocument/2006/relationships" xmlns:p="http://schemas.openxmlformats.org/presentationml/2006/main">
+  <p:cSld>
+    <p:spTree>
+      <p:nvGrpSpPr>
+        <p:cNvPr id="1" name=""/>
+        <p:cNvGrpSpPr/>
+        <p:nvPr/>
+      </p:nvGrpSpPr>
+      <p:grpSpPr>
+        <a:xfrm>
+          <a:off x="0" y="0"/>
+          <a:ext cx="0" cy="0"/>
+          <a:chOff x="0" y="0"/>
+          <a:chExt cx="0" cy="0"/>
+        </a:xfrm>
+      </p:grpSpPr>
+      <p:sp>
+        <p:nvSpPr>
+          <p:cNvPr id="5" name="內容版面配置區 4"/>
+          <p:cNvSpPr>
+            <a:spLocks noGrp="1"/>
+          </p:cNvSpPr>
+          <p:nvPr>
+            <p:ph idx="1"/>
+          </p:nvPr>
+        </p:nvSpPr>
+        <p:spPr>
+          <a:xfrm>
+            <a:off x="0" y="2084851"/>
+            <a:ext cx="12192000" cy="2404863"/>
+          </a:xfrm>
+        </p:spPr>
+        <p:txBody>
+          <a:bodyPr anchor="ctr">
+            <a:normAutofit/>
+          </a:bodyPr>
+          <a:lstStyle/>
+          <a:p>
+            <a:pPr algn="ctr">
+              <a:buNone/>
+            </a:pPr>
+            <a:r>
+              <a:rPr lang="zh-TW" altLang="en-US" sz="6400" b="1" dirty="0">
+                <a:solidFill>
+                  <a:srgbClr val="660033"/>
+                </a:solidFill>
+                <a:latin typeface="微軟正黑體" pitchFamily="34" charset="-120"/>
+                <a:ea typeface="微軟正黑體" pitchFamily="34" charset="-120"/>
+              </a:rPr>
+              <a:t>哈利路亞  哈利路亞</a:t>
+            </a:r>
+            <a:endParaRPr lang="en-US" altLang="zh-TW" sz="6400" b="1" dirty="0">
+              <a:solidFill>
+                <a:srgbClr val="660033"/>
+              </a:solidFill>
+              <a:latin typeface="微軟正黑體" pitchFamily="34" charset="-120"/>
+              <a:ea typeface="微軟正黑體" pitchFamily="34" charset="-120"/>
+            </a:endParaRPr>
+          </a:p>
+          <a:p>
+            <a:pPr algn="ctr">
+              <a:buNone/>
+            </a:pPr>
+            <a:r>
+              <a:rPr lang="zh-TW" altLang="en-US" sz="6400" b="1" dirty="0">
+                <a:solidFill>
+                  <a:srgbClr val="660033"/>
+                </a:solidFill>
+                <a:latin typeface="微軟正黑體" pitchFamily="34" charset="-120"/>
+                <a:ea typeface="微軟正黑體" pitchFamily="34" charset="-120"/>
+              </a:rPr>
+              <a:t>一切祂都知道  祂都明瞭</a:t>
+            </a:r>
+            <a:endParaRPr lang="en-US" altLang="zh-TW" sz="6400" b="1" dirty="0">
+              <a:solidFill>
+                <a:srgbClr val="660033"/>
+              </a:solidFill>
+              <a:latin typeface="微軟正黑體" pitchFamily="34" charset="-120"/>
+              <a:ea typeface="微軟正黑體" pitchFamily="34" charset="-120"/>
+            </a:endParaRPr>
+          </a:p>
+        </p:txBody>
+      </p:sp>
+      <p:sp>
+        <p:nvSpPr>
+          <p:cNvPr id="4" name="TextBox 3"/>
+          <p:cNvSpPr txBox="1"/>
+          <p:nvPr/>
+        </p:nvSpPr>
+        <p:spPr>
+          <a:xfrm>
+            <a:off x="0" y="5253206"/>
+            <a:ext cx="12192000" cy="707886"/>
+          </a:xfrm>
+          <a:prstGeom prst="rect">
+            <a:avLst/>
+          </a:prstGeom>
+          <a:noFill/>
+        </p:spPr>
+        <p:txBody>
+          <a:bodyPr wrap="square" rtlCol="0">
+            <a:spAutoFit/>
+          </a:bodyPr>
+          <a:lstStyle/>
+          <a:p>
+            <a:pPr algn="ctr"/>
+            <a:r>
+              <a:rPr lang="en-US" sz="4000" b="1" dirty="0">
+                <a:solidFill>
+                  <a:srgbClr val="660033"/>
+                </a:solidFill>
+                <a:latin typeface="Microsoft JhengHei" panose="020B0604030504040204" pitchFamily="34" charset="-120"/>
+                <a:ea typeface="Microsoft JhengHei" panose="020B0604030504040204" pitchFamily="34" charset="-120"/>
+              </a:rPr>
+              <a:t>( </a:t>
+            </a:r>
+            <a:r>
+              <a:rPr lang="zh-CN" altLang="en-US" sz="4000" b="1">
+                <a:solidFill>
+                  <a:srgbClr val="660033"/>
+                </a:solidFill>
+                <a:latin typeface="Microsoft JhengHei" panose="020B0604030504040204" pitchFamily="34" charset="-120"/>
+                <a:ea typeface="Microsoft JhengHei" panose="020B0604030504040204" pitchFamily="34" charset="-120"/>
+              </a:rPr>
+              <a:t>副</a:t>
+            </a:r>
+            <a:r>
+              <a:rPr lang="zh-CN" altLang="en-US" sz="4000" b="1" smtClean="0">
+                <a:solidFill>
+                  <a:srgbClr val="660033"/>
+                </a:solidFill>
+                <a:latin typeface="Microsoft JhengHei" panose="020B0604030504040204" pitchFamily="34" charset="-120"/>
+                <a:ea typeface="Microsoft JhengHei" panose="020B0604030504040204" pitchFamily="34" charset="-120"/>
+              </a:rPr>
+              <a:t>歌</a:t>
+            </a:r>
+            <a:r>
+              <a:rPr lang="en-US" sz="4000" b="1" smtClean="0">
+                <a:solidFill>
+                  <a:srgbClr val="660033"/>
+                </a:solidFill>
+                <a:latin typeface="Microsoft JhengHei" panose="020B0604030504040204" pitchFamily="34" charset="-120"/>
+                <a:ea typeface="Microsoft JhengHei" panose="020B0604030504040204" pitchFamily="34" charset="-120"/>
+              </a:rPr>
+              <a:t> </a:t>
+            </a:r>
+            <a:r>
+              <a:rPr lang="en-US" sz="4000" b="1" dirty="0" smtClean="0">
+                <a:solidFill>
+                  <a:srgbClr val="660033"/>
+                </a:solidFill>
+                <a:latin typeface="Microsoft JhengHei" panose="020B0604030504040204" pitchFamily="34" charset="-120"/>
+                <a:ea typeface="Microsoft JhengHei" panose="020B0604030504040204" pitchFamily="34" charset="-120"/>
+              </a:rPr>
+              <a:t>) </a:t>
+            </a:r>
+            <a:r>
+              <a:rPr lang="en-US" sz="4000" b="1" dirty="0" smtClean="0">
+                <a:solidFill>
+                  <a:srgbClr val="660033"/>
+                </a:solidFill>
+                <a:ea typeface="Microsoft JhengHei" panose="020B0604030504040204" pitchFamily="34" charset="-120"/>
+              </a:rPr>
+              <a:t>( </a:t>
+            </a:r>
+            <a:r>
+              <a:rPr lang="en-US" sz="4000" b="1" dirty="0">
+                <a:solidFill>
+                  <a:srgbClr val="660033"/>
+                </a:solidFill>
+                <a:ea typeface="Microsoft JhengHei" panose="020B0604030504040204" pitchFamily="34" charset="-120"/>
+              </a:rPr>
+              <a:t>x2 )</a:t>
+            </a:r>
+            <a:endParaRPr lang="vi-VN" sz="4000" b="1" dirty="0">
+              <a:solidFill>
+                <a:srgbClr val="660033"/>
+              </a:solidFill>
+              <a:ea typeface="Microsoft JhengHei" panose="020B0604030504040204" pitchFamily="34" charset="-120"/>
+            </a:endParaRPr>
+          </a:p>
+        </p:txBody>
+      </p:sp>
+    </p:spTree>
+    <p:extLst>
+      <p:ext uri="{BB962C8B-B14F-4D97-AF65-F5344CB8AC3E}">
+        <p14:creationId xmlns:p14="http://schemas.microsoft.com/office/powerpoint/2010/main" xmlns="" val="8165214"/>
+      </p:ext>
+    </p:extLst>
+  </p:cSld>
+  <p:clrMapOvr>
+    <a:masterClrMapping/>
+  </p:clrMapOvr>
+  <p:timing>
+    <p:tnLst>
+      <p:par>
+        <p:cTn id="1" dur="indefinite" restart="never" nodeType="tmRoot"/>
+      </p:par>
+    </p:tnLst>
+  </p:timing>
+</p:sld>
+</file>
+
+<file path=ppt/slides/slide15.xml><?xml version="1.0" encoding="utf-8"?>
+<p:sld xmlns:a="http://schemas.openxmlformats.org/drawingml/2006/main" xmlns:r="http://schemas.openxmlformats.org/officeDocument/2006/relationships" xmlns:p="http://schemas.openxmlformats.org/presentationml/2006/main">
+  <p:cSld>
+    <p:spTree>
+      <p:nvGrpSpPr>
+        <p:cNvPr id="1" name=""/>
+        <p:cNvGrpSpPr/>
+        <p:nvPr/>
+      </p:nvGrpSpPr>
+      <p:grpSpPr>
+        <a:xfrm>
+          <a:off x="0" y="0"/>
+          <a:ext cx="0" cy="0"/>
+          <a:chOff x="0" y="0"/>
+          <a:chExt cx="0" cy="0"/>
+        </a:xfrm>
+      </p:grpSpPr>
+      <p:sp>
+        <p:nvSpPr>
+          <p:cNvPr id="5" name="內容版面配置區 4"/>
+          <p:cNvSpPr>
+            <a:spLocks noGrp="1"/>
+          </p:cNvSpPr>
+          <p:nvPr>
+            <p:ph idx="1"/>
+          </p:nvPr>
+        </p:nvSpPr>
+        <p:spPr>
+          <a:xfrm>
+            <a:off x="0" y="2084851"/>
+            <a:ext cx="12192000" cy="2404863"/>
+          </a:xfrm>
+        </p:spPr>
+        <p:txBody>
+          <a:bodyPr anchor="ctr">
+            <a:normAutofit/>
+          </a:bodyPr>
+          <a:lstStyle/>
+          <a:p>
+            <a:pPr algn="ctr">
+              <a:buNone/>
+            </a:pPr>
+            <a:r>
+              <a:rPr lang="zh-TW" altLang="en-US" sz="6400" b="1" dirty="0">
+                <a:solidFill>
+                  <a:srgbClr val="660033"/>
+                </a:solidFill>
+                <a:latin typeface="微軟正黑體" pitchFamily="34" charset="-120"/>
+                <a:ea typeface="微軟正黑體" pitchFamily="34" charset="-120"/>
+              </a:rPr>
+              <a:t>哈利路亞  哈利路亞</a:t>
+            </a:r>
+            <a:endParaRPr lang="en-US" altLang="zh-TW" sz="6400" b="1" dirty="0">
+              <a:solidFill>
+                <a:srgbClr val="660033"/>
+              </a:solidFill>
+              <a:latin typeface="微軟正黑體" pitchFamily="34" charset="-120"/>
+              <a:ea typeface="微軟正黑體" pitchFamily="34" charset="-120"/>
+            </a:endParaRPr>
+          </a:p>
+          <a:p>
+            <a:pPr algn="ctr">
+              <a:buNone/>
+            </a:pPr>
+            <a:r>
+              <a:rPr lang="zh-TW" altLang="en-US" sz="6400" b="1" dirty="0">
+                <a:solidFill>
+                  <a:srgbClr val="660033"/>
+                </a:solidFill>
+                <a:latin typeface="微軟正黑體" pitchFamily="34" charset="-120"/>
+                <a:ea typeface="微軟正黑體" pitchFamily="34" charset="-120"/>
+              </a:rPr>
+              <a:t>一切祂都知道  祂都明瞭</a:t>
+            </a:r>
+            <a:endParaRPr lang="en-US" altLang="zh-TW" sz="6400" b="1" dirty="0">
+              <a:solidFill>
+                <a:srgbClr val="660033"/>
+              </a:solidFill>
+              <a:latin typeface="微軟正黑體" pitchFamily="34" charset="-120"/>
+              <a:ea typeface="微軟正黑體" pitchFamily="34" charset="-120"/>
+            </a:endParaRPr>
+          </a:p>
+        </p:txBody>
+      </p:sp>
+      <p:sp>
+        <p:nvSpPr>
+          <p:cNvPr id="4" name="TextBox 3"/>
+          <p:cNvSpPr txBox="1"/>
+          <p:nvPr/>
+        </p:nvSpPr>
+        <p:spPr>
+          <a:xfrm>
+            <a:off x="0" y="5253206"/>
+            <a:ext cx="12192000" cy="707886"/>
+          </a:xfrm>
+          <a:prstGeom prst="rect">
+            <a:avLst/>
+          </a:prstGeom>
+          <a:noFill/>
+        </p:spPr>
+        <p:txBody>
+          <a:bodyPr wrap="square" rtlCol="0">
+            <a:spAutoFit/>
+          </a:bodyPr>
+          <a:lstStyle/>
+          <a:p>
+            <a:pPr algn="ctr"/>
+            <a:r>
+              <a:rPr lang="en-US" sz="4000" b="1" dirty="0">
+                <a:solidFill>
+                  <a:srgbClr val="660033"/>
+                </a:solidFill>
+                <a:latin typeface="Microsoft JhengHei" panose="020B0604030504040204" pitchFamily="34" charset="-120"/>
+                <a:ea typeface="Microsoft JhengHei" panose="020B0604030504040204" pitchFamily="34" charset="-120"/>
+              </a:rPr>
+              <a:t>( </a:t>
+            </a:r>
+            <a:r>
+              <a:rPr lang="zh-CN" altLang="en-US" sz="4000" b="1">
+                <a:solidFill>
+                  <a:srgbClr val="660033"/>
+                </a:solidFill>
+                <a:latin typeface="Microsoft JhengHei" panose="020B0604030504040204" pitchFamily="34" charset="-120"/>
+                <a:ea typeface="Microsoft JhengHei" panose="020B0604030504040204" pitchFamily="34" charset="-120"/>
+              </a:rPr>
+              <a:t>副</a:t>
+            </a:r>
+            <a:r>
+              <a:rPr lang="zh-CN" altLang="en-US" sz="4000" b="1" smtClean="0">
+                <a:solidFill>
+                  <a:srgbClr val="660033"/>
+                </a:solidFill>
+                <a:latin typeface="Microsoft JhengHei" panose="020B0604030504040204" pitchFamily="34" charset="-120"/>
+                <a:ea typeface="Microsoft JhengHei" panose="020B0604030504040204" pitchFamily="34" charset="-120"/>
+              </a:rPr>
+              <a:t>歌</a:t>
+            </a:r>
+            <a:r>
+              <a:rPr lang="en-US" sz="4000" b="1" smtClean="0">
+                <a:solidFill>
+                  <a:srgbClr val="660033"/>
+                </a:solidFill>
+                <a:latin typeface="Microsoft JhengHei" panose="020B0604030504040204" pitchFamily="34" charset="-120"/>
+                <a:ea typeface="Microsoft JhengHei" panose="020B0604030504040204" pitchFamily="34" charset="-120"/>
+              </a:rPr>
+              <a:t> </a:t>
+            </a:r>
+            <a:r>
+              <a:rPr lang="en-US" sz="4000" b="1" dirty="0" smtClean="0">
+                <a:solidFill>
+                  <a:srgbClr val="660033"/>
+                </a:solidFill>
+                <a:latin typeface="Microsoft JhengHei" panose="020B0604030504040204" pitchFamily="34" charset="-120"/>
+                <a:ea typeface="Microsoft JhengHei" panose="020B0604030504040204" pitchFamily="34" charset="-120"/>
+              </a:rPr>
+              <a:t>) </a:t>
+            </a:r>
+            <a:r>
+              <a:rPr lang="en-US" sz="4000" b="1" dirty="0" smtClean="0">
+                <a:solidFill>
+                  <a:srgbClr val="660033"/>
+                </a:solidFill>
+                <a:ea typeface="Microsoft JhengHei" panose="020B0604030504040204" pitchFamily="34" charset="-120"/>
+              </a:rPr>
+              <a:t>( </a:t>
+            </a:r>
+            <a:r>
+              <a:rPr lang="en-US" sz="4000" b="1" dirty="0">
+                <a:solidFill>
+                  <a:srgbClr val="660033"/>
+                </a:solidFill>
+                <a:ea typeface="Microsoft JhengHei" panose="020B0604030504040204" pitchFamily="34" charset="-120"/>
+              </a:rPr>
+              <a:t>x2 )</a:t>
+            </a:r>
+            <a:endParaRPr lang="vi-VN" sz="4000" b="1" dirty="0">
+              <a:solidFill>
+                <a:srgbClr val="660033"/>
+              </a:solidFill>
+              <a:ea typeface="Microsoft JhengHei" panose="020B0604030504040204" pitchFamily="34" charset="-120"/>
+            </a:endParaRPr>
+          </a:p>
+        </p:txBody>
+      </p:sp>
+    </p:spTree>
+    <p:extLst>
+      <p:ext uri="{BB962C8B-B14F-4D97-AF65-F5344CB8AC3E}">
+        <p14:creationId xmlns:p14="http://schemas.microsoft.com/office/powerpoint/2010/main" xmlns="" val="8165214"/>
       </p:ext>
     </p:extLst>
   </p:cSld>
@@ -3303,13 +4455,20 @@
     </p:spTree>
     <p:extLst>
       <p:ext uri="{BB962C8B-B14F-4D97-AF65-F5344CB8AC3E}">
-        <p14:creationId xmlns:p14="http://schemas.microsoft.com/office/powerpoint/2010/main" val="495541262"/>
+        <p14:creationId xmlns:p14="http://schemas.microsoft.com/office/powerpoint/2010/main" xmlns="" val="495541262"/>
       </p:ext>
     </p:extLst>
   </p:cSld>
   <p:clrMapOvr>
     <a:masterClrMapping/>
   </p:clrMapOvr>
+  <p:timing>
+    <p:tnLst>
+      <p:par>
+        <p:cTn id="1" dur="indefinite" restart="never" nodeType="tmRoot"/>
+      </p:par>
+    </p:tnLst>
+  </p:timing>
 </p:sld>
 </file>
 
@@ -3461,17 +4620,7 @@
                 <a:latin typeface="Microsoft JhengHei" panose="020B0604030504040204" pitchFamily="34" charset="-120"/>
                 <a:ea typeface="Microsoft JhengHei" panose="020B0604030504040204" pitchFamily="34" charset="-120"/>
               </a:rPr>
-              <a:t>1 </a:t>
-            </a:r>
-            <a:r>
-              <a:rPr lang="en-US" sz="4000" b="1" dirty="0">
-                <a:solidFill>
-                  <a:srgbClr val="660033"/>
-                </a:solidFill>
-                <a:latin typeface="Microsoft JhengHei" panose="020B0604030504040204" pitchFamily="34" charset="-120"/>
-                <a:ea typeface="Microsoft JhengHei" panose="020B0604030504040204" pitchFamily="34" charset="-120"/>
-              </a:rPr>
-              <a:t>)</a:t>
+              <a:t>1 )</a:t>
             </a:r>
             <a:endParaRPr lang="vi-VN" sz="4000" b="1" dirty="0">
               <a:solidFill>
@@ -3486,13 +4635,20 @@
     </p:spTree>
     <p:extLst>
       <p:ext uri="{BB962C8B-B14F-4D97-AF65-F5344CB8AC3E}">
-        <p14:creationId xmlns:p14="http://schemas.microsoft.com/office/powerpoint/2010/main" val="3348989334"/>
+        <p14:creationId xmlns:p14="http://schemas.microsoft.com/office/powerpoint/2010/main" xmlns="" val="3348989334"/>
       </p:ext>
     </p:extLst>
   </p:cSld>
   <p:clrMapOvr>
     <a:masterClrMapping/>
   </p:clrMapOvr>
+  <p:timing>
+    <p:tnLst>
+      <p:par>
+        <p:cTn id="1" dur="indefinite" restart="never" nodeType="tmRoot"/>
+      </p:par>
+    </p:tnLst>
+  </p:timing>
 </p:sld>
 </file>
 
@@ -3546,7 +4702,7 @@
                 <a:latin typeface="微軟正黑體" pitchFamily="34" charset="-120"/>
                 <a:ea typeface="微軟正黑體" pitchFamily="34" charset="-120"/>
               </a:rPr>
-              <a:t>我要頌揚  頌揚那顯公義的主</a:t>
+              <a:t>哈利路亞  哈利路亞</a:t>
             </a:r>
             <a:endParaRPr lang="en-US" altLang="zh-TW" sz="6400" b="1" dirty="0">
               <a:solidFill>
@@ -3568,7 +4724,7 @@
                 <a:latin typeface="微軟正黑體" pitchFamily="34" charset="-120"/>
                 <a:ea typeface="微軟正黑體" pitchFamily="34" charset="-120"/>
               </a:rPr>
-              <a:t>祂的國度是權柄榮耀</a:t>
+              <a:t>一切祂都知道  祂都明瞭</a:t>
             </a:r>
             <a:endParaRPr lang="en-US" altLang="zh-TW" sz="6400" b="1" dirty="0">
               <a:solidFill>
@@ -3582,7 +4738,7 @@
       </p:sp>
       <p:sp>
         <p:nvSpPr>
-          <p:cNvPr id="3" name="TextBox 2"/>
+          <p:cNvPr id="4" name="TextBox 3"/>
           <p:cNvSpPr txBox="1"/>
           <p:nvPr/>
         </p:nvSpPr>
@@ -3614,40 +4770,67 @@
               <a:t>( </a:t>
             </a:r>
             <a:r>
-              <a:rPr lang="zh-CN" altLang="en-US" sz="4000" b="1" dirty="0">
+              <a:rPr lang="zh-CN" altLang="en-US" sz="4000" b="1">
                 <a:solidFill>
                   <a:srgbClr val="660033"/>
                 </a:solidFill>
                 <a:latin typeface="Microsoft JhengHei" panose="020B0604030504040204" pitchFamily="34" charset="-120"/>
                 <a:ea typeface="Microsoft JhengHei" panose="020B0604030504040204" pitchFamily="34" charset="-120"/>
               </a:rPr>
-              <a:t>正歌 </a:t>
+              <a:t>副</a:t>
+            </a:r>
+            <a:r>
+              <a:rPr lang="zh-CN" altLang="en-US" sz="4000" b="1" smtClean="0">
+                <a:solidFill>
+                  <a:srgbClr val="660033"/>
+                </a:solidFill>
+                <a:latin typeface="Microsoft JhengHei" panose="020B0604030504040204" pitchFamily="34" charset="-120"/>
+                <a:ea typeface="Microsoft JhengHei" panose="020B0604030504040204" pitchFamily="34" charset="-120"/>
+              </a:rPr>
+              <a:t>歌</a:t>
+            </a:r>
+            <a:r>
+              <a:rPr lang="en-US" sz="4000" b="1" smtClean="0">
+                <a:solidFill>
+                  <a:srgbClr val="660033"/>
+                </a:solidFill>
+                <a:latin typeface="Microsoft JhengHei" panose="020B0604030504040204" pitchFamily="34" charset="-120"/>
+                <a:ea typeface="Microsoft JhengHei" panose="020B0604030504040204" pitchFamily="34" charset="-120"/>
+              </a:rPr>
+              <a:t> </a:t>
+            </a:r>
+            <a:r>
+              <a:rPr lang="en-US" sz="4000" b="1" dirty="0" smtClean="0">
+                <a:solidFill>
+                  <a:srgbClr val="660033"/>
+                </a:solidFill>
+                <a:latin typeface="Microsoft JhengHei" panose="020B0604030504040204" pitchFamily="34" charset="-120"/>
+                <a:ea typeface="Microsoft JhengHei" panose="020B0604030504040204" pitchFamily="34" charset="-120"/>
+              </a:rPr>
+              <a:t>) </a:t>
+            </a:r>
+            <a:r>
+              <a:rPr lang="en-US" sz="4000" b="1" dirty="0" smtClean="0">
+                <a:solidFill>
+                  <a:srgbClr val="660033"/>
+                </a:solidFill>
+                <a:ea typeface="Microsoft JhengHei" panose="020B0604030504040204" pitchFamily="34" charset="-120"/>
+              </a:rPr>
+              <a:t>( </a:t>
             </a:r>
             <a:r>
               <a:rPr lang="en-US" sz="4000" b="1" dirty="0">
                 <a:solidFill>
                   <a:srgbClr val="660033"/>
                 </a:solidFill>
-                <a:latin typeface="Microsoft JhengHei" panose="020B0604030504040204" pitchFamily="34" charset="-120"/>
-                <a:ea typeface="Microsoft JhengHei" panose="020B0604030504040204" pitchFamily="34" charset="-120"/>
-              </a:rPr>
-              <a:t>2 </a:t>
-            </a:r>
-            <a:r>
-              <a:rPr lang="en-US" sz="4000" b="1" dirty="0">
-                <a:solidFill>
-                  <a:srgbClr val="660033"/>
-                </a:solidFill>
-                <a:latin typeface="Microsoft JhengHei" panose="020B0604030504040204" pitchFamily="34" charset="-120"/>
-                <a:ea typeface="Microsoft JhengHei" panose="020B0604030504040204" pitchFamily="34" charset="-120"/>
-              </a:rPr>
-              <a:t>)</a:t>
+                <a:ea typeface="Microsoft JhengHei" panose="020B0604030504040204" pitchFamily="34" charset="-120"/>
+              </a:rPr>
+              <a:t>x2 )</a:t>
             </a:r>
             <a:endParaRPr lang="vi-VN" sz="4000" b="1" dirty="0">
               <a:solidFill>
                 <a:srgbClr val="660033"/>
               </a:solidFill>
-              <a:latin typeface="Microsoft JhengHei" panose="020B0604030504040204" pitchFamily="34" charset="-120"/>
               <a:ea typeface="Microsoft JhengHei" panose="020B0604030504040204" pitchFamily="34" charset="-120"/>
             </a:endParaRPr>
           </a:p>
@@ -3656,13 +4839,20 @@
     </p:spTree>
     <p:extLst>
       <p:ext uri="{BB962C8B-B14F-4D97-AF65-F5344CB8AC3E}">
-        <p14:creationId xmlns:p14="http://schemas.microsoft.com/office/powerpoint/2010/main" val="2830903362"/>
+        <p14:creationId xmlns:p14="http://schemas.microsoft.com/office/powerpoint/2010/main" xmlns="" val="8165214"/>
       </p:ext>
     </p:extLst>
   </p:cSld>
   <p:clrMapOvr>
     <a:masterClrMapping/>
   </p:clrMapOvr>
+  <p:timing>
+    <p:tnLst>
+      <p:par>
+        <p:cTn id="1" dur="indefinite" restart="never" nodeType="tmRoot"/>
+      </p:par>
+    </p:tnLst>
+  </p:timing>
 </p:sld>
 </file>
 
@@ -3716,7 +4906,7 @@
                 <a:latin typeface="微軟正黑體" pitchFamily="34" charset="-120"/>
                 <a:ea typeface="微軟正黑體" pitchFamily="34" charset="-120"/>
               </a:rPr>
-              <a:t>我要頌揚  頌揚那顯慈愛的主</a:t>
+              <a:t>我要頌揚  頌揚那顯公義的主</a:t>
             </a:r>
             <a:endParaRPr lang="en-US" altLang="zh-TW" sz="6400" b="1" dirty="0">
               <a:solidFill>
@@ -3738,8 +4928,15 @@
                 <a:latin typeface="微軟正黑體" pitchFamily="34" charset="-120"/>
                 <a:ea typeface="微軟正黑體" pitchFamily="34" charset="-120"/>
               </a:rPr>
-              <a:t>祂的信實永不動搖</a:t>
-            </a:r>
+              <a:t>祂的國度是權柄榮耀</a:t>
+            </a:r>
+            <a:endParaRPr lang="en-US" altLang="zh-TW" sz="6400" b="1" dirty="0">
+              <a:solidFill>
+                <a:srgbClr val="660033"/>
+              </a:solidFill>
+              <a:latin typeface="微軟正黑體" pitchFamily="34" charset="-120"/>
+              <a:ea typeface="微軟正黑體" pitchFamily="34" charset="-120"/>
+            </a:endParaRPr>
           </a:p>
         </p:txBody>
       </p:sp>
@@ -3794,17 +4991,7 @@
                 <a:latin typeface="Microsoft JhengHei" panose="020B0604030504040204" pitchFamily="34" charset="-120"/>
                 <a:ea typeface="Microsoft JhengHei" panose="020B0604030504040204" pitchFamily="34" charset="-120"/>
               </a:rPr>
-              <a:t>2 </a:t>
-            </a:r>
-            <a:r>
-              <a:rPr lang="en-US" sz="4000" b="1" dirty="0">
-                <a:solidFill>
-                  <a:srgbClr val="660033"/>
-                </a:solidFill>
-                <a:latin typeface="Microsoft JhengHei" panose="020B0604030504040204" pitchFamily="34" charset="-120"/>
-                <a:ea typeface="Microsoft JhengHei" panose="020B0604030504040204" pitchFamily="34" charset="-120"/>
-              </a:rPr>
-              <a:t>)</a:t>
+              <a:t>2 )</a:t>
             </a:r>
             <a:endParaRPr lang="vi-VN" sz="4000" b="1" dirty="0">
               <a:solidFill>
@@ -3819,13 +5006,20 @@
     </p:spTree>
     <p:extLst>
       <p:ext uri="{BB962C8B-B14F-4D97-AF65-F5344CB8AC3E}">
-        <p14:creationId xmlns:p14="http://schemas.microsoft.com/office/powerpoint/2010/main" val="2850253081"/>
+        <p14:creationId xmlns:p14="http://schemas.microsoft.com/office/powerpoint/2010/main" xmlns="" val="2830903362"/>
       </p:ext>
     </p:extLst>
   </p:cSld>
   <p:clrMapOvr>
     <a:masterClrMapping/>
   </p:clrMapOvr>
+  <p:timing>
+    <p:tnLst>
+      <p:par>
+        <p:cTn id="1" dur="indefinite" restart="never" nodeType="tmRoot"/>
+      </p:par>
+    </p:tnLst>
+  </p:timing>
 </p:sld>
 </file>
 
@@ -3879,7 +5073,7 @@
                 <a:latin typeface="微軟正黑體" pitchFamily="34" charset="-120"/>
                 <a:ea typeface="微軟正黑體" pitchFamily="34" charset="-120"/>
               </a:rPr>
-              <a:t>哈利路亞  哈利路亞</a:t>
+              <a:t>我要頌揚  頌揚那顯慈愛的主</a:t>
             </a:r>
             <a:endParaRPr lang="en-US" altLang="zh-TW" sz="6400" b="1" dirty="0">
               <a:solidFill>
@@ -3901,21 +5095,14 @@
                 <a:latin typeface="微軟正黑體" pitchFamily="34" charset="-120"/>
                 <a:ea typeface="微軟正黑體" pitchFamily="34" charset="-120"/>
               </a:rPr>
-              <a:t>一切祂都知道  祂都明瞭</a:t>
-            </a:r>
-            <a:endParaRPr lang="en-US" altLang="zh-TW" sz="6400" b="1" dirty="0">
-              <a:solidFill>
-                <a:srgbClr val="660033"/>
-              </a:solidFill>
-              <a:latin typeface="微軟正黑體" pitchFamily="34" charset="-120"/>
-              <a:ea typeface="微軟正黑體" pitchFamily="34" charset="-120"/>
-            </a:endParaRPr>
-          </a:p>
-        </p:txBody>
-      </p:sp>
-      <p:sp>
-        <p:nvSpPr>
-          <p:cNvPr id="4" name="TextBox 3"/>
+              <a:t>祂的信實永不動搖</a:t>
+            </a:r>
+          </a:p>
+        </p:txBody>
+      </p:sp>
+      <p:sp>
+        <p:nvSpPr>
+          <p:cNvPr id="3" name="TextBox 2"/>
           <p:cNvSpPr txBox="1"/>
           <p:nvPr/>
         </p:nvSpPr>
@@ -3947,6 +5134,173 @@
               <a:t>( </a:t>
             </a:r>
             <a:r>
+              <a:rPr lang="zh-CN" altLang="en-US" sz="4000" b="1" dirty="0">
+                <a:solidFill>
+                  <a:srgbClr val="660033"/>
+                </a:solidFill>
+                <a:latin typeface="Microsoft JhengHei" panose="020B0604030504040204" pitchFamily="34" charset="-120"/>
+                <a:ea typeface="Microsoft JhengHei" panose="020B0604030504040204" pitchFamily="34" charset="-120"/>
+              </a:rPr>
+              <a:t>正歌 </a:t>
+            </a:r>
+            <a:r>
+              <a:rPr lang="en-US" sz="4000" b="1" dirty="0">
+                <a:solidFill>
+                  <a:srgbClr val="660033"/>
+                </a:solidFill>
+                <a:latin typeface="Microsoft JhengHei" panose="020B0604030504040204" pitchFamily="34" charset="-120"/>
+                <a:ea typeface="Microsoft JhengHei" panose="020B0604030504040204" pitchFamily="34" charset="-120"/>
+              </a:rPr>
+              <a:t>2 )</a:t>
+            </a:r>
+            <a:endParaRPr lang="vi-VN" sz="4000" b="1" dirty="0">
+              <a:solidFill>
+                <a:srgbClr val="660033"/>
+              </a:solidFill>
+              <a:latin typeface="Microsoft JhengHei" panose="020B0604030504040204" pitchFamily="34" charset="-120"/>
+              <a:ea typeface="Microsoft JhengHei" panose="020B0604030504040204" pitchFamily="34" charset="-120"/>
+            </a:endParaRPr>
+          </a:p>
+        </p:txBody>
+      </p:sp>
+    </p:spTree>
+    <p:extLst>
+      <p:ext uri="{BB962C8B-B14F-4D97-AF65-F5344CB8AC3E}">
+        <p14:creationId xmlns:p14="http://schemas.microsoft.com/office/powerpoint/2010/main" xmlns="" val="2850253081"/>
+      </p:ext>
+    </p:extLst>
+  </p:cSld>
+  <p:clrMapOvr>
+    <a:masterClrMapping/>
+  </p:clrMapOvr>
+  <p:timing>
+    <p:tnLst>
+      <p:par>
+        <p:cTn id="1" dur="indefinite" restart="never" nodeType="tmRoot"/>
+      </p:par>
+    </p:tnLst>
+  </p:timing>
+</p:sld>
+</file>
+
+<file path=ppt/slides/slide7.xml><?xml version="1.0" encoding="utf-8"?>
+<p:sld xmlns:a="http://schemas.openxmlformats.org/drawingml/2006/main" xmlns:r="http://schemas.openxmlformats.org/officeDocument/2006/relationships" xmlns:p="http://schemas.openxmlformats.org/presentationml/2006/main">
+  <p:cSld>
+    <p:spTree>
+      <p:nvGrpSpPr>
+        <p:cNvPr id="1" name=""/>
+        <p:cNvGrpSpPr/>
+        <p:nvPr/>
+      </p:nvGrpSpPr>
+      <p:grpSpPr>
+        <a:xfrm>
+          <a:off x="0" y="0"/>
+          <a:ext cx="0" cy="0"/>
+          <a:chOff x="0" y="0"/>
+          <a:chExt cx="0" cy="0"/>
+        </a:xfrm>
+      </p:grpSpPr>
+      <p:sp>
+        <p:nvSpPr>
+          <p:cNvPr id="5" name="內容版面配置區 4"/>
+          <p:cNvSpPr>
+            <a:spLocks noGrp="1"/>
+          </p:cNvSpPr>
+          <p:nvPr>
+            <p:ph idx="1"/>
+          </p:nvPr>
+        </p:nvSpPr>
+        <p:spPr>
+          <a:xfrm>
+            <a:off x="0" y="2084851"/>
+            <a:ext cx="12192000" cy="2404863"/>
+          </a:xfrm>
+        </p:spPr>
+        <p:txBody>
+          <a:bodyPr anchor="ctr">
+            <a:normAutofit/>
+          </a:bodyPr>
+          <a:lstStyle/>
+          <a:p>
+            <a:pPr algn="ctr">
+              <a:buNone/>
+            </a:pPr>
+            <a:r>
+              <a:rPr lang="zh-TW" altLang="en-US" sz="6400" b="1" dirty="0">
+                <a:solidFill>
+                  <a:srgbClr val="660033"/>
+                </a:solidFill>
+                <a:latin typeface="微軟正黑體" pitchFamily="34" charset="-120"/>
+                <a:ea typeface="微軟正黑體" pitchFamily="34" charset="-120"/>
+              </a:rPr>
+              <a:t>哈利路亞  哈利路亞</a:t>
+            </a:r>
+            <a:endParaRPr lang="en-US" altLang="zh-TW" sz="6400" b="1" dirty="0">
+              <a:solidFill>
+                <a:srgbClr val="660033"/>
+              </a:solidFill>
+              <a:latin typeface="微軟正黑體" pitchFamily="34" charset="-120"/>
+              <a:ea typeface="微軟正黑體" pitchFamily="34" charset="-120"/>
+            </a:endParaRPr>
+          </a:p>
+          <a:p>
+            <a:pPr algn="ctr">
+              <a:buNone/>
+            </a:pPr>
+            <a:r>
+              <a:rPr lang="zh-TW" altLang="en-US" sz="6400" b="1" dirty="0">
+                <a:solidFill>
+                  <a:srgbClr val="660033"/>
+                </a:solidFill>
+                <a:latin typeface="微軟正黑體" pitchFamily="34" charset="-120"/>
+                <a:ea typeface="微軟正黑體" pitchFamily="34" charset="-120"/>
+              </a:rPr>
+              <a:t>一切祂都知道  祂都明瞭</a:t>
+            </a:r>
+            <a:endParaRPr lang="en-US" altLang="zh-TW" sz="6400" b="1" dirty="0">
+              <a:solidFill>
+                <a:srgbClr val="660033"/>
+              </a:solidFill>
+              <a:latin typeface="微軟正黑體" pitchFamily="34" charset="-120"/>
+              <a:ea typeface="微軟正黑體" pitchFamily="34" charset="-120"/>
+            </a:endParaRPr>
+          </a:p>
+        </p:txBody>
+      </p:sp>
+      <p:sp>
+        <p:nvSpPr>
+          <p:cNvPr id="4" name="TextBox 3"/>
+          <p:cNvSpPr txBox="1"/>
+          <p:nvPr/>
+        </p:nvSpPr>
+        <p:spPr>
+          <a:xfrm>
+            <a:off x="0" y="5253206"/>
+            <a:ext cx="12192000" cy="707886"/>
+          </a:xfrm>
+          <a:prstGeom prst="rect">
+            <a:avLst/>
+          </a:prstGeom>
+          <a:noFill/>
+        </p:spPr>
+        <p:txBody>
+          <a:bodyPr wrap="square" rtlCol="0">
+            <a:spAutoFit/>
+          </a:bodyPr>
+          <a:lstStyle/>
+          <a:p>
+            <a:pPr algn="ctr"/>
+            <a:r>
+              <a:rPr lang="en-US" sz="4000" b="1" dirty="0">
+                <a:solidFill>
+                  <a:srgbClr val="660033"/>
+                </a:solidFill>
+                <a:latin typeface="Microsoft JhengHei" panose="020B0604030504040204" pitchFamily="34" charset="-120"/>
+                <a:ea typeface="Microsoft JhengHei" panose="020B0604030504040204" pitchFamily="34" charset="-120"/>
+              </a:rPr>
+              <a:t>( </a:t>
+            </a:r>
+            <a:r>
               <a:rPr lang="zh-CN" altLang="en-US" sz="4000" b="1">
                 <a:solidFill>
                   <a:srgbClr val="660033"/>
@@ -4016,13 +5370,376 @@
     </p:spTree>
     <p:extLst>
       <p:ext uri="{BB962C8B-B14F-4D97-AF65-F5344CB8AC3E}">
-        <p14:creationId xmlns:p14="http://schemas.microsoft.com/office/powerpoint/2010/main" val="8165214"/>
+        <p14:creationId xmlns:p14="http://schemas.microsoft.com/office/powerpoint/2010/main" xmlns="" val="8165214"/>
       </p:ext>
     </p:extLst>
   </p:cSld>
   <p:clrMapOvr>
     <a:masterClrMapping/>
   </p:clrMapOvr>
+  <p:timing>
+    <p:tnLst>
+      <p:par>
+        <p:cTn id="1" dur="indefinite" restart="never" nodeType="tmRoot"/>
+      </p:par>
+    </p:tnLst>
+  </p:timing>
+</p:sld>
+</file>
+
+<file path=ppt/slides/slide8.xml><?xml version="1.0" encoding="utf-8"?>
+<p:sld xmlns:a="http://schemas.openxmlformats.org/drawingml/2006/main" xmlns:r="http://schemas.openxmlformats.org/officeDocument/2006/relationships" xmlns:p="http://schemas.openxmlformats.org/presentationml/2006/main">
+  <p:cSld>
+    <p:spTree>
+      <p:nvGrpSpPr>
+        <p:cNvPr id="1" name=""/>
+        <p:cNvGrpSpPr/>
+        <p:nvPr/>
+      </p:nvGrpSpPr>
+      <p:grpSpPr>
+        <a:xfrm>
+          <a:off x="0" y="0"/>
+          <a:ext cx="0" cy="0"/>
+          <a:chOff x="0" y="0"/>
+          <a:chExt cx="0" cy="0"/>
+        </a:xfrm>
+      </p:grpSpPr>
+      <p:sp>
+        <p:nvSpPr>
+          <p:cNvPr id="5" name="內容版面配置區 4"/>
+          <p:cNvSpPr>
+            <a:spLocks noGrp="1"/>
+          </p:cNvSpPr>
+          <p:nvPr>
+            <p:ph idx="1"/>
+          </p:nvPr>
+        </p:nvSpPr>
+        <p:spPr>
+          <a:xfrm>
+            <a:off x="0" y="2084851"/>
+            <a:ext cx="12192000" cy="2404863"/>
+          </a:xfrm>
+        </p:spPr>
+        <p:txBody>
+          <a:bodyPr anchor="ctr">
+            <a:normAutofit/>
+          </a:bodyPr>
+          <a:lstStyle/>
+          <a:p>
+            <a:pPr algn="ctr">
+              <a:buNone/>
+            </a:pPr>
+            <a:r>
+              <a:rPr lang="zh-TW" altLang="en-US" sz="6400" b="1" dirty="0">
+                <a:solidFill>
+                  <a:srgbClr val="660033"/>
+                </a:solidFill>
+                <a:latin typeface="微軟正黑體" pitchFamily="34" charset="-120"/>
+                <a:ea typeface="微軟正黑體" pitchFamily="34" charset="-120"/>
+              </a:rPr>
+              <a:t>我要頌揚  頌揚那造眼睛的主</a:t>
+            </a:r>
+            <a:endParaRPr lang="en-US" altLang="zh-TW" sz="6400" b="1" dirty="0">
+              <a:solidFill>
+                <a:srgbClr val="660033"/>
+              </a:solidFill>
+              <a:latin typeface="微軟正黑體" pitchFamily="34" charset="-120"/>
+              <a:ea typeface="微軟正黑體" pitchFamily="34" charset="-120"/>
+            </a:endParaRPr>
+          </a:p>
+          <a:p>
+            <a:pPr algn="ctr">
+              <a:buNone/>
+            </a:pPr>
+            <a:r>
+              <a:rPr lang="zh-TW" altLang="en-US" sz="6400" b="1" dirty="0">
+                <a:solidFill>
+                  <a:srgbClr val="660033"/>
+                </a:solidFill>
+                <a:latin typeface="微軟正黑體" pitchFamily="34" charset="-120"/>
+                <a:ea typeface="微軟正黑體" pitchFamily="34" charset="-120"/>
+              </a:rPr>
+              <a:t>因為萬事祂都看見</a:t>
+            </a:r>
+            <a:endParaRPr lang="en-US" altLang="zh-TW" sz="6400" b="1" dirty="0">
+              <a:solidFill>
+                <a:srgbClr val="660033"/>
+              </a:solidFill>
+              <a:latin typeface="微軟正黑體" pitchFamily="34" charset="-120"/>
+              <a:ea typeface="微軟正黑體" pitchFamily="34" charset="-120"/>
+            </a:endParaRPr>
+          </a:p>
+        </p:txBody>
+      </p:sp>
+      <p:sp>
+        <p:nvSpPr>
+          <p:cNvPr id="3" name="TextBox 2"/>
+          <p:cNvSpPr txBox="1"/>
+          <p:nvPr/>
+        </p:nvSpPr>
+        <p:spPr>
+          <a:xfrm>
+            <a:off x="0" y="5253206"/>
+            <a:ext cx="12192000" cy="707886"/>
+          </a:xfrm>
+          <a:prstGeom prst="rect">
+            <a:avLst/>
+          </a:prstGeom>
+          <a:noFill/>
+        </p:spPr>
+        <p:txBody>
+          <a:bodyPr wrap="square" rtlCol="0">
+            <a:spAutoFit/>
+          </a:bodyPr>
+          <a:lstStyle/>
+          <a:p>
+            <a:pPr algn="ctr"/>
+            <a:r>
+              <a:rPr lang="en-US" sz="4000" b="1" dirty="0">
+                <a:solidFill>
+                  <a:srgbClr val="660033"/>
+                </a:solidFill>
+                <a:latin typeface="Microsoft JhengHei" panose="020B0604030504040204" pitchFamily="34" charset="-120"/>
+                <a:ea typeface="Microsoft JhengHei" panose="020B0604030504040204" pitchFamily="34" charset="-120"/>
+              </a:rPr>
+              <a:t>( </a:t>
+            </a:r>
+            <a:r>
+              <a:rPr lang="zh-CN" altLang="en-US" sz="4000" b="1" dirty="0" smtClean="0">
+                <a:solidFill>
+                  <a:srgbClr val="660033"/>
+                </a:solidFill>
+                <a:latin typeface="Microsoft JhengHei" panose="020B0604030504040204" pitchFamily="34" charset="-120"/>
+                <a:ea typeface="Microsoft JhengHei" panose="020B0604030504040204" pitchFamily="34" charset="-120"/>
+              </a:rPr>
+              <a:t>正歌 </a:t>
+            </a:r>
+            <a:r>
+              <a:rPr lang="en-US" sz="4000" b="1" dirty="0" smtClean="0">
+                <a:solidFill>
+                  <a:srgbClr val="660033"/>
+                </a:solidFill>
+                <a:latin typeface="Microsoft JhengHei" panose="020B0604030504040204" pitchFamily="34" charset="-120"/>
+                <a:ea typeface="Microsoft JhengHei" panose="020B0604030504040204" pitchFamily="34" charset="-120"/>
+              </a:rPr>
+              <a:t>1 </a:t>
+            </a:r>
+            <a:r>
+              <a:rPr lang="en-US" sz="4000" b="1" dirty="0">
+                <a:solidFill>
+                  <a:srgbClr val="660033"/>
+                </a:solidFill>
+                <a:latin typeface="Microsoft JhengHei" panose="020B0604030504040204" pitchFamily="34" charset="-120"/>
+                <a:ea typeface="Microsoft JhengHei" panose="020B0604030504040204" pitchFamily="34" charset="-120"/>
+              </a:rPr>
+              <a:t>)</a:t>
+            </a:r>
+            <a:endParaRPr lang="vi-VN" sz="4000" b="1" dirty="0">
+              <a:solidFill>
+                <a:srgbClr val="660033"/>
+              </a:solidFill>
+              <a:ea typeface="Microsoft JhengHei" panose="020B0604030504040204" pitchFamily="34" charset="-120"/>
+            </a:endParaRPr>
+          </a:p>
+        </p:txBody>
+      </p:sp>
+    </p:spTree>
+    <p:extLst>
+      <p:ext uri="{BB962C8B-B14F-4D97-AF65-F5344CB8AC3E}">
+        <p14:creationId xmlns:p14="http://schemas.microsoft.com/office/powerpoint/2010/main" xmlns="" val="495541262"/>
+      </p:ext>
+    </p:extLst>
+  </p:cSld>
+  <p:clrMapOvr>
+    <a:masterClrMapping/>
+  </p:clrMapOvr>
+  <p:timing>
+    <p:tnLst>
+      <p:par>
+        <p:cTn id="1" dur="indefinite" restart="never" nodeType="tmRoot"/>
+      </p:par>
+    </p:tnLst>
+  </p:timing>
+</p:sld>
+</file>
+
+<file path=ppt/slides/slide9.xml><?xml version="1.0" encoding="utf-8"?>
+<p:sld xmlns:a="http://schemas.openxmlformats.org/drawingml/2006/main" xmlns:r="http://schemas.openxmlformats.org/officeDocument/2006/relationships" xmlns:p="http://schemas.openxmlformats.org/presentationml/2006/main">
+  <p:cSld>
+    <p:spTree>
+      <p:nvGrpSpPr>
+        <p:cNvPr id="1" name=""/>
+        <p:cNvGrpSpPr/>
+        <p:nvPr/>
+      </p:nvGrpSpPr>
+      <p:grpSpPr>
+        <a:xfrm>
+          <a:off x="0" y="0"/>
+          <a:ext cx="0" cy="0"/>
+          <a:chOff x="0" y="0"/>
+          <a:chExt cx="0" cy="0"/>
+        </a:xfrm>
+      </p:grpSpPr>
+      <p:sp>
+        <p:nvSpPr>
+          <p:cNvPr id="5" name="內容版面配置區 4"/>
+          <p:cNvSpPr>
+            <a:spLocks noGrp="1"/>
+          </p:cNvSpPr>
+          <p:nvPr>
+            <p:ph idx="1"/>
+          </p:nvPr>
+        </p:nvSpPr>
+        <p:spPr>
+          <a:xfrm>
+            <a:off x="0" y="2084851"/>
+            <a:ext cx="12192000" cy="2404863"/>
+          </a:xfrm>
+        </p:spPr>
+        <p:txBody>
+          <a:bodyPr anchor="ctr">
+            <a:normAutofit/>
+          </a:bodyPr>
+          <a:lstStyle/>
+          <a:p>
+            <a:pPr algn="ctr">
+              <a:buNone/>
+            </a:pPr>
+            <a:r>
+              <a:rPr lang="zh-TW" altLang="en-US" sz="6400" b="1" dirty="0">
+                <a:solidFill>
+                  <a:srgbClr val="660033"/>
+                </a:solidFill>
+                <a:latin typeface="微軟正黑體" pitchFamily="34" charset="-120"/>
+                <a:ea typeface="微軟正黑體" pitchFamily="34" charset="-120"/>
+              </a:rPr>
+              <a:t>我要頌揚</a:t>
+            </a:r>
+            <a:r>
+              <a:rPr lang="en-US" altLang="zh-TW" sz="6400" b="1" dirty="0">
+                <a:solidFill>
+                  <a:srgbClr val="660033"/>
+                </a:solidFill>
+                <a:latin typeface="微軟正黑體" pitchFamily="34" charset="-120"/>
+                <a:ea typeface="微軟正黑體" pitchFamily="34" charset="-120"/>
+              </a:rPr>
+              <a:t>  </a:t>
+            </a:r>
+            <a:r>
+              <a:rPr lang="zh-TW" altLang="en-US" sz="6400" b="1" dirty="0">
+                <a:solidFill>
+                  <a:srgbClr val="660033"/>
+                </a:solidFill>
+                <a:latin typeface="微軟正黑體" pitchFamily="34" charset="-120"/>
+                <a:ea typeface="微軟正黑體" pitchFamily="34" charset="-120"/>
+              </a:rPr>
+              <a:t>頌揚那造耳朵的主</a:t>
+            </a:r>
+            <a:endParaRPr lang="en-US" altLang="zh-TW" sz="6400" b="1" dirty="0">
+              <a:solidFill>
+                <a:srgbClr val="660033"/>
+              </a:solidFill>
+              <a:latin typeface="微軟正黑體" pitchFamily="34" charset="-120"/>
+              <a:ea typeface="微軟正黑體" pitchFamily="34" charset="-120"/>
+            </a:endParaRPr>
+          </a:p>
+          <a:p>
+            <a:pPr algn="ctr">
+              <a:buNone/>
+            </a:pPr>
+            <a:r>
+              <a:rPr lang="zh-TW" altLang="en-US" sz="6400" b="1" dirty="0">
+                <a:solidFill>
+                  <a:srgbClr val="660033"/>
+                </a:solidFill>
+                <a:latin typeface="微軟正黑體" pitchFamily="34" charset="-120"/>
+                <a:ea typeface="微軟正黑體" pitchFamily="34" charset="-120"/>
+              </a:rPr>
+              <a:t>因為萬事祂都聽見</a:t>
+            </a:r>
+          </a:p>
+        </p:txBody>
+      </p:sp>
+      <p:sp>
+        <p:nvSpPr>
+          <p:cNvPr id="3" name="TextBox 2"/>
+          <p:cNvSpPr txBox="1"/>
+          <p:nvPr/>
+        </p:nvSpPr>
+        <p:spPr>
+          <a:xfrm>
+            <a:off x="0" y="5253206"/>
+            <a:ext cx="12192000" cy="707886"/>
+          </a:xfrm>
+          <a:prstGeom prst="rect">
+            <a:avLst/>
+          </a:prstGeom>
+          <a:noFill/>
+        </p:spPr>
+        <p:txBody>
+          <a:bodyPr wrap="square" rtlCol="0">
+            <a:spAutoFit/>
+          </a:bodyPr>
+          <a:lstStyle/>
+          <a:p>
+            <a:pPr algn="ctr"/>
+            <a:r>
+              <a:rPr lang="en-US" sz="4000" b="1" dirty="0">
+                <a:solidFill>
+                  <a:srgbClr val="660033"/>
+                </a:solidFill>
+                <a:latin typeface="Microsoft JhengHei" panose="020B0604030504040204" pitchFamily="34" charset="-120"/>
+                <a:ea typeface="Microsoft JhengHei" panose="020B0604030504040204" pitchFamily="34" charset="-120"/>
+              </a:rPr>
+              <a:t>( </a:t>
+            </a:r>
+            <a:r>
+              <a:rPr lang="zh-CN" altLang="en-US" sz="4000" b="1" dirty="0">
+                <a:solidFill>
+                  <a:srgbClr val="660033"/>
+                </a:solidFill>
+                <a:latin typeface="Microsoft JhengHei" panose="020B0604030504040204" pitchFamily="34" charset="-120"/>
+                <a:ea typeface="Microsoft JhengHei" panose="020B0604030504040204" pitchFamily="34" charset="-120"/>
+              </a:rPr>
+              <a:t>正歌 </a:t>
+            </a:r>
+            <a:r>
+              <a:rPr lang="en-US" sz="4000" b="1" dirty="0">
+                <a:solidFill>
+                  <a:srgbClr val="660033"/>
+                </a:solidFill>
+                <a:latin typeface="Microsoft JhengHei" panose="020B0604030504040204" pitchFamily="34" charset="-120"/>
+                <a:ea typeface="Microsoft JhengHei" panose="020B0604030504040204" pitchFamily="34" charset="-120"/>
+              </a:rPr>
+              <a:t>1 )</a:t>
+            </a:r>
+            <a:endParaRPr lang="vi-VN" sz="4000" b="1" dirty="0">
+              <a:solidFill>
+                <a:srgbClr val="660033"/>
+              </a:solidFill>
+              <a:latin typeface="Microsoft JhengHei" panose="020B0604030504040204" pitchFamily="34" charset="-120"/>
+              <a:ea typeface="Microsoft JhengHei" panose="020B0604030504040204" pitchFamily="34" charset="-120"/>
+            </a:endParaRPr>
+          </a:p>
+        </p:txBody>
+      </p:sp>
+    </p:spTree>
+    <p:extLst>
+      <p:ext uri="{BB962C8B-B14F-4D97-AF65-F5344CB8AC3E}">
+        <p14:creationId xmlns:p14="http://schemas.microsoft.com/office/powerpoint/2010/main" xmlns="" val="3348989334"/>
+      </p:ext>
+    </p:extLst>
+  </p:cSld>
+  <p:clrMapOvr>
+    <a:masterClrMapping/>
+  </p:clrMapOvr>
+  <p:timing>
+    <p:tnLst>
+      <p:par>
+        <p:cTn id="1" dur="indefinite" restart="never" nodeType="tmRoot"/>
+      </p:par>
+    </p:tnLst>
+  </p:timing>
 </p:sld>
 </file>
 
